--- a/week2/week2.pptx
+++ b/week2/week2.pptx
@@ -7,6 +7,29 @@
   <p:sldIdLst>
     <p:sldId id="256" r:id="rId2"/>
     <p:sldId id="257" r:id="rId3"/>
+    <p:sldId id="258" r:id="rId4"/>
+    <p:sldId id="259" r:id="rId5"/>
+    <p:sldId id="260" r:id="rId6"/>
+    <p:sldId id="261" r:id="rId7"/>
+    <p:sldId id="262" r:id="rId8"/>
+    <p:sldId id="263" r:id="rId9"/>
+    <p:sldId id="264" r:id="rId10"/>
+    <p:sldId id="265" r:id="rId11"/>
+    <p:sldId id="266" r:id="rId12"/>
+    <p:sldId id="267" r:id="rId13"/>
+    <p:sldId id="268" r:id="rId14"/>
+    <p:sldId id="269" r:id="rId15"/>
+    <p:sldId id="270" r:id="rId16"/>
+    <p:sldId id="271" r:id="rId17"/>
+    <p:sldId id="272" r:id="rId18"/>
+    <p:sldId id="273" r:id="rId19"/>
+    <p:sldId id="274" r:id="rId20"/>
+    <p:sldId id="275" r:id="rId21"/>
+    <p:sldId id="276" r:id="rId22"/>
+    <p:sldId id="277" r:id="rId23"/>
+    <p:sldId id="278" r:id="rId24"/>
+    <p:sldId id="279" r:id="rId25"/>
+    <p:sldId id="280" r:id="rId26"/>
   </p:sldIdLst>
   <p:sldSz cx="9144000" cy="5143500" type="screen16x9"/>
   <p:notesSz cx="6858000" cy="9144000"/>
@@ -3179,6 +3202,1116 @@
 </p:sld>
 </file>
 
+<file path=ppt/slides/slide10.xml><?xml version="1.0" encoding="utf-8"?>
+<p:sld xmlns:a="http://schemas.openxmlformats.org/drawingml/2006/main" xmlns:r="http://schemas.openxmlformats.org/officeDocument/2006/relationships" xmlns:p="http://schemas.openxmlformats.org/presentationml/2006/main">
+  <p:cSld>
+    <p:spTree>
+      <p:nvGrpSpPr>
+        <p:cNvPr id="1" name=""/>
+        <p:cNvGrpSpPr/>
+        <p:nvPr/>
+      </p:nvGrpSpPr>
+      <p:grpSpPr>
+        <a:xfrm>
+          <a:off x="0" y="0"/>
+          <a:ext cx="0" cy="0"/>
+          <a:chOff x="0" y="0"/>
+          <a:chExt cx="0" cy="0"/>
+        </a:xfrm>
+      </p:grpSpPr>
+      <p:sp>
+        <p:nvSpPr>
+          <p:cNvPr id="2" name="Title 1"/>
+          <p:cNvSpPr>
+            <a:spLocks noGrp="1"/>
+          </p:cNvSpPr>
+          <p:nvPr>
+            <p:ph type="title"/>
+          </p:nvPr>
+        </p:nvSpPr>
+        <p:spPr>
+          <a:xfrm>
+            <a:off x="457201" y="204787"/>
+            <a:ext cx="3008313" cy="871538"/>
+          </a:xfrm>
+        </p:spPr>
+        <p:txBody>
+          <a:bodyPr/>
+          <a:lstStyle/>
+          <a:p>
+            <a:pPr lvl="0" indent="0" marL="0">
+              <a:buNone/>
+            </a:pPr>
+            <a:r>
+              <a:rPr/>
+              <a:t>R sf library (Simple Features for R)</a:t>
+            </a:r>
+          </a:p>
+        </p:txBody>
+      </p:sp>
+      <p:sp>
+        <p:nvSpPr>
+          <p:cNvPr id="4" name="Text Placeholder 3"/>
+          <p:cNvSpPr>
+            <a:spLocks noGrp="1"/>
+          </p:cNvSpPr>
+          <p:nvPr>
+            <p:ph idx="2" sz="half" type="body"/>
+          </p:nvPr>
+        </p:nvSpPr>
+        <p:spPr/>
+        <p:txBody>
+          <a:bodyPr/>
+          <a:lstStyle/>
+          <a:p>
+            <a:pPr lvl="0" indent="0" marL="0">
+              <a:spcBef>
+                <a:spcPts val="3000"/>
+              </a:spcBef>
+              <a:buNone/>
+            </a:pPr>
+            <a:r>
+              <a:rPr b="1"/>
+              <a:t>R sf library (simple feature)</a:t>
+            </a:r>
+          </a:p>
+          <a:p>
+            <a:pPr lvl="0" indent="0" marL="0">
+              <a:spcBef>
+                <a:spcPts val="3000"/>
+              </a:spcBef>
+              <a:buNone/>
+            </a:pPr>
+            <a:r>
+              <a:rPr b="1"/>
+              <a:t>Represents simple features as records in a data.frame or tibble with a geometry list-column</a:t>
+            </a:r>
+          </a:p>
+          <a:p>
+            <a:pPr lvl="0" indent="0" marL="0">
+              <a:spcBef>
+                <a:spcPts val="3000"/>
+              </a:spcBef>
+              <a:buNone/>
+            </a:pPr>
+            <a:r>
+              <a:rPr b="1"/>
+              <a:t>Represents natively in R all 17 simple feature types for all dimensions (XY, XYZ, XYM, XYZM)</a:t>
+            </a:r>
+          </a:p>
+          <a:p>
+            <a:pPr lvl="0" indent="0" marL="0">
+              <a:spcBef>
+                <a:spcPts val="3000"/>
+              </a:spcBef>
+              <a:buNone/>
+            </a:pPr>
+            <a:r>
+              <a:rPr b="1"/>
+              <a:t>Interfaces to GEOS for geometrical operations on projected coordinates, and (through R package s2) to s2geometry for geometrical operations on ellipsoidal coordinates</a:t>
+            </a:r>
+          </a:p>
+          <a:p>
+            <a:pPr lvl="0" indent="0" marL="0">
+              <a:spcBef>
+                <a:spcPts val="3000"/>
+              </a:spcBef>
+              <a:buNone/>
+            </a:pPr>
+            <a:r>
+              <a:rPr b="1"/>
+              <a:t>Interfaces to GDAL, supporting all driver options, Date and POSIXct and list-columns</a:t>
+            </a:r>
+          </a:p>
+          <a:p>
+            <a:pPr lvl="0" indent="0" marL="0">
+              <a:spcBef>
+                <a:spcPts val="3000"/>
+              </a:spcBef>
+              <a:buNone/>
+            </a:pPr>
+            <a:r>
+              <a:rPr b="1"/>
+              <a:t>Interfaces to PROJ for coordinate reference system conversion and transformation</a:t>
+            </a:r>
+          </a:p>
+          <a:p>
+            <a:pPr lvl="0" indent="0" marL="0">
+              <a:spcBef>
+                <a:spcPts val="3000"/>
+              </a:spcBef>
+              <a:buNone/>
+            </a:pPr>
+            <a:r>
+              <a:rPr b="1"/>
+              <a:t>Uses well-known-binary serialisations written in C++/Rcpp for fast I/O with GDAL and GEOS</a:t>
+            </a:r>
+          </a:p>
+          <a:p>
+            <a:pPr lvl="0" indent="0" marL="0">
+              <a:spcBef>
+                <a:spcPts val="3000"/>
+              </a:spcBef>
+              <a:buNone/>
+            </a:pPr>
+            <a:r>
+              <a:rPr b="1"/>
+              <a:t>Reads from and writes to spatial databases such as PostGIS using DBI</a:t>
+            </a:r>
+          </a:p>
+          <a:p>
+            <a:pPr lvl="0" indent="0" marL="0">
+              <a:spcBef>
+                <a:spcPts val="3000"/>
+              </a:spcBef>
+              <a:buNone/>
+            </a:pPr>
+            <a:r>
+              <a:rPr b="1"/>
+              <a:t>Source: </a:t>
+            </a:r>
+            <a:r>
+              <a:rPr b="1">
+                <a:hlinkClick r:id="rId2"/>
+              </a:rPr>
+              <a:t>https://r-spatial.github.io/sf/</a:t>
+            </a:r>
+          </a:p>
+        </p:txBody>
+      </p:sp>
+      <p:pic>
+        <p:nvPicPr>
+          <p:cNvPr descr="sf.gif" id="0" name="Picture 1"/>
+          <p:cNvPicPr>
+            <a:picLocks noGrp="1" noChangeAspect="1"/>
+          </p:cNvPicPr>
+          <p:nvPr/>
+        </p:nvPicPr>
+        <p:blipFill>
+          <a:blip r:embed="rId3"/>
+          <a:stretch>
+            <a:fillRect/>
+          </a:stretch>
+        </p:blipFill>
+        <p:spPr bwMode="auto">
+          <a:xfrm>
+            <a:off x="3937000" y="203200"/>
+            <a:ext cx="4381500" cy="4381500"/>
+          </a:xfrm>
+          <a:prstGeom prst="rect">
+            <a:avLst/>
+          </a:prstGeom>
+          <a:noFill/>
+          <a:ln w="9525">
+            <a:noFill/>
+            <a:headEnd/>
+            <a:tailEnd/>
+          </a:ln>
+        </p:spPr>
+      </p:pic>
+    </p:spTree>
+  </p:cSld>
+</p:sld>
+</file>
+
+<file path=ppt/slides/slide11.xml><?xml version="1.0" encoding="utf-8"?>
+<p:sld xmlns:a="http://schemas.openxmlformats.org/drawingml/2006/main" xmlns:r="http://schemas.openxmlformats.org/officeDocument/2006/relationships" xmlns:p="http://schemas.openxmlformats.org/presentationml/2006/main">
+  <p:cSld>
+    <p:spTree>
+      <p:nvGrpSpPr>
+        <p:cNvPr id="1" name=""/>
+        <p:cNvGrpSpPr/>
+        <p:nvPr/>
+      </p:nvGrpSpPr>
+      <p:grpSpPr>
+        <a:xfrm>
+          <a:off x="0" y="0"/>
+          <a:ext cx="0" cy="0"/>
+          <a:chOff x="0" y="0"/>
+          <a:chExt cx="0" cy="0"/>
+        </a:xfrm>
+      </p:grpSpPr>
+      <p:sp>
+        <p:nvSpPr>
+          <p:cNvPr id="2" name="Title 1"/>
+          <p:cNvSpPr>
+            <a:spLocks noGrp="1"/>
+          </p:cNvSpPr>
+          <p:nvPr>
+            <p:ph type="title"/>
+          </p:nvPr>
+        </p:nvSpPr>
+        <p:spPr/>
+        <p:txBody>
+          <a:bodyPr/>
+          <a:lstStyle/>
+          <a:p>
+            <a:pPr lvl="0" indent="0" marL="0">
+              <a:buNone/>
+            </a:pPr>
+            <a:r>
+              <a:rPr/>
+              <a:t>Read a shapefile (y2010.shp)</a:t>
+            </a:r>
+          </a:p>
+        </p:txBody>
+      </p:sp>
+      <p:sp>
+        <p:nvSpPr>
+          <p:cNvPr id="3" name="Content Placeholder 2"/>
+          <p:cNvSpPr>
+            <a:spLocks noGrp="1"/>
+          </p:cNvSpPr>
+          <p:nvPr>
+            <p:ph idx="1"/>
+          </p:nvPr>
+        </p:nvSpPr>
+        <p:spPr/>
+        <p:txBody>
+          <a:bodyPr/>
+          <a:lstStyle/>
+          <a:p>
+            <a:pPr lvl="0" indent="0">
+              <a:buNone/>
+            </a:pPr>
+            <a:r>
+              <a:rPr>
+                <a:solidFill>
+                  <a:srgbClr val="06287E"/>
+                </a:solidFill>
+                <a:latin typeface="Courier"/>
+              </a:rPr>
+              <a:t>library</a:t>
+            </a:r>
+            <a:r>
+              <a:rPr>
+                <a:latin typeface="Courier"/>
+              </a:rPr>
+              <a:t>(sf)</a:t>
+            </a:r>
+          </a:p>
+          <a:p>
+            <a:pPr lvl="0" indent="0">
+              <a:buNone/>
+            </a:pPr>
+            <a:r>
+              <a:rPr>
+                <a:latin typeface="Courier"/>
+              </a:rPr>
+              <a:t>## Linking to GEOS 3.10.2, GDAL 3.4.2, PROJ 8.2.1; sf_use_s2() is TRUE</a:t>
+            </a:r>
+          </a:p>
+          <a:p>
+            <a:pPr lvl="0" indent="0">
+              <a:buNone/>
+            </a:pPr>
+            <a:r>
+              <a:rPr>
+                <a:latin typeface="Courier"/>
+              </a:rPr>
+              <a:t>pophu </a:t>
+            </a:r>
+            <a:r>
+              <a:rPr>
+                <a:solidFill>
+                  <a:srgbClr val="007020"/>
+                </a:solidFill>
+                <a:latin typeface="Courier"/>
+              </a:rPr>
+              <a:t>&lt;-</a:t>
+            </a:r>
+            <a:r>
+              <a:rPr>
+                <a:latin typeface="Courier"/>
+              </a:rPr>
+              <a:t> </a:t>
+            </a:r>
+            <a:r>
+              <a:rPr>
+                <a:solidFill>
+                  <a:srgbClr val="06287E"/>
+                </a:solidFill>
+                <a:latin typeface="Courier"/>
+              </a:rPr>
+              <a:t>st_read</a:t>
+            </a:r>
+            <a:r>
+              <a:rPr>
+                <a:latin typeface="Courier"/>
+              </a:rPr>
+              <a:t>(</a:t>
+            </a:r>
+            <a:r>
+              <a:rPr>
+                <a:solidFill>
+                  <a:srgbClr val="4070A0"/>
+                </a:solidFill>
+                <a:latin typeface="Courier"/>
+              </a:rPr>
+              <a:t>'y2010.shp'</a:t>
+            </a:r>
+            <a:r>
+              <a:rPr>
+                <a:latin typeface="Courier"/>
+              </a:rPr>
+              <a:t>)</a:t>
+            </a:r>
+          </a:p>
+          <a:p>
+            <a:pPr lvl="0" indent="0">
+              <a:buNone/>
+            </a:pPr>
+            <a:r>
+              <a:rPr>
+                <a:latin typeface="Courier"/>
+              </a:rPr>
+              <a:t>## Reading layer `y2010' from data source 
+##   `/Users/yshao/work/Geog4254-5254G/week2/y2010.shp' using driver `ESRI Shapefile'
+## Simple feature collection with 16565 features and 9 fields
+## Geometry type: MULTIPOLYGON
+## Dimension:     XY
+## Bounding box:  xmin: -81.01449 ymin: 36.879 xmax: -79.83963 ymax: 37.66029
+## Geodetic CRS:  NAD83</a:t>
+            </a:r>
+          </a:p>
+        </p:txBody>
+      </p:sp>
+    </p:spTree>
+  </p:cSld>
+</p:sld>
+</file>
+
+<file path=ppt/slides/slide12.xml><?xml version="1.0" encoding="utf-8"?>
+<p:sld xmlns:a="http://schemas.openxmlformats.org/drawingml/2006/main" xmlns:r="http://schemas.openxmlformats.org/officeDocument/2006/relationships" xmlns:p="http://schemas.openxmlformats.org/presentationml/2006/main">
+  <p:cSld>
+    <p:spTree>
+      <p:nvGrpSpPr>
+        <p:cNvPr id="1" name=""/>
+        <p:cNvGrpSpPr/>
+        <p:nvPr/>
+      </p:nvGrpSpPr>
+      <p:grpSpPr>
+        <a:xfrm>
+          <a:off x="0" y="0"/>
+          <a:ext cx="0" cy="0"/>
+          <a:chOff x="0" y="0"/>
+          <a:chExt cx="0" cy="0"/>
+        </a:xfrm>
+      </p:grpSpPr>
+      <p:sp>
+        <p:nvSpPr>
+          <p:cNvPr id="2" name="Title 1"/>
+          <p:cNvSpPr>
+            <a:spLocks noGrp="1"/>
+          </p:cNvSpPr>
+          <p:nvPr>
+            <p:ph type="title"/>
+          </p:nvPr>
+        </p:nvSpPr>
+        <p:spPr/>
+        <p:txBody>
+          <a:bodyPr/>
+          <a:lstStyle/>
+          <a:p>
+            <a:pPr lvl="0" indent="0" marL="0">
+              <a:buNone/>
+            </a:pPr>
+            <a:r>
+              <a:rPr/>
+              <a:t>data frame (attribute table)</a:t>
+            </a:r>
+          </a:p>
+        </p:txBody>
+      </p:sp>
+      <p:sp>
+        <p:nvSpPr>
+          <p:cNvPr id="3" name="Content Placeholder 2"/>
+          <p:cNvSpPr>
+            <a:spLocks noGrp="1"/>
+          </p:cNvSpPr>
+          <p:nvPr>
+            <p:ph idx="1"/>
+          </p:nvPr>
+        </p:nvSpPr>
+        <p:spPr/>
+        <p:txBody>
+          <a:bodyPr/>
+          <a:lstStyle/>
+          <a:p>
+            <a:pPr lvl="0" indent="0">
+              <a:buNone/>
+            </a:pPr>
+            <a:r>
+              <a:rPr>
+                <a:latin typeface="Courier"/>
+              </a:rPr>
+              <a:t>## Simple feature collection with 6 features and 9 fields
+## Geometry type: MULTIPOLYGON
+## Dimension:     XY
+## Bounding box:  xmin: -80.32668 ymin: 37.22773 xmax: -79.84163 ymax: 37.49369
+## Geodetic CRS:  NAD83
+##   STATEFP10 COUNTYFP10 TRACTCE10 BLOCKCE       BLOCKID10 PARTFLG HOUSING10
+## 1        51        019    030602    2047 510190306022047       N         0
+## 2        51        045    050100    3028 510450501003028       N       145
+## 3        51        045    050100    3046 510450501003046       N         0
+## 4        51        045    050100    3030 510450501003030       N         0
+## 5        51        045    050100    2328 510450501002328       N         0
+## 6        51        045    050100    2100 510450501002100       N         0
+##   POP10 ID                       geometry
+## 1     0  1 MULTIPOLYGON (((-79.84413 3...
+## 2   326  2 MULTIPOLYGON (((-80.10891 3...
+## 3     0  3 MULTIPOLYGON (((-80.20565 3...
+## 4     0  4 MULTIPOLYGON (((-80.18561 3...
+## 5     0  5 MULTIPOLYGON (((-80.32459 3...
+## 6     0  6 MULTIPOLYGON (((-80.29813 3...</a:t>
+            </a:r>
+          </a:p>
+        </p:txBody>
+      </p:sp>
+    </p:spTree>
+  </p:cSld>
+</p:sld>
+</file>
+
+<file path=ppt/slides/slide13.xml><?xml version="1.0" encoding="utf-8"?>
+<p:sld xmlns:a="http://schemas.openxmlformats.org/drawingml/2006/main" xmlns:r="http://schemas.openxmlformats.org/officeDocument/2006/relationships" xmlns:p="http://schemas.openxmlformats.org/presentationml/2006/main">
+  <p:cSld>
+    <p:spTree>
+      <p:nvGrpSpPr>
+        <p:cNvPr id="1" name=""/>
+        <p:cNvGrpSpPr/>
+        <p:nvPr/>
+      </p:nvGrpSpPr>
+      <p:grpSpPr>
+        <a:xfrm>
+          <a:off x="0" y="0"/>
+          <a:ext cx="0" cy="0"/>
+          <a:chOff x="0" y="0"/>
+          <a:chExt cx="0" cy="0"/>
+        </a:xfrm>
+      </p:grpSpPr>
+      <p:sp>
+        <p:nvSpPr>
+          <p:cNvPr id="2" name="Title 1"/>
+          <p:cNvSpPr>
+            <a:spLocks noGrp="1"/>
+          </p:cNvSpPr>
+          <p:nvPr>
+            <p:ph type="title"/>
+          </p:nvPr>
+        </p:nvSpPr>
+        <p:spPr/>
+        <p:txBody>
+          <a:bodyPr/>
+          <a:lstStyle/>
+          <a:p>
+            <a:pPr lvl="0" indent="0" marL="0">
+              <a:buNone/>
+            </a:pPr>
+            <a:r>
+              <a:rPr/>
+              <a:t>plot the sf data frame</a:t>
+            </a:r>
+          </a:p>
+        </p:txBody>
+      </p:sp>
+      <p:pic>
+        <p:nvPicPr>
+          <p:cNvPr descr="week2_files/figure-pptx/unnamed-chunk-5-1.png" id="0" name="Picture 1"/>
+          <p:cNvPicPr>
+            <a:picLocks noGrp="1" noChangeAspect="1"/>
+          </p:cNvPicPr>
+          <p:nvPr/>
+        </p:nvPicPr>
+        <p:blipFill>
+          <a:blip r:embed="rId2"/>
+          <a:stretch>
+            <a:fillRect/>
+          </a:stretch>
+        </p:blipFill>
+        <p:spPr bwMode="auto">
+          <a:xfrm>
+            <a:off x="2451100" y="1193800"/>
+            <a:ext cx="4241800" cy="3390900"/>
+          </a:xfrm>
+          <a:prstGeom prst="rect">
+            <a:avLst/>
+          </a:prstGeom>
+          <a:noFill/>
+          <a:ln w="9525">
+            <a:noFill/>
+            <a:headEnd/>
+            <a:tailEnd/>
+          </a:ln>
+        </p:spPr>
+      </p:pic>
+    </p:spTree>
+  </p:cSld>
+</p:sld>
+</file>
+
+<file path=ppt/slides/slide14.xml><?xml version="1.0" encoding="utf-8"?>
+<p:sld xmlns:a="http://schemas.openxmlformats.org/drawingml/2006/main" xmlns:r="http://schemas.openxmlformats.org/officeDocument/2006/relationships" xmlns:p="http://schemas.openxmlformats.org/presentationml/2006/main">
+  <p:cSld>
+    <p:spTree>
+      <p:nvGrpSpPr>
+        <p:cNvPr id="1" name=""/>
+        <p:cNvGrpSpPr/>
+        <p:nvPr/>
+      </p:nvGrpSpPr>
+      <p:grpSpPr>
+        <a:xfrm>
+          <a:off x="0" y="0"/>
+          <a:ext cx="0" cy="0"/>
+          <a:chOff x="0" y="0"/>
+          <a:chExt cx="0" cy="0"/>
+        </a:xfrm>
+      </p:grpSpPr>
+      <p:sp>
+        <p:nvSpPr>
+          <p:cNvPr id="2" name="Title 1"/>
+          <p:cNvSpPr>
+            <a:spLocks noGrp="1"/>
+          </p:cNvSpPr>
+          <p:nvPr>
+            <p:ph type="title"/>
+          </p:nvPr>
+        </p:nvSpPr>
+        <p:spPr/>
+        <p:txBody>
+          <a:bodyPr/>
+          <a:lstStyle/>
+          <a:p>
+            <a:pPr lvl="0" indent="0" marL="0">
+              <a:buNone/>
+            </a:pPr>
+            <a:r>
+              <a:rPr/>
+              <a:t>Mapview</a:t>
+            </a:r>
+          </a:p>
+        </p:txBody>
+      </p:sp>
+      <p:pic>
+        <p:nvPicPr>
+          <p:cNvPr descr="mapview.png" id="0" name="Picture 1"/>
+          <p:cNvPicPr>
+            <a:picLocks noGrp="1" noChangeAspect="1"/>
+          </p:cNvPicPr>
+          <p:nvPr/>
+        </p:nvPicPr>
+        <p:blipFill>
+          <a:blip r:embed="rId2"/>
+          <a:stretch>
+            <a:fillRect/>
+          </a:stretch>
+        </p:blipFill>
+        <p:spPr bwMode="auto">
+          <a:xfrm>
+            <a:off x="2070100" y="1193800"/>
+            <a:ext cx="4991100" cy="3390900"/>
+          </a:xfrm>
+          <a:prstGeom prst="rect">
+            <a:avLst/>
+          </a:prstGeom>
+          <a:noFill/>
+          <a:ln w="9525">
+            <a:noFill/>
+            <a:headEnd/>
+            <a:tailEnd/>
+          </a:ln>
+        </p:spPr>
+      </p:pic>
+    </p:spTree>
+  </p:cSld>
+</p:sld>
+</file>
+
+<file path=ppt/slides/slide15.xml><?xml version="1.0" encoding="utf-8"?>
+<p:sld xmlns:a="http://schemas.openxmlformats.org/drawingml/2006/main" xmlns:r="http://schemas.openxmlformats.org/officeDocument/2006/relationships" xmlns:p="http://schemas.openxmlformats.org/presentationml/2006/main">
+  <p:cSld>
+    <p:spTree>
+      <p:nvGrpSpPr>
+        <p:cNvPr id="1" name=""/>
+        <p:cNvGrpSpPr/>
+        <p:nvPr/>
+      </p:nvGrpSpPr>
+      <p:grpSpPr>
+        <a:xfrm>
+          <a:off x="0" y="0"/>
+          <a:ext cx="0" cy="0"/>
+          <a:chOff x="0" y="0"/>
+          <a:chExt cx="0" cy="0"/>
+        </a:xfrm>
+      </p:grpSpPr>
+      <p:sp>
+        <p:nvSpPr>
+          <p:cNvPr id="2" name="Title 1"/>
+          <p:cNvSpPr>
+            <a:spLocks noGrp="1"/>
+          </p:cNvSpPr>
+          <p:nvPr>
+            <p:ph type="title"/>
+          </p:nvPr>
+        </p:nvSpPr>
+        <p:spPr/>
+        <p:txBody>
+          <a:bodyPr/>
+          <a:lstStyle/>
+          <a:p>
+            <a:pPr lvl="0" indent="0" marL="0">
+              <a:buNone/>
+            </a:pPr>
+            <a:r>
+              <a:rPr/>
+              <a:t>A quick demo on mapview usage</a:t>
+            </a:r>
+          </a:p>
+        </p:txBody>
+      </p:sp>
+    </p:spTree>
+  </p:cSld>
+</p:sld>
+</file>
+
+<file path=ppt/slides/slide16.xml><?xml version="1.0" encoding="utf-8"?>
+<p:sld xmlns:a="http://schemas.openxmlformats.org/drawingml/2006/main" xmlns:r="http://schemas.openxmlformats.org/officeDocument/2006/relationships" xmlns:p="http://schemas.openxmlformats.org/presentationml/2006/main">
+  <p:cSld>
+    <p:spTree>
+      <p:nvGrpSpPr>
+        <p:cNvPr id="1" name=""/>
+        <p:cNvGrpSpPr/>
+        <p:nvPr/>
+      </p:nvGrpSpPr>
+      <p:grpSpPr>
+        <a:xfrm>
+          <a:off x="0" y="0"/>
+          <a:ext cx="0" cy="0"/>
+          <a:chOff x="0" y="0"/>
+          <a:chExt cx="0" cy="0"/>
+        </a:xfrm>
+      </p:grpSpPr>
+      <p:sp>
+        <p:nvSpPr>
+          <p:cNvPr id="2" name="Title 1"/>
+          <p:cNvSpPr>
+            <a:spLocks noGrp="1"/>
+          </p:cNvSpPr>
+          <p:nvPr>
+            <p:ph type="title"/>
+          </p:nvPr>
+        </p:nvSpPr>
+        <p:spPr/>
+        <p:txBody>
+          <a:bodyPr/>
+          <a:lstStyle/>
+          <a:p>
+            <a:pPr lvl="0" indent="0" marL="0">
+              <a:buNone/>
+            </a:pPr>
+            <a:r>
+              <a:rPr/>
+              <a:t>Outline</a:t>
+            </a:r>
+          </a:p>
+        </p:txBody>
+      </p:sp>
+      <p:sp>
+        <p:nvSpPr>
+          <p:cNvPr id="3" name="Content Placeholder 2"/>
+          <p:cNvSpPr>
+            <a:spLocks noGrp="1"/>
+          </p:cNvSpPr>
+          <p:nvPr>
+            <p:ph idx="1"/>
+          </p:nvPr>
+        </p:nvSpPr>
+        <p:spPr/>
+        <p:txBody>
+          <a:bodyPr/>
+          <a:lstStyle/>
+          <a:p>
+            <a:pPr lvl="0"/>
+            <a:r>
+              <a:rPr/>
+              <a:t>raster, terra,and mapview libraries (read raster and shapefile)  </a:t>
+            </a:r>
+          </a:p>
+          <a:p>
+            <a:pPr lvl="0"/>
+            <a:r>
+              <a:rPr b="1"/>
+              <a:t>Handling spatial data in R (attributes, field calculator, select by attributes, select by location, summary statistics)</a:t>
+            </a:r>
+          </a:p>
+        </p:txBody>
+      </p:sp>
+    </p:spTree>
+  </p:cSld>
+</p:sld>
+</file>
+
+<file path=ppt/slides/slide17.xml><?xml version="1.0" encoding="utf-8"?>
+<p:sld xmlns:a="http://schemas.openxmlformats.org/drawingml/2006/main" xmlns:r="http://schemas.openxmlformats.org/officeDocument/2006/relationships" xmlns:p="http://schemas.openxmlformats.org/presentationml/2006/main">
+  <p:cSld>
+    <p:spTree>
+      <p:nvGrpSpPr>
+        <p:cNvPr id="1" name=""/>
+        <p:cNvGrpSpPr/>
+        <p:nvPr/>
+      </p:nvGrpSpPr>
+      <p:grpSpPr>
+        <a:xfrm>
+          <a:off x="0" y="0"/>
+          <a:ext cx="0" cy="0"/>
+          <a:chOff x="0" y="0"/>
+          <a:chExt cx="0" cy="0"/>
+        </a:xfrm>
+      </p:grpSpPr>
+      <p:sp>
+        <p:nvSpPr>
+          <p:cNvPr id="2" name="Title 1"/>
+          <p:cNvSpPr>
+            <a:spLocks noGrp="1"/>
+          </p:cNvSpPr>
+          <p:nvPr>
+            <p:ph type="title"/>
+          </p:nvPr>
+        </p:nvSpPr>
+        <p:spPr/>
+        <p:txBody>
+          <a:bodyPr/>
+          <a:lstStyle/>
+          <a:p>
+            <a:pPr lvl="0" indent="0" marL="0">
+              <a:buNone/>
+            </a:pPr>
+            <a:r>
+              <a:rPr/>
+              <a:t>Arcmap: add a field, field calculator</a:t>
+            </a:r>
+          </a:p>
+        </p:txBody>
+      </p:sp>
+      <p:pic>
+        <p:nvPicPr>
+          <p:cNvPr descr="att.png" id="0" name="Picture 1"/>
+          <p:cNvPicPr>
+            <a:picLocks noGrp="1" noChangeAspect="1"/>
+          </p:cNvPicPr>
+          <p:nvPr/>
+        </p:nvPicPr>
+        <p:blipFill>
+          <a:blip r:embed="rId2"/>
+          <a:stretch>
+            <a:fillRect/>
+          </a:stretch>
+        </p:blipFill>
+        <p:spPr bwMode="auto">
+          <a:xfrm>
+            <a:off x="2082800" y="1193800"/>
+            <a:ext cx="4965700" cy="3390900"/>
+          </a:xfrm>
+          <a:prstGeom prst="rect">
+            <a:avLst/>
+          </a:prstGeom>
+          <a:noFill/>
+          <a:ln w="9525">
+            <a:noFill/>
+            <a:headEnd/>
+            <a:tailEnd/>
+          </a:ln>
+        </p:spPr>
+      </p:pic>
+    </p:spTree>
+  </p:cSld>
+</p:sld>
+</file>
+
+<file path=ppt/slides/slide18.xml><?xml version="1.0" encoding="utf-8"?>
+<p:sld xmlns:a="http://schemas.openxmlformats.org/drawingml/2006/main" xmlns:r="http://schemas.openxmlformats.org/officeDocument/2006/relationships" xmlns:p="http://schemas.openxmlformats.org/presentationml/2006/main">
+  <p:cSld>
+    <p:spTree>
+      <p:nvGrpSpPr>
+        <p:cNvPr id="1" name=""/>
+        <p:cNvGrpSpPr/>
+        <p:nvPr/>
+      </p:nvGrpSpPr>
+      <p:grpSpPr>
+        <a:xfrm>
+          <a:off x="0" y="0"/>
+          <a:ext cx="0" cy="0"/>
+          <a:chOff x="0" y="0"/>
+          <a:chExt cx="0" cy="0"/>
+        </a:xfrm>
+      </p:grpSpPr>
+      <p:sp>
+        <p:nvSpPr>
+          <p:cNvPr id="3" name="Content Placeholder 2"/>
+          <p:cNvSpPr>
+            <a:spLocks noGrp="1"/>
+          </p:cNvSpPr>
+          <p:nvPr>
+            <p:ph idx="1"/>
+          </p:nvPr>
+        </p:nvSpPr>
+        <p:spPr/>
+        <p:txBody>
+          <a:bodyPr/>
+          <a:lstStyle/>
+          <a:p>
+            <a:pPr lvl="0" indent="0" marL="0">
+              <a:buNone/>
+            </a:pPr>
+            <a:r>
+              <a:rPr/>
+              <a:t>#sf data frame - Just like the attribute table</a:t>
+            </a:r>
+          </a:p>
+          <a:p>
+            <a:pPr lvl="0" indent="0">
+              <a:buNone/>
+            </a:pPr>
+            <a:r>
+              <a:rPr>
+                <a:solidFill>
+                  <a:srgbClr val="06287E"/>
+                </a:solidFill>
+                <a:latin typeface="Courier"/>
+              </a:rPr>
+              <a:t>head</a:t>
+            </a:r>
+            <a:r>
+              <a:rPr>
+                <a:latin typeface="Courier"/>
+              </a:rPr>
+              <a:t>(pophu)</a:t>
+            </a:r>
+          </a:p>
+          <a:p>
+            <a:pPr lvl="0" indent="0">
+              <a:buNone/>
+            </a:pPr>
+            <a:r>
+              <a:rPr>
+                <a:latin typeface="Courier"/>
+              </a:rPr>
+              <a:t>## Simple feature collection with 6 features and 9 fields
+## Geometry type: MULTIPOLYGON
+## Dimension:     XY
+## Bounding box:  xmin: -80.32668 ymin: 37.22773 xmax: -79.84163 ymax: 37.49369
+## Geodetic CRS:  NAD83
+##   STATEFP10 COUNTYFP10 TRACTCE10 BLOCKCE       BLOCKID10 PARTFLG HOUSING10
+## 1        51        019    030602    2047 510190306022047       N         0
+## 2        51        045    050100    3028 510450501003028       N       145
+## 3        51        045    050100    3046 510450501003046       N         0
+## 4        51        045    050100    3030 510450501003030       N         0
+## 5        51        045    050100    2328 510450501002328       N         0
+## 6        51        045    050100    2100 510450501002100       N         0
+##   POP10 ID                       geometry
+## 1     0  1 MULTIPOLYGON (((-79.84413 3...
+## 2   326  2 MULTIPOLYGON (((-80.10891 3...
+## 3     0  3 MULTIPOLYGON (((-80.20565 3...
+## 4     0  4 MULTIPOLYGON (((-80.18561 3...
+## 5     0  5 MULTIPOLYGON (((-80.32459 3...
+## 6     0  6 MULTIPOLYGON (((-80.29813 3...</a:t>
+            </a:r>
+          </a:p>
+        </p:txBody>
+      </p:sp>
+    </p:spTree>
+  </p:cSld>
+</p:sld>
+</file>
+
+<file path=ppt/slides/slide19.xml><?xml version="1.0" encoding="utf-8"?>
+<p:sld xmlns:a="http://schemas.openxmlformats.org/drawingml/2006/main" xmlns:r="http://schemas.openxmlformats.org/officeDocument/2006/relationships" xmlns:p="http://schemas.openxmlformats.org/presentationml/2006/main">
+  <p:cSld>
+    <p:spTree>
+      <p:nvGrpSpPr>
+        <p:cNvPr id="1" name=""/>
+        <p:cNvGrpSpPr/>
+        <p:nvPr/>
+      </p:nvGrpSpPr>
+      <p:grpSpPr>
+        <a:xfrm>
+          <a:off x="0" y="0"/>
+          <a:ext cx="0" cy="0"/>
+          <a:chOff x="0" y="0"/>
+          <a:chExt cx="0" cy="0"/>
+        </a:xfrm>
+      </p:grpSpPr>
+      <p:sp>
+        <p:nvSpPr>
+          <p:cNvPr id="2" name="Title 1"/>
+          <p:cNvSpPr>
+            <a:spLocks noGrp="1"/>
+          </p:cNvSpPr>
+          <p:nvPr>
+            <p:ph type="title"/>
+          </p:nvPr>
+        </p:nvSpPr>
+        <p:spPr/>
+        <p:txBody>
+          <a:bodyPr/>
+          <a:lstStyle/>
+          <a:p>
+            <a:pPr lvl="0" indent="0" marL="0">
+              <a:buNone/>
+            </a:pPr>
+            <a:r>
+              <a:rPr/>
+              <a:t>Use st_area() function for area calculation</a:t>
+            </a:r>
+          </a:p>
+        </p:txBody>
+      </p:sp>
+      <p:sp>
+        <p:nvSpPr>
+          <p:cNvPr id="3" name="Content Placeholder 2"/>
+          <p:cNvSpPr>
+            <a:spLocks noGrp="1"/>
+          </p:cNvSpPr>
+          <p:nvPr>
+            <p:ph idx="1"/>
+          </p:nvPr>
+        </p:nvSpPr>
+        <p:spPr/>
+        <p:txBody>
+          <a:bodyPr/>
+          <a:lstStyle/>
+          <a:p>
+            <a:pPr lvl="0" indent="0" marL="0">
+              <a:buNone/>
+            </a:pPr>
+            <a:r>
+              <a:rPr/>
+              <a:t>add the results as a new column (new field named as area) in the attribute table</a:t>
+            </a:r>
+          </a:p>
+          <a:p>
+            <a:pPr lvl="0" indent="0">
+              <a:buNone/>
+            </a:pPr>
+            <a:r>
+              <a:rPr>
+                <a:latin typeface="Courier"/>
+              </a:rPr>
+              <a:t>pophu</a:t>
+            </a:r>
+            <a:r>
+              <a:rPr>
+                <a:solidFill>
+                  <a:srgbClr val="4070A0"/>
+                </a:solidFill>
+                <a:latin typeface="Courier"/>
+              </a:rPr>
+              <a:t>$</a:t>
+            </a:r>
+            <a:r>
+              <a:rPr>
+                <a:latin typeface="Courier"/>
+              </a:rPr>
+              <a:t>area </a:t>
+            </a:r>
+            <a:r>
+              <a:rPr>
+                <a:solidFill>
+                  <a:srgbClr val="007020"/>
+                </a:solidFill>
+                <a:latin typeface="Courier"/>
+              </a:rPr>
+              <a:t>&lt;-</a:t>
+            </a:r>
+            <a:r>
+              <a:rPr>
+                <a:latin typeface="Courier"/>
+              </a:rPr>
+              <a:t> </a:t>
+            </a:r>
+            <a:r>
+              <a:rPr>
+                <a:solidFill>
+                  <a:srgbClr val="06287E"/>
+                </a:solidFill>
+                <a:latin typeface="Courier"/>
+              </a:rPr>
+              <a:t>as.numeric</a:t>
+            </a:r>
+            <a:r>
+              <a:rPr>
+                <a:latin typeface="Courier"/>
+              </a:rPr>
+              <a:t>(</a:t>
+            </a:r>
+            <a:r>
+              <a:rPr>
+                <a:solidFill>
+                  <a:srgbClr val="06287E"/>
+                </a:solidFill>
+                <a:latin typeface="Courier"/>
+              </a:rPr>
+              <a:t>st_area</a:t>
+            </a:r>
+            <a:r>
+              <a:rPr>
+                <a:latin typeface="Courier"/>
+              </a:rPr>
+              <a:t>(pophu))</a:t>
+            </a:r>
+            <a:br/>
+            <a:r>
+              <a:rPr>
+                <a:solidFill>
+                  <a:srgbClr val="06287E"/>
+                </a:solidFill>
+                <a:latin typeface="Courier"/>
+              </a:rPr>
+              <a:t>head</a:t>
+            </a:r>
+            <a:r>
+              <a:rPr>
+                <a:latin typeface="Courier"/>
+              </a:rPr>
+              <a:t>(pophu)</a:t>
+            </a:r>
+          </a:p>
+          <a:p>
+            <a:pPr lvl="0" indent="0">
+              <a:buNone/>
+            </a:pPr>
+            <a:r>
+              <a:rPr>
+                <a:latin typeface="Courier"/>
+              </a:rPr>
+              <a:t>## Simple feature collection with 6 features and 10 fields
+## Geometry type: MULTIPOLYGON
+## Dimension:     XY
+## Bounding box:  xmin: -80.32668 ymin: 37.22773 xmax: -79.84163 ymax: 37.49369
+## Geodetic CRS:  NAD83
+##   STATEFP10 COUNTYFP10 TRACTCE10 BLOCKCE       BLOCKID10 PARTFLG HOUSING10
+## 1        51        019    030602    2047 510190306022047       N         0
+## 2        51        045    050100    3028 510450501003028       N       145
+## 3        51        045    050100    3046 510450501003046       N         0
+## 4        51        045    050100    3030 510450501003030       N         0
+## 5        51        045    050100    2328 510450501002328       N         0
+## 6        51        045    050100    2100 510450501002100       N         0
+##   POP10 ID                       geometry         area
+## 1     0  1 MULTIPOLYGON (((-79.84413 3...    37889.894
+## 2   326  2 MULTIPOLYGON (((-80.10891 3... 46966052.121
+## 3     0  3 MULTIPOLYGON (((-80.20565 3...     6516.172
+## 4     0  4 MULTIPOLYGON (((-80.18561 3...    18125.262
+## 5     0  5 MULTIPOLYGON (((-80.32459 3...    23095.516
+## 6     0  6 MULTIPOLYGON (((-80.29813 3...     2345.279</a:t>
+            </a:r>
+          </a:p>
+        </p:txBody>
+      </p:sp>
+    </p:spTree>
+  </p:cSld>
+</p:sld>
+</file>
+
 <file path=ppt/slides/slide2.xml><?xml version="1.0" encoding="utf-8"?>
 <p:sld xmlns:a="http://schemas.openxmlformats.org/drawingml/2006/main" xmlns:r="http://schemas.openxmlformats.org/officeDocument/2006/relationships" xmlns:p="http://schemas.openxmlformats.org/presentationml/2006/main">
   <p:cSld>
@@ -3251,6 +4384,1472 @@
           </a:p>
         </p:txBody>
       </p:sp>
+    </p:spTree>
+  </p:cSld>
+</p:sld>
+</file>
+
+<file path=ppt/slides/slide20.xml><?xml version="1.0" encoding="utf-8"?>
+<p:sld xmlns:a="http://schemas.openxmlformats.org/drawingml/2006/main" xmlns:r="http://schemas.openxmlformats.org/officeDocument/2006/relationships" xmlns:p="http://schemas.openxmlformats.org/presentationml/2006/main">
+  <p:cSld>
+    <p:spTree>
+      <p:nvGrpSpPr>
+        <p:cNvPr id="1" name=""/>
+        <p:cNvGrpSpPr/>
+        <p:nvPr/>
+      </p:nvGrpSpPr>
+      <p:grpSpPr>
+        <a:xfrm>
+          <a:off x="0" y="0"/>
+          <a:ext cx="0" cy="0"/>
+          <a:chOff x="0" y="0"/>
+          <a:chExt cx="0" cy="0"/>
+        </a:xfrm>
+      </p:grpSpPr>
+      <p:sp>
+        <p:nvSpPr>
+          <p:cNvPr id="2" name="Title 1"/>
+          <p:cNvSpPr>
+            <a:spLocks noGrp="1"/>
+          </p:cNvSpPr>
+          <p:nvPr>
+            <p:ph type="title"/>
+          </p:nvPr>
+        </p:nvSpPr>
+        <p:spPr>
+          <a:xfrm>
+            <a:off x="457201" y="204787"/>
+            <a:ext cx="3008313" cy="871538"/>
+          </a:xfrm>
+        </p:spPr>
+        <p:txBody>
+          <a:bodyPr/>
+          <a:lstStyle/>
+          <a:p>
+            <a:pPr lvl="0" indent="0" marL="0">
+              <a:buNone/>
+            </a:pPr>
+            <a:r>
+              <a:rPr/>
+              <a:t>Plot</a:t>
+            </a:r>
+          </a:p>
+        </p:txBody>
+      </p:sp>
+      <p:sp>
+        <p:nvSpPr>
+          <p:cNvPr id="4" name="Text Placeholder 3"/>
+          <p:cNvSpPr>
+            <a:spLocks noGrp="1"/>
+          </p:cNvSpPr>
+          <p:nvPr>
+            <p:ph idx="2" sz="half" type="body"/>
+          </p:nvPr>
+        </p:nvSpPr>
+        <p:spPr/>
+        <p:txBody>
+          <a:bodyPr/>
+          <a:lstStyle/>
+          <a:p>
+            <a:pPr lvl="0" indent="0">
+              <a:buNone/>
+            </a:pPr>
+            <a:r>
+              <a:rPr>
+                <a:solidFill>
+                  <a:srgbClr val="06287E"/>
+                </a:solidFill>
+                <a:latin typeface="Courier"/>
+              </a:rPr>
+              <a:t>plot</a:t>
+            </a:r>
+            <a:r>
+              <a:rPr>
+                <a:latin typeface="Courier"/>
+              </a:rPr>
+              <a:t>(pophu[</a:t>
+            </a:r>
+            <a:r>
+              <a:rPr>
+                <a:solidFill>
+                  <a:srgbClr val="4070A0"/>
+                </a:solidFill>
+                <a:latin typeface="Courier"/>
+              </a:rPr>
+              <a:t>"area"</a:t>
+            </a:r>
+            <a:r>
+              <a:rPr>
+                <a:latin typeface="Courier"/>
+              </a:rPr>
+              <a:t>])</a:t>
+            </a:r>
+          </a:p>
+        </p:txBody>
+      </p:sp>
+      <p:pic>
+        <p:nvPicPr>
+          <p:cNvPr descr="week2_files/figure-pptx/unnamed-chunk-8-1.png" id="0" name="Picture 1"/>
+          <p:cNvPicPr>
+            <a:picLocks noGrp="1" noChangeAspect="1"/>
+          </p:cNvPicPr>
+          <p:nvPr/>
+        </p:nvPicPr>
+        <p:blipFill>
+          <a:blip r:embed="rId2"/>
+          <a:stretch>
+            <a:fillRect/>
+          </a:stretch>
+        </p:blipFill>
+        <p:spPr bwMode="auto">
+          <a:xfrm>
+            <a:off x="3568700" y="355600"/>
+            <a:ext cx="5105400" cy="4089400"/>
+          </a:xfrm>
+          <a:prstGeom prst="rect">
+            <a:avLst/>
+          </a:prstGeom>
+          <a:noFill/>
+          <a:ln w="9525">
+            <a:noFill/>
+            <a:headEnd/>
+            <a:tailEnd/>
+          </a:ln>
+        </p:spPr>
+      </p:pic>
+    </p:spTree>
+  </p:cSld>
+</p:sld>
+</file>
+
+<file path=ppt/slides/slide21.xml><?xml version="1.0" encoding="utf-8"?>
+<p:sld xmlns:a="http://schemas.openxmlformats.org/drawingml/2006/main" xmlns:r="http://schemas.openxmlformats.org/officeDocument/2006/relationships" xmlns:p="http://schemas.openxmlformats.org/presentationml/2006/main">
+  <p:cSld>
+    <p:spTree>
+      <p:nvGrpSpPr>
+        <p:cNvPr id="1" name=""/>
+        <p:cNvGrpSpPr/>
+        <p:nvPr/>
+      </p:nvGrpSpPr>
+      <p:grpSpPr>
+        <a:xfrm>
+          <a:off x="0" y="0"/>
+          <a:ext cx="0" cy="0"/>
+          <a:chOff x="0" y="0"/>
+          <a:chExt cx="0" cy="0"/>
+        </a:xfrm>
+      </p:grpSpPr>
+      <p:sp>
+        <p:nvSpPr>
+          <p:cNvPr id="2" name="Title 1"/>
+          <p:cNvSpPr>
+            <a:spLocks noGrp="1"/>
+          </p:cNvSpPr>
+          <p:nvPr>
+            <p:ph type="title"/>
+          </p:nvPr>
+        </p:nvSpPr>
+        <p:spPr/>
+        <p:txBody>
+          <a:bodyPr/>
+          <a:lstStyle/>
+          <a:p>
+            <a:pPr lvl="0" indent="0" marL="0">
+              <a:buNone/>
+            </a:pPr>
+            <a:r>
+              <a:rPr/>
+              <a:t>Export data as ESRI shapefile</a:t>
+            </a:r>
+          </a:p>
+        </p:txBody>
+      </p:sp>
+      <p:sp>
+        <p:nvSpPr>
+          <p:cNvPr id="3" name="Content Placeholder 2"/>
+          <p:cNvSpPr>
+            <a:spLocks noGrp="1"/>
+          </p:cNvSpPr>
+          <p:nvPr>
+            <p:ph idx="1"/>
+          </p:nvPr>
+        </p:nvSpPr>
+        <p:spPr/>
+        <p:txBody>
+          <a:bodyPr/>
+          <a:lstStyle/>
+          <a:p>
+            <a:pPr lvl="0" indent="0" marL="0">
+              <a:buNone/>
+            </a:pPr>
+            <a:r>
+              <a:rPr/>
+              <a:t>You can add the resultant test1.shp to ArcGIS</a:t>
+            </a:r>
+          </a:p>
+          <a:p>
+            <a:pPr lvl="0" indent="0">
+              <a:buNone/>
+            </a:pPr>
+            <a:r>
+              <a:rPr>
+                <a:solidFill>
+                  <a:srgbClr val="06287E"/>
+                </a:solidFill>
+                <a:latin typeface="Courier"/>
+              </a:rPr>
+              <a:t>st_write</a:t>
+            </a:r>
+            <a:r>
+              <a:rPr>
+                <a:latin typeface="Courier"/>
+              </a:rPr>
+              <a:t>(pophu,</a:t>
+            </a:r>
+            <a:r>
+              <a:rPr>
+                <a:solidFill>
+                  <a:srgbClr val="4070A0"/>
+                </a:solidFill>
+                <a:latin typeface="Courier"/>
+              </a:rPr>
+              <a:t>'test1.shp'</a:t>
+            </a:r>
+            <a:r>
+              <a:rPr>
+                <a:latin typeface="Courier"/>
+              </a:rPr>
+              <a:t>,</a:t>
+            </a:r>
+            <a:r>
+              <a:rPr>
+                <a:solidFill>
+                  <a:srgbClr val="7D9029"/>
+                </a:solidFill>
+                <a:latin typeface="Courier"/>
+              </a:rPr>
+              <a:t>delete_dsn =</a:t>
+            </a:r>
+            <a:r>
+              <a:rPr>
+                <a:latin typeface="Courier"/>
+              </a:rPr>
+              <a:t> </a:t>
+            </a:r>
+            <a:r>
+              <a:rPr>
+                <a:solidFill>
+                  <a:srgbClr val="880000"/>
+                </a:solidFill>
+                <a:latin typeface="Courier"/>
+              </a:rPr>
+              <a:t>TRUE</a:t>
+            </a:r>
+            <a:r>
+              <a:rPr>
+                <a:latin typeface="Courier"/>
+              </a:rPr>
+              <a:t>)</a:t>
+            </a:r>
+          </a:p>
+          <a:p>
+            <a:pPr lvl="0" indent="0">
+              <a:buNone/>
+            </a:pPr>
+            <a:r>
+              <a:rPr>
+                <a:latin typeface="Courier"/>
+              </a:rPr>
+              <a:t>## Deleting source `test1.shp' using driver `ESRI Shapefile'
+## Writing layer `test1' to data source `test1.shp' using driver `ESRI Shapefile'
+## Writing 16565 features with 10 fields and geometry type Multi Polygon.</a:t>
+            </a:r>
+          </a:p>
+        </p:txBody>
+      </p:sp>
+    </p:spTree>
+  </p:cSld>
+</p:sld>
+</file>
+
+<file path=ppt/slides/slide22.xml><?xml version="1.0" encoding="utf-8"?>
+<p:sld xmlns:a="http://schemas.openxmlformats.org/drawingml/2006/main" xmlns:r="http://schemas.openxmlformats.org/officeDocument/2006/relationships" xmlns:p="http://schemas.openxmlformats.org/presentationml/2006/main">
+  <p:cSld>
+    <p:spTree>
+      <p:nvGrpSpPr>
+        <p:cNvPr id="1" name=""/>
+        <p:cNvGrpSpPr/>
+        <p:nvPr/>
+      </p:nvGrpSpPr>
+      <p:grpSpPr>
+        <a:xfrm>
+          <a:off x="0" y="0"/>
+          <a:ext cx="0" cy="0"/>
+          <a:chOff x="0" y="0"/>
+          <a:chExt cx="0" cy="0"/>
+        </a:xfrm>
+      </p:grpSpPr>
+      <p:sp>
+        <p:nvSpPr>
+          <p:cNvPr id="2" name="Title 1"/>
+          <p:cNvSpPr>
+            <a:spLocks noGrp="1"/>
+          </p:cNvSpPr>
+          <p:nvPr>
+            <p:ph type="title"/>
+          </p:nvPr>
+        </p:nvSpPr>
+        <p:spPr/>
+        <p:txBody>
+          <a:bodyPr/>
+          <a:lstStyle/>
+          <a:p>
+            <a:pPr lvl="0" indent="0" marL="0">
+              <a:buNone/>
+            </a:pPr>
+            <a:r>
+              <a:rPr/>
+              <a:t>Housing density?</a:t>
+            </a:r>
+          </a:p>
+        </p:txBody>
+      </p:sp>
+      <p:pic>
+        <p:nvPicPr>
+          <p:cNvPr descr="hd.png" id="0" name="Picture 1"/>
+          <p:cNvPicPr>
+            <a:picLocks noGrp="1" noChangeAspect="1"/>
+          </p:cNvPicPr>
+          <p:nvPr/>
+        </p:nvPicPr>
+        <p:blipFill>
+          <a:blip r:embed="rId2"/>
+          <a:stretch>
+            <a:fillRect/>
+          </a:stretch>
+        </p:blipFill>
+        <p:spPr bwMode="auto">
+          <a:xfrm>
+            <a:off x="2628900" y="1193800"/>
+            <a:ext cx="3873500" cy="3390900"/>
+          </a:xfrm>
+          <a:prstGeom prst="rect">
+            <a:avLst/>
+          </a:prstGeom>
+          <a:noFill/>
+          <a:ln w="9525">
+            <a:noFill/>
+            <a:headEnd/>
+            <a:tailEnd/>
+          </a:ln>
+        </p:spPr>
+      </p:pic>
+    </p:spTree>
+  </p:cSld>
+</p:sld>
+</file>
+
+<file path=ppt/slides/slide23.xml><?xml version="1.0" encoding="utf-8"?>
+<p:sld xmlns:a="http://schemas.openxmlformats.org/drawingml/2006/main" xmlns:r="http://schemas.openxmlformats.org/officeDocument/2006/relationships" xmlns:p="http://schemas.openxmlformats.org/presentationml/2006/main">
+  <p:cSld>
+    <p:spTree>
+      <p:nvGrpSpPr>
+        <p:cNvPr id="1" name=""/>
+        <p:cNvGrpSpPr/>
+        <p:nvPr/>
+      </p:nvGrpSpPr>
+      <p:grpSpPr>
+        <a:xfrm>
+          <a:off x="0" y="0"/>
+          <a:ext cx="0" cy="0"/>
+          <a:chOff x="0" y="0"/>
+          <a:chExt cx="0" cy="0"/>
+        </a:xfrm>
+      </p:grpSpPr>
+      <p:sp>
+        <p:nvSpPr>
+          <p:cNvPr id="2" name="Title 1"/>
+          <p:cNvSpPr>
+            <a:spLocks noGrp="1"/>
+          </p:cNvSpPr>
+          <p:nvPr>
+            <p:ph type="title"/>
+          </p:nvPr>
+        </p:nvSpPr>
+        <p:spPr>
+          <a:xfrm>
+            <a:off x="457201" y="204787"/>
+            <a:ext cx="3008313" cy="871538"/>
+          </a:xfrm>
+        </p:spPr>
+        <p:txBody>
+          <a:bodyPr/>
+          <a:lstStyle/>
+          <a:p>
+            <a:pPr lvl="0" indent="0" marL="0">
+              <a:buNone/>
+            </a:pPr>
+            <a:r>
+              <a:rPr/>
+              <a:t>Handling spatial data in R ( select by attributes, select by location, summary statistics)</a:t>
+            </a:r>
+          </a:p>
+        </p:txBody>
+      </p:sp>
+      <p:sp>
+        <p:nvSpPr>
+          <p:cNvPr id="4" name="Text Placeholder 3"/>
+          <p:cNvSpPr>
+            <a:spLocks noGrp="1"/>
+          </p:cNvSpPr>
+          <p:nvPr>
+            <p:ph idx="2" sz="half" type="body"/>
+          </p:nvPr>
+        </p:nvSpPr>
+        <p:spPr/>
+        <p:txBody>
+          <a:bodyPr/>
+          <a:lstStyle/>
+          <a:p>
+            <a:pPr lvl="0" indent="0">
+              <a:buNone/>
+            </a:pPr>
+            <a:r>
+              <a:rPr>
+                <a:latin typeface="Courier"/>
+              </a:rPr>
+              <a:t>a</a:t>
+            </a:r>
+            <a:r>
+              <a:rPr>
+                <a:solidFill>
+                  <a:srgbClr val="007020"/>
+                </a:solidFill>
+                <a:latin typeface="Courier"/>
+              </a:rPr>
+              <a:t>&lt;-</a:t>
+            </a:r>
+            <a:r>
+              <a:rPr>
+                <a:latin typeface="Courier"/>
+              </a:rPr>
+              <a:t>pophu[pophu</a:t>
+            </a:r>
+            <a:r>
+              <a:rPr>
+                <a:solidFill>
+                  <a:srgbClr val="4070A0"/>
+                </a:solidFill>
+                <a:latin typeface="Courier"/>
+              </a:rPr>
+              <a:t>$</a:t>
+            </a:r>
+            <a:r>
+              <a:rPr>
+                <a:latin typeface="Courier"/>
+              </a:rPr>
+              <a:t>POP10</a:t>
+            </a:r>
+            <a:r>
+              <a:rPr>
+                <a:solidFill>
+                  <a:srgbClr val="4070A0"/>
+                </a:solidFill>
+                <a:latin typeface="Courier"/>
+              </a:rPr>
+              <a:t>&gt;</a:t>
+            </a:r>
+            <a:r>
+              <a:rPr>
+                <a:solidFill>
+                  <a:srgbClr val="40A070"/>
+                </a:solidFill>
+                <a:latin typeface="Courier"/>
+              </a:rPr>
+              <a:t>1000</a:t>
+            </a:r>
+            <a:r>
+              <a:rPr>
+                <a:latin typeface="Courier"/>
+              </a:rPr>
+              <a:t>,]</a:t>
+            </a:r>
+            <a:br/>
+            <a:r>
+              <a:rPr>
+                <a:solidFill>
+                  <a:srgbClr val="06287E"/>
+                </a:solidFill>
+                <a:latin typeface="Courier"/>
+              </a:rPr>
+              <a:t>plot</a:t>
+            </a:r>
+            <a:r>
+              <a:rPr>
+                <a:latin typeface="Courier"/>
+              </a:rPr>
+              <a:t>(a[</a:t>
+            </a:r>
+            <a:r>
+              <a:rPr>
+                <a:solidFill>
+                  <a:srgbClr val="4070A0"/>
+                </a:solidFill>
+                <a:latin typeface="Courier"/>
+              </a:rPr>
+              <a:t>"POP10"</a:t>
+            </a:r>
+            <a:r>
+              <a:rPr>
+                <a:latin typeface="Courier"/>
+              </a:rPr>
+              <a:t>])</a:t>
+            </a:r>
+          </a:p>
+        </p:txBody>
+      </p:sp>
+      <p:pic>
+        <p:nvPicPr>
+          <p:cNvPr descr="week2_files/figure-pptx/unnamed-chunk-10-1.png" id="0" name="Picture 1"/>
+          <p:cNvPicPr>
+            <a:picLocks noGrp="1" noChangeAspect="1"/>
+          </p:cNvPicPr>
+          <p:nvPr/>
+        </p:nvPicPr>
+        <p:blipFill>
+          <a:blip r:embed="rId2"/>
+          <a:stretch>
+            <a:fillRect/>
+          </a:stretch>
+        </p:blipFill>
+        <p:spPr bwMode="auto">
+          <a:xfrm>
+            <a:off x="3568700" y="355600"/>
+            <a:ext cx="5105400" cy="4089400"/>
+          </a:xfrm>
+          <a:prstGeom prst="rect">
+            <a:avLst/>
+          </a:prstGeom>
+          <a:noFill/>
+          <a:ln w="9525">
+            <a:noFill/>
+            <a:headEnd/>
+            <a:tailEnd/>
+          </a:ln>
+        </p:spPr>
+      </p:pic>
+    </p:spTree>
+  </p:cSld>
+</p:sld>
+</file>
+
+<file path=ppt/slides/slide24.xml><?xml version="1.0" encoding="utf-8"?>
+<p:sld xmlns:a="http://schemas.openxmlformats.org/drawingml/2006/main" xmlns:r="http://schemas.openxmlformats.org/officeDocument/2006/relationships" xmlns:p="http://schemas.openxmlformats.org/presentationml/2006/main">
+  <p:cSld>
+    <p:spTree>
+      <p:nvGrpSpPr>
+        <p:cNvPr id="1" name=""/>
+        <p:cNvGrpSpPr/>
+        <p:nvPr/>
+      </p:nvGrpSpPr>
+      <p:grpSpPr>
+        <a:xfrm>
+          <a:off x="0" y="0"/>
+          <a:ext cx="0" cy="0"/>
+          <a:chOff x="0" y="0"/>
+          <a:chExt cx="0" cy="0"/>
+        </a:xfrm>
+      </p:grpSpPr>
+      <p:sp>
+        <p:nvSpPr>
+          <p:cNvPr id="4" name="Text Placeholder 3"/>
+          <p:cNvSpPr>
+            <a:spLocks noGrp="1"/>
+          </p:cNvSpPr>
+          <p:nvPr>
+            <p:ph idx="2" sz="half" type="body"/>
+          </p:nvPr>
+        </p:nvSpPr>
+        <p:spPr/>
+        <p:txBody>
+          <a:bodyPr/>
+          <a:lstStyle/>
+          <a:p>
+            <a:pPr lvl="0" indent="0" marL="0">
+              <a:buNone/>
+            </a:pPr>
+            <a:r>
+              <a:rPr/>
+              <a:t> ## Select by location</a:t>
+            </a:r>
+          </a:p>
+          <a:p>
+            <a:pPr lvl="0" indent="0">
+              <a:buNone/>
+            </a:pPr>
+            <a:r>
+              <a:rPr>
+                <a:latin typeface="Courier"/>
+              </a:rPr>
+              <a:t>county</a:t>
+            </a:r>
+            <a:r>
+              <a:rPr>
+                <a:solidFill>
+                  <a:srgbClr val="007020"/>
+                </a:solidFill>
+                <a:latin typeface="Courier"/>
+              </a:rPr>
+              <a:t>&lt;-</a:t>
+            </a:r>
+            <a:r>
+              <a:rPr>
+                <a:solidFill>
+                  <a:srgbClr val="06287E"/>
+                </a:solidFill>
+                <a:latin typeface="Courier"/>
+              </a:rPr>
+              <a:t>st_read</a:t>
+            </a:r>
+            <a:r>
+              <a:rPr>
+                <a:latin typeface="Courier"/>
+              </a:rPr>
+              <a:t>(</a:t>
+            </a:r>
+            <a:r>
+              <a:rPr>
+                <a:solidFill>
+                  <a:srgbClr val="4070A0"/>
+                </a:solidFill>
+                <a:latin typeface="Courier"/>
+              </a:rPr>
+              <a:t>'mycounty.shp'</a:t>
+            </a:r>
+            <a:r>
+              <a:rPr>
+                <a:latin typeface="Courier"/>
+              </a:rPr>
+              <a:t>)</a:t>
+            </a:r>
+          </a:p>
+          <a:p>
+            <a:pPr lvl="0" indent="0">
+              <a:buNone/>
+            </a:pPr>
+            <a:r>
+              <a:rPr>
+                <a:latin typeface="Courier"/>
+              </a:rPr>
+              <a:t>## Reading layer `mycounty' from data source 
+##   `/Users/yshao/work/Geog4254-5254G/week2/mycounty.shp' using driver `ESRI Shapefile'
+## Simple feature collection with 1 feature and 51 fields
+## Geometry type: MULTIPOLYGON
+## Dimension:     XY
+## Bounding box:  xmin: 534153.2 ymin: 4092959 xmax: 573154.1 ymax: 4135775
+## Projected CRS: NAD83 / UTM zone 17N</a:t>
+            </a:r>
+          </a:p>
+          <a:p>
+            <a:pPr lvl="0" indent="0">
+              <a:buNone/>
+            </a:pPr>
+            <a:r>
+              <a:rPr>
+                <a:latin typeface="Courier"/>
+              </a:rPr>
+              <a:t>county_proj</a:t>
+            </a:r>
+            <a:r>
+              <a:rPr>
+                <a:solidFill>
+                  <a:srgbClr val="007020"/>
+                </a:solidFill>
+                <a:latin typeface="Courier"/>
+              </a:rPr>
+              <a:t>&lt;-</a:t>
+            </a:r>
+            <a:r>
+              <a:rPr>
+                <a:solidFill>
+                  <a:srgbClr val="06287E"/>
+                </a:solidFill>
+                <a:latin typeface="Courier"/>
+              </a:rPr>
+              <a:t>st_transform</a:t>
+            </a:r>
+            <a:r>
+              <a:rPr>
+                <a:latin typeface="Courier"/>
+              </a:rPr>
+              <a:t>(county,</a:t>
+            </a:r>
+            <a:r>
+              <a:rPr>
+                <a:solidFill>
+                  <a:srgbClr val="06287E"/>
+                </a:solidFill>
+                <a:latin typeface="Courier"/>
+              </a:rPr>
+              <a:t>crs</a:t>
+            </a:r>
+            <a:r>
+              <a:rPr>
+                <a:latin typeface="Courier"/>
+              </a:rPr>
+              <a:t>(pophu))</a:t>
+            </a:r>
+            <a:br/>
+            <a:r>
+              <a:rPr>
+                <a:latin typeface="Courier"/>
+              </a:rPr>
+              <a:t>pophu_withincounty</a:t>
+            </a:r>
+            <a:r>
+              <a:rPr>
+                <a:solidFill>
+                  <a:srgbClr val="007020"/>
+                </a:solidFill>
+                <a:latin typeface="Courier"/>
+              </a:rPr>
+              <a:t>&lt;-</a:t>
+            </a:r>
+            <a:r>
+              <a:rPr>
+                <a:solidFill>
+                  <a:srgbClr val="06287E"/>
+                </a:solidFill>
+                <a:latin typeface="Courier"/>
+              </a:rPr>
+              <a:t>st_intersection</a:t>
+            </a:r>
+            <a:r>
+              <a:rPr>
+                <a:latin typeface="Courier"/>
+              </a:rPr>
+              <a:t>(pophu,county_proj)</a:t>
+            </a:r>
+          </a:p>
+          <a:p>
+            <a:pPr lvl="0" indent="0">
+              <a:buNone/>
+            </a:pPr>
+            <a:r>
+              <a:rPr>
+                <a:latin typeface="Courier"/>
+              </a:rPr>
+              <a:t>## Warning: attribute variables are assumed to be spatially constant throughout all
+## geometries</a:t>
+            </a:r>
+          </a:p>
+          <a:p>
+            <a:pPr lvl="0" indent="0">
+              <a:buNone/>
+            </a:pPr>
+            <a:r>
+              <a:rPr>
+                <a:solidFill>
+                  <a:srgbClr val="06287E"/>
+                </a:solidFill>
+                <a:latin typeface="Courier"/>
+              </a:rPr>
+              <a:t>plot</a:t>
+            </a:r>
+            <a:r>
+              <a:rPr>
+                <a:latin typeface="Courier"/>
+              </a:rPr>
+              <a:t>(pophu_withincounty[</a:t>
+            </a:r>
+            <a:r>
+              <a:rPr>
+                <a:solidFill>
+                  <a:srgbClr val="4070A0"/>
+                </a:solidFill>
+                <a:latin typeface="Courier"/>
+              </a:rPr>
+              <a:t>"POP10"</a:t>
+            </a:r>
+            <a:r>
+              <a:rPr>
+                <a:latin typeface="Courier"/>
+              </a:rPr>
+              <a:t>])</a:t>
+            </a:r>
+          </a:p>
+        </p:txBody>
+      </p:sp>
+      <p:pic>
+        <p:nvPicPr>
+          <p:cNvPr descr="week2_files/figure-pptx/unnamed-chunk-11-1.png" id="0" name="Picture 1"/>
+          <p:cNvPicPr>
+            <a:picLocks noGrp="1" noChangeAspect="1"/>
+          </p:cNvPicPr>
+          <p:nvPr/>
+        </p:nvPicPr>
+        <p:blipFill>
+          <a:blip r:embed="rId2"/>
+          <a:stretch>
+            <a:fillRect/>
+          </a:stretch>
+        </p:blipFill>
+        <p:spPr bwMode="auto">
+          <a:xfrm>
+            <a:off x="3568700" y="355600"/>
+            <a:ext cx="5105400" cy="4089400"/>
+          </a:xfrm>
+          <a:prstGeom prst="rect">
+            <a:avLst/>
+          </a:prstGeom>
+          <a:noFill/>
+          <a:ln w="9525">
+            <a:noFill/>
+            <a:headEnd/>
+            <a:tailEnd/>
+          </a:ln>
+        </p:spPr>
+      </p:pic>
+    </p:spTree>
+  </p:cSld>
+</p:sld>
+</file>
+
+<file path=ppt/slides/slide25.xml><?xml version="1.0" encoding="utf-8"?>
+<p:sld xmlns:a="http://schemas.openxmlformats.org/drawingml/2006/main" xmlns:r="http://schemas.openxmlformats.org/officeDocument/2006/relationships" xmlns:p="http://schemas.openxmlformats.org/presentationml/2006/main">
+  <p:cSld>
+    <p:spTree>
+      <p:nvGrpSpPr>
+        <p:cNvPr id="1" name=""/>
+        <p:cNvGrpSpPr/>
+        <p:nvPr/>
+      </p:nvGrpSpPr>
+      <p:grpSpPr>
+        <a:xfrm>
+          <a:off x="0" y="0"/>
+          <a:ext cx="0" cy="0"/>
+          <a:chOff x="0" y="0"/>
+          <a:chExt cx="0" cy="0"/>
+        </a:xfrm>
+      </p:grpSpPr>
+      <p:sp>
+        <p:nvSpPr>
+          <p:cNvPr id="2" name="Title 1"/>
+          <p:cNvSpPr>
+            <a:spLocks noGrp="1"/>
+          </p:cNvSpPr>
+          <p:nvPr>
+            <p:ph type="title"/>
+          </p:nvPr>
+        </p:nvSpPr>
+        <p:spPr/>
+        <p:txBody>
+          <a:bodyPr/>
+          <a:lstStyle/>
+          <a:p>
+            <a:pPr lvl="0" indent="0" marL="0">
+              <a:buNone/>
+            </a:pPr>
+            <a:r>
+              <a:rPr/>
+              <a:t>summary statistics</a:t>
+            </a:r>
+          </a:p>
+        </p:txBody>
+      </p:sp>
+    </p:spTree>
+  </p:cSld>
+</p:sld>
+</file>
+
+<file path=ppt/slides/slide3.xml><?xml version="1.0" encoding="utf-8"?>
+<p:sld xmlns:a="http://schemas.openxmlformats.org/drawingml/2006/main" xmlns:r="http://schemas.openxmlformats.org/officeDocument/2006/relationships" xmlns:p="http://schemas.openxmlformats.org/presentationml/2006/main">
+  <p:cSld>
+    <p:spTree>
+      <p:nvGrpSpPr>
+        <p:cNvPr id="1" name=""/>
+        <p:cNvGrpSpPr/>
+        <p:nvPr/>
+      </p:nvGrpSpPr>
+      <p:grpSpPr>
+        <a:xfrm>
+          <a:off x="0" y="0"/>
+          <a:ext cx="0" cy="0"/>
+          <a:chOff x="0" y="0"/>
+          <a:chExt cx="0" cy="0"/>
+        </a:xfrm>
+      </p:grpSpPr>
+      <p:sp>
+        <p:nvSpPr>
+          <p:cNvPr id="2" name="Title 1"/>
+          <p:cNvSpPr>
+            <a:spLocks noGrp="1"/>
+          </p:cNvSpPr>
+          <p:nvPr>
+            <p:ph type="title"/>
+          </p:nvPr>
+        </p:nvSpPr>
+        <p:spPr/>
+        <p:txBody>
+          <a:bodyPr/>
+          <a:lstStyle/>
+          <a:p>
+            <a:pPr lvl="0" indent="0" marL="0">
+              <a:buNone/>
+            </a:pPr>
+            <a:r>
+              <a:rPr/>
+              <a:t>R terra package</a:t>
+            </a:r>
+          </a:p>
+        </p:txBody>
+      </p:sp>
+      <p:sp>
+        <p:nvSpPr>
+          <p:cNvPr id="3" name="Content Placeholder 2"/>
+          <p:cNvSpPr>
+            <a:spLocks noGrp="1"/>
+          </p:cNvSpPr>
+          <p:nvPr>
+            <p:ph idx="1"/>
+          </p:nvPr>
+        </p:nvSpPr>
+        <p:spPr/>
+        <p:txBody>
+          <a:bodyPr/>
+          <a:lstStyle/>
+          <a:p>
+            <a:pPr lvl="0" indent="0" marL="0">
+              <a:buNone/>
+            </a:pPr>
+            <a:r>
+              <a:rPr/>
+              <a:t>“Methods for spatial data analysis with vector (points, lines, polygons) and raster (grid) data. Methods for vector data include geometric operations such as intersect and buffer. Raster methods include local, focal, global, zonal and geometric operations. The predict and interpolate methods facilitate the use of regression type (interpolation, machine learning) models for spatial prediction, including with satellite remote sensing data. Processing of very large files is supported. See the manual and tutorials on </a:t>
+            </a:r>
+            <a:r>
+              <a:rPr>
+                <a:hlinkClick r:id="rId2"/>
+              </a:rPr>
+              <a:t>https://rspatial.org/</a:t>
+            </a:r>
+            <a:r>
+              <a:rPr/>
+              <a:t> to get started. ‘terra’ replaces the ‘raster’ package (‘terra’ can do more, and it is faster and easier to use).”</a:t>
+            </a:r>
+          </a:p>
+        </p:txBody>
+      </p:sp>
+    </p:spTree>
+  </p:cSld>
+</p:sld>
+</file>
+
+<file path=ppt/slides/slide4.xml><?xml version="1.0" encoding="utf-8"?>
+<p:sld xmlns:a="http://schemas.openxmlformats.org/drawingml/2006/main" xmlns:r="http://schemas.openxmlformats.org/officeDocument/2006/relationships" xmlns:p="http://schemas.openxmlformats.org/presentationml/2006/main">
+  <p:cSld>
+    <p:spTree>
+      <p:nvGrpSpPr>
+        <p:cNvPr id="1" name=""/>
+        <p:cNvGrpSpPr/>
+        <p:nvPr/>
+      </p:nvGrpSpPr>
+      <p:grpSpPr>
+        <a:xfrm>
+          <a:off x="0" y="0"/>
+          <a:ext cx="0" cy="0"/>
+          <a:chOff x="0" y="0"/>
+          <a:chExt cx="0" cy="0"/>
+        </a:xfrm>
+      </p:grpSpPr>
+      <p:sp>
+        <p:nvSpPr>
+          <p:cNvPr id="2" name="Title 1"/>
+          <p:cNvSpPr>
+            <a:spLocks noGrp="1"/>
+          </p:cNvSpPr>
+          <p:nvPr>
+            <p:ph type="title"/>
+          </p:nvPr>
+        </p:nvSpPr>
+        <p:spPr/>
+        <p:txBody>
+          <a:bodyPr/>
+          <a:lstStyle/>
+          <a:p>
+            <a:pPr lvl="0" indent="0" marL="0">
+              <a:buNone/>
+            </a:pPr>
+            <a:r>
+              <a:rPr/>
+              <a:t>R terra package</a:t>
+            </a:r>
+          </a:p>
+        </p:txBody>
+      </p:sp>
+      <p:pic>
+        <p:nvPicPr>
+          <p:cNvPr descr="terra.png" id="0" name="Picture 1"/>
+          <p:cNvPicPr>
+            <a:picLocks noGrp="1" noChangeAspect="1"/>
+          </p:cNvPicPr>
+          <p:nvPr/>
+        </p:nvPicPr>
+        <p:blipFill>
+          <a:blip r:embed="rId2"/>
+          <a:stretch>
+            <a:fillRect/>
+          </a:stretch>
+        </p:blipFill>
+        <p:spPr bwMode="auto">
+          <a:xfrm>
+            <a:off x="1943100" y="1193800"/>
+            <a:ext cx="5245100" cy="3390900"/>
+          </a:xfrm>
+          <a:prstGeom prst="rect">
+            <a:avLst/>
+          </a:prstGeom>
+          <a:noFill/>
+          <a:ln w="9525">
+            <a:noFill/>
+            <a:headEnd/>
+            <a:tailEnd/>
+          </a:ln>
+        </p:spPr>
+      </p:pic>
+    </p:spTree>
+  </p:cSld>
+</p:sld>
+</file>
+
+<file path=ppt/slides/slide5.xml><?xml version="1.0" encoding="utf-8"?>
+<p:sld xmlns:a="http://schemas.openxmlformats.org/drawingml/2006/main" xmlns:r="http://schemas.openxmlformats.org/officeDocument/2006/relationships" xmlns:p="http://schemas.openxmlformats.org/presentationml/2006/main">
+  <p:cSld>
+    <p:spTree>
+      <p:nvGrpSpPr>
+        <p:cNvPr id="1" name=""/>
+        <p:cNvGrpSpPr/>
+        <p:nvPr/>
+      </p:nvGrpSpPr>
+      <p:grpSpPr>
+        <a:xfrm>
+          <a:off x="0" y="0"/>
+          <a:ext cx="0" cy="0"/>
+          <a:chOff x="0" y="0"/>
+          <a:chExt cx="0" cy="0"/>
+        </a:xfrm>
+      </p:grpSpPr>
+      <p:sp>
+        <p:nvSpPr>
+          <p:cNvPr id="2" name="Title 1"/>
+          <p:cNvSpPr>
+            <a:spLocks noGrp="1"/>
+          </p:cNvSpPr>
+          <p:nvPr>
+            <p:ph type="title"/>
+          </p:nvPr>
+        </p:nvSpPr>
+        <p:spPr/>
+        <p:txBody>
+          <a:bodyPr/>
+          <a:lstStyle/>
+          <a:p>
+            <a:pPr lvl="0" indent="0" marL="0">
+              <a:buNone/>
+            </a:pPr>
+            <a:r>
+              <a:rPr/>
+              <a:t>Examples of raster data</a:t>
+            </a:r>
+          </a:p>
+        </p:txBody>
+      </p:sp>
+      <p:pic>
+        <p:nvPicPr>
+          <p:cNvPr descr="landcover.png" id="0" name="Picture 1"/>
+          <p:cNvPicPr>
+            <a:picLocks noGrp="1" noChangeAspect="1"/>
+          </p:cNvPicPr>
+          <p:nvPr/>
+        </p:nvPicPr>
+        <p:blipFill>
+          <a:blip r:embed="rId2"/>
+          <a:stretch>
+            <a:fillRect/>
+          </a:stretch>
+        </p:blipFill>
+        <p:spPr bwMode="auto">
+          <a:xfrm>
+            <a:off x="2806700" y="1193800"/>
+            <a:ext cx="3530600" cy="3390900"/>
+          </a:xfrm>
+          <a:prstGeom prst="rect">
+            <a:avLst/>
+          </a:prstGeom>
+          <a:noFill/>
+          <a:ln w="9525">
+            <a:noFill/>
+            <a:headEnd/>
+            <a:tailEnd/>
+          </a:ln>
+        </p:spPr>
+      </p:pic>
+    </p:spTree>
+  </p:cSld>
+</p:sld>
+</file>
+
+<file path=ppt/slides/slide6.xml><?xml version="1.0" encoding="utf-8"?>
+<p:sld xmlns:a="http://schemas.openxmlformats.org/drawingml/2006/main" xmlns:r="http://schemas.openxmlformats.org/officeDocument/2006/relationships" xmlns:p="http://schemas.openxmlformats.org/presentationml/2006/main">
+  <p:cSld>
+    <p:spTree>
+      <p:nvGrpSpPr>
+        <p:cNvPr id="1" name=""/>
+        <p:cNvGrpSpPr/>
+        <p:nvPr/>
+      </p:nvGrpSpPr>
+      <p:grpSpPr>
+        <a:xfrm>
+          <a:off x="0" y="0"/>
+          <a:ext cx="0" cy="0"/>
+          <a:chOff x="0" y="0"/>
+          <a:chExt cx="0" cy="0"/>
+        </a:xfrm>
+      </p:grpSpPr>
+      <p:sp>
+        <p:nvSpPr>
+          <p:cNvPr id="2" name="Title 1"/>
+          <p:cNvSpPr>
+            <a:spLocks noGrp="1"/>
+          </p:cNvSpPr>
+          <p:nvPr>
+            <p:ph type="title"/>
+          </p:nvPr>
+        </p:nvSpPr>
+        <p:spPr>
+          <a:xfrm>
+            <a:off x="457201" y="204787"/>
+            <a:ext cx="3008313" cy="871538"/>
+          </a:xfrm>
+        </p:spPr>
+        <p:txBody>
+          <a:bodyPr/>
+          <a:lstStyle/>
+          <a:p>
+            <a:pPr lvl="0" indent="0" marL="0">
+              <a:buNone/>
+            </a:pPr>
+            <a:r>
+              <a:rPr/>
+              <a:t>Example of raster data (DEM)</a:t>
+            </a:r>
+          </a:p>
+        </p:txBody>
+      </p:sp>
+      <p:sp>
+        <p:nvSpPr>
+          <p:cNvPr id="4" name="Text Placeholder 3"/>
+          <p:cNvSpPr>
+            <a:spLocks noGrp="1"/>
+          </p:cNvSpPr>
+          <p:nvPr>
+            <p:ph idx="2" sz="half" type="body"/>
+          </p:nvPr>
+        </p:nvSpPr>
+        <p:spPr/>
+        <p:txBody>
+          <a:bodyPr/>
+          <a:lstStyle/>
+          <a:p>
+            <a:pPr lvl="0" indent="0">
+              <a:buNone/>
+            </a:pPr>
+            <a:r>
+              <a:rPr>
+                <a:latin typeface="Courier"/>
+              </a:rPr>
+              <a:t>## terra 1.7.65</a:t>
+            </a:r>
+          </a:p>
+          <a:p>
+            <a:pPr lvl="0" indent="0">
+              <a:buNone/>
+            </a:pPr>
+            <a:r>
+              <a:rPr>
+                <a:latin typeface="Courier"/>
+              </a:rPr>
+              <a:t>## class       : SpatRaster 
+## dimensions  : 485, 630, 1  (nrow, ncol, nlyr)
+## resolution  : 30, 30  (x, y)
+## extent      : 297362.1, 316262.1, 5388787, 5403337  (xmin, xmax, ymin, ymax)
+## coord. ref. : WGS 84 / UTM zone 12N (EPSG:32612) 
+## source      : elev.tif 
+## name        : elev</a:t>
+            </a:r>
+          </a:p>
+        </p:txBody>
+      </p:sp>
+      <p:pic>
+        <p:nvPicPr>
+          <p:cNvPr descr="week2_files/figure-pptx/unnamed-chunk-1-1.png" id="0" name="Picture 1"/>
+          <p:cNvPicPr>
+            <a:picLocks noGrp="1" noChangeAspect="1"/>
+          </p:cNvPicPr>
+          <p:nvPr/>
+        </p:nvPicPr>
+        <p:blipFill>
+          <a:blip r:embed="rId2"/>
+          <a:stretch>
+            <a:fillRect/>
+          </a:stretch>
+        </p:blipFill>
+        <p:spPr bwMode="auto">
+          <a:xfrm>
+            <a:off x="3568700" y="355600"/>
+            <a:ext cx="5105400" cy="4089400"/>
+          </a:xfrm>
+          <a:prstGeom prst="rect">
+            <a:avLst/>
+          </a:prstGeom>
+          <a:noFill/>
+          <a:ln w="9525">
+            <a:noFill/>
+            <a:headEnd/>
+            <a:tailEnd/>
+          </a:ln>
+        </p:spPr>
+      </p:pic>
+    </p:spTree>
+  </p:cSld>
+</p:sld>
+</file>
+
+<file path=ppt/slides/slide7.xml><?xml version="1.0" encoding="utf-8"?>
+<p:sld xmlns:a="http://schemas.openxmlformats.org/drawingml/2006/main" xmlns:r="http://schemas.openxmlformats.org/officeDocument/2006/relationships" xmlns:p="http://schemas.openxmlformats.org/presentationml/2006/main">
+  <p:cSld>
+    <p:spTree>
+      <p:nvGrpSpPr>
+        <p:cNvPr id="1" name=""/>
+        <p:cNvGrpSpPr/>
+        <p:nvPr/>
+      </p:nvGrpSpPr>
+      <p:grpSpPr>
+        <a:xfrm>
+          <a:off x="0" y="0"/>
+          <a:ext cx="0" cy="0"/>
+          <a:chOff x="0" y="0"/>
+          <a:chExt cx="0" cy="0"/>
+        </a:xfrm>
+      </p:grpSpPr>
+      <p:sp>
+        <p:nvSpPr>
+          <p:cNvPr id="2" name="Title 1"/>
+          <p:cNvSpPr>
+            <a:spLocks noGrp="1"/>
+          </p:cNvSpPr>
+          <p:nvPr>
+            <p:ph type="title"/>
+          </p:nvPr>
+        </p:nvSpPr>
+        <p:spPr/>
+        <p:txBody>
+          <a:bodyPr/>
+          <a:lstStyle/>
+          <a:p>
+            <a:pPr lvl="0" indent="0" marL="0">
+              <a:buNone/>
+            </a:pPr>
+            <a:r>
+              <a:rPr/>
+              <a:t>pcp data</a:t>
+            </a:r>
+          </a:p>
+        </p:txBody>
+      </p:sp>
+      <p:pic>
+        <p:nvPicPr>
+          <p:cNvPr descr="week2_files/figure-pptx/unnamed-chunk-2-1.png" id="0" name="Picture 1"/>
+          <p:cNvPicPr>
+            <a:picLocks noGrp="1" noChangeAspect="1"/>
+          </p:cNvPicPr>
+          <p:nvPr/>
+        </p:nvPicPr>
+        <p:blipFill>
+          <a:blip r:embed="rId2"/>
+          <a:stretch>
+            <a:fillRect/>
+          </a:stretch>
+        </p:blipFill>
+        <p:spPr bwMode="auto">
+          <a:xfrm>
+            <a:off x="2451100" y="1193800"/>
+            <a:ext cx="4241800" cy="3390900"/>
+          </a:xfrm>
+          <a:prstGeom prst="rect">
+            <a:avLst/>
+          </a:prstGeom>
+          <a:noFill/>
+          <a:ln w="9525">
+            <a:noFill/>
+            <a:headEnd/>
+            <a:tailEnd/>
+          </a:ln>
+        </p:spPr>
+      </p:pic>
+    </p:spTree>
+  </p:cSld>
+</p:sld>
+</file>
+
+<file path=ppt/slides/slide8.xml><?xml version="1.0" encoding="utf-8"?>
+<p:sld xmlns:a="http://schemas.openxmlformats.org/drawingml/2006/main" xmlns:r="http://schemas.openxmlformats.org/officeDocument/2006/relationships" xmlns:p="http://schemas.openxmlformats.org/presentationml/2006/main">
+  <p:cSld>
+    <p:spTree>
+      <p:nvGrpSpPr>
+        <p:cNvPr id="1" name=""/>
+        <p:cNvGrpSpPr/>
+        <p:nvPr/>
+      </p:nvGrpSpPr>
+      <p:grpSpPr>
+        <a:xfrm>
+          <a:off x="0" y="0"/>
+          <a:ext cx="0" cy="0"/>
+          <a:chOff x="0" y="0"/>
+          <a:chExt cx="0" cy="0"/>
+        </a:xfrm>
+      </p:grpSpPr>
+      <p:sp>
+        <p:nvSpPr>
+          <p:cNvPr id="2" name="Title 1"/>
+          <p:cNvSpPr>
+            <a:spLocks noGrp="1"/>
+          </p:cNvSpPr>
+          <p:nvPr>
+            <p:ph type="title"/>
+          </p:nvPr>
+        </p:nvSpPr>
+        <p:spPr/>
+        <p:txBody>
+          <a:bodyPr/>
+          <a:lstStyle/>
+          <a:p>
+            <a:pPr lvl="0" indent="0" marL="0">
+              <a:buNone/>
+            </a:pPr>
+            <a:r>
+              <a:rPr/>
+              <a:t>Example of vector data</a:t>
+            </a:r>
+          </a:p>
+        </p:txBody>
+      </p:sp>
+      <p:pic>
+        <p:nvPicPr>
+          <p:cNvPr descr="point.png" id="0" name="Picture 1"/>
+          <p:cNvPicPr>
+            <a:picLocks noGrp="1" noChangeAspect="1"/>
+          </p:cNvPicPr>
+          <p:nvPr/>
+        </p:nvPicPr>
+        <p:blipFill>
+          <a:blip r:embed="rId2"/>
+          <a:stretch>
+            <a:fillRect/>
+          </a:stretch>
+        </p:blipFill>
+        <p:spPr bwMode="auto">
+          <a:xfrm>
+            <a:off x="2374900" y="1193800"/>
+            <a:ext cx="4381500" cy="3390900"/>
+          </a:xfrm>
+          <a:prstGeom prst="rect">
+            <a:avLst/>
+          </a:prstGeom>
+          <a:noFill/>
+          <a:ln w="9525">
+            <a:noFill/>
+            <a:headEnd/>
+            <a:tailEnd/>
+          </a:ln>
+        </p:spPr>
+      </p:pic>
+    </p:spTree>
+  </p:cSld>
+</p:sld>
+</file>
+
+<file path=ppt/slides/slide9.xml><?xml version="1.0" encoding="utf-8"?>
+<p:sld xmlns:a="http://schemas.openxmlformats.org/drawingml/2006/main" xmlns:r="http://schemas.openxmlformats.org/officeDocument/2006/relationships" xmlns:p="http://schemas.openxmlformats.org/presentationml/2006/main">
+  <p:cSld>
+    <p:spTree>
+      <p:nvGrpSpPr>
+        <p:cNvPr id="1" name=""/>
+        <p:cNvGrpSpPr/>
+        <p:nvPr/>
+      </p:nvGrpSpPr>
+      <p:grpSpPr>
+        <a:xfrm>
+          <a:off x="0" y="0"/>
+          <a:ext cx="0" cy="0"/>
+          <a:chOff x="0" y="0"/>
+          <a:chExt cx="0" cy="0"/>
+        </a:xfrm>
+      </p:grpSpPr>
+      <p:sp>
+        <p:nvSpPr>
+          <p:cNvPr id="2" name="Title 1"/>
+          <p:cNvSpPr>
+            <a:spLocks noGrp="1"/>
+          </p:cNvSpPr>
+          <p:nvPr>
+            <p:ph type="title"/>
+          </p:nvPr>
+        </p:nvSpPr>
+        <p:spPr/>
+        <p:txBody>
+          <a:bodyPr/>
+          <a:lstStyle/>
+          <a:p>
+            <a:pPr lvl="0" indent="0" marL="0">
+              <a:buNone/>
+            </a:pPr>
+            <a:r>
+              <a:rPr/>
+              <a:t>Example of vector data</a:t>
+            </a:r>
+          </a:p>
+        </p:txBody>
+      </p:sp>
+      <p:pic>
+        <p:nvPicPr>
+          <p:cNvPr descr="poly.png" id="0" name="Picture 1"/>
+          <p:cNvPicPr>
+            <a:picLocks noGrp="1" noChangeAspect="1"/>
+          </p:cNvPicPr>
+          <p:nvPr/>
+        </p:nvPicPr>
+        <p:blipFill>
+          <a:blip r:embed="rId2"/>
+          <a:stretch>
+            <a:fillRect/>
+          </a:stretch>
+        </p:blipFill>
+        <p:spPr bwMode="auto">
+          <a:xfrm>
+            <a:off x="2171700" y="1193800"/>
+            <a:ext cx="4800600" cy="3390900"/>
+          </a:xfrm>
+          <a:prstGeom prst="rect">
+            <a:avLst/>
+          </a:prstGeom>
+          <a:noFill/>
+          <a:ln w="9525">
+            <a:noFill/>
+            <a:headEnd/>
+            <a:tailEnd/>
+          </a:ln>
+        </p:spPr>
+      </p:pic>
     </p:spTree>
   </p:cSld>
 </p:sld>

--- a/week2/week2.pptx
+++ b/week2/week2.pptx
@@ -3489,22 +3489,7 @@
               </a:rPr>
               <a:t>(sf)</a:t>
             </a:r>
-          </a:p>
-          <a:p>
-            <a:pPr lvl="0" indent="0">
-              <a:buNone/>
-            </a:pPr>
-            <a:r>
-              <a:rPr>
-                <a:latin typeface="Courier"/>
-              </a:rPr>
-              <a:t>## Linking to GEOS 3.10.2, GDAL 3.4.2, PROJ 8.2.1; sf_use_s2() is TRUE</a:t>
-            </a:r>
-          </a:p>
-          <a:p>
-            <a:pPr lvl="0" indent="0">
-              <a:buNone/>
-            </a:pPr>
+            <a:br/>
             <a:r>
               <a:rPr>
                 <a:latin typeface="Courier"/>
@@ -3643,6 +3628,26 @@
             </a:pPr>
             <a:r>
               <a:rPr>
+                <a:solidFill>
+                  <a:srgbClr val="06287E"/>
+                </a:solidFill>
+                <a:latin typeface="Courier"/>
+              </a:rPr>
+              <a:t>head</a:t>
+            </a:r>
+            <a:r>
+              <a:rPr>
+                <a:latin typeface="Courier"/>
+              </a:rPr>
+              <a:t>(pophu)</a:t>
+            </a:r>
+          </a:p>
+          <a:p>
+            <a:pPr lvl="0" indent="0">
+              <a:buNone/>
+            </a:pPr>
+            <a:r>
+              <a:rPr>
                 <a:latin typeface="Courier"/>
               </a:rPr>
               <a:t>## Simple feature collection with 6 features and 9 fields
@@ -3700,7 +3705,12 @@
             <p:ph type="title"/>
           </p:nvPr>
         </p:nvSpPr>
-        <p:spPr/>
+        <p:spPr>
+          <a:xfrm>
+            <a:off x="457201" y="204787"/>
+            <a:ext cx="3008313" cy="871538"/>
+          </a:xfrm>
+        </p:spPr>
         <p:txBody>
           <a:bodyPr/>
           <a:lstStyle/>
@@ -3711,6 +3721,57 @@
             <a:r>
               <a:rPr/>
               <a:t>plot the sf data frame</a:t>
+            </a:r>
+          </a:p>
+        </p:txBody>
+      </p:sp>
+      <p:sp>
+        <p:nvSpPr>
+          <p:cNvPr id="4" name="Text Placeholder 3"/>
+          <p:cNvSpPr>
+            <a:spLocks noGrp="1"/>
+          </p:cNvSpPr>
+          <p:nvPr>
+            <p:ph idx="2" sz="half" type="body"/>
+          </p:nvPr>
+        </p:nvSpPr>
+        <p:spPr/>
+        <p:txBody>
+          <a:bodyPr/>
+          <a:lstStyle/>
+          <a:p>
+            <a:pPr lvl="0" indent="0">
+              <a:buNone/>
+            </a:pPr>
+            <a:r>
+              <a:rPr>
+                <a:solidFill>
+                  <a:srgbClr val="06287E"/>
+                </a:solidFill>
+                <a:latin typeface="Courier"/>
+              </a:rPr>
+              <a:t>plot</a:t>
+            </a:r>
+            <a:r>
+              <a:rPr>
+                <a:latin typeface="Courier"/>
+              </a:rPr>
+              <a:t>(pophu[</a:t>
+            </a:r>
+            <a:r>
+              <a:rPr>
+                <a:solidFill>
+                  <a:srgbClr val="4070A0"/>
+                </a:solidFill>
+                <a:latin typeface="Courier"/>
+              </a:rPr>
+              <a:t>"POP10"</a:t>
+            </a:r>
+            <a:r>
+              <a:rPr>
+                <a:latin typeface="Courier"/>
+              </a:rPr>
+              <a:t>])</a:t>
             </a:r>
           </a:p>
         </p:txBody>
@@ -3731,8 +3792,8 @@
         </p:blipFill>
         <p:spPr bwMode="auto">
           <a:xfrm>
-            <a:off x="2451100" y="1193800"/>
-            <a:ext cx="4241800" cy="3390900"/>
+            <a:off x="3568700" y="355600"/>
+            <a:ext cx="5105400" cy="4089400"/>
           </a:xfrm>
           <a:prstGeom prst="rect">
             <a:avLst/>
@@ -5130,23 +5191,7 @@
               </a:rPr>
               <a:t>(pophu,county_proj)</a:t>
             </a:r>
-          </a:p>
-          <a:p>
-            <a:pPr lvl="0" indent="0">
-              <a:buNone/>
-            </a:pPr>
-            <a:r>
-              <a:rPr>
-                <a:latin typeface="Courier"/>
-              </a:rPr>
-              <a:t>## Warning: attribute variables are assumed to be spatially constant throughout all
-## geometries</a:t>
-            </a:r>
-          </a:p>
-          <a:p>
-            <a:pPr lvl="0" indent="0">
-              <a:buNone/>
-            </a:pPr>
+            <a:br/>
             <a:r>
               <a:rPr>
                 <a:solidFill>
@@ -5242,7 +5287,12 @@
             <p:ph type="title"/>
           </p:nvPr>
         </p:nvSpPr>
-        <p:spPr/>
+        <p:spPr>
+          <a:xfrm>
+            <a:off x="457201" y="204787"/>
+            <a:ext cx="3008313" cy="871538"/>
+          </a:xfrm>
+        </p:spPr>
         <p:txBody>
           <a:bodyPr/>
           <a:lstStyle/>
@@ -5257,6 +5307,168 @@
           </a:p>
         </p:txBody>
       </p:sp>
+      <p:sp>
+        <p:nvSpPr>
+          <p:cNvPr id="4" name="Text Placeholder 3"/>
+          <p:cNvSpPr>
+            <a:spLocks noGrp="1"/>
+          </p:cNvSpPr>
+          <p:nvPr>
+            <p:ph idx="2" sz="half" type="body"/>
+          </p:nvPr>
+        </p:nvSpPr>
+        <p:spPr/>
+        <p:txBody>
+          <a:bodyPr/>
+          <a:lstStyle/>
+          <a:p>
+            <a:pPr lvl="0" indent="0">
+              <a:buNone/>
+            </a:pPr>
+            <a:r>
+              <a:rPr i="1">
+                <a:solidFill>
+                  <a:srgbClr val="60A0B0"/>
+                </a:solidFill>
+                <a:latin typeface="Courier"/>
+              </a:rPr>
+              <a:t># Summary of a specific attribute column</a:t>
+            </a:r>
+            <a:br/>
+            <a:r>
+              <a:rPr>
+                <a:solidFill>
+                  <a:srgbClr val="06287E"/>
+                </a:solidFill>
+                <a:latin typeface="Courier"/>
+              </a:rPr>
+              <a:t>summary</a:t>
+            </a:r>
+            <a:r>
+              <a:rPr>
+                <a:latin typeface="Courier"/>
+              </a:rPr>
+              <a:t>(pophu_withincounty</a:t>
+            </a:r>
+            <a:r>
+              <a:rPr>
+                <a:solidFill>
+                  <a:srgbClr val="4070A0"/>
+                </a:solidFill>
+                <a:latin typeface="Courier"/>
+              </a:rPr>
+              <a:t>$</a:t>
+            </a:r>
+            <a:r>
+              <a:rPr>
+                <a:latin typeface="Courier"/>
+              </a:rPr>
+              <a:t>POP10)</a:t>
+            </a:r>
+          </a:p>
+          <a:p>
+            <a:pPr lvl="0" indent="0">
+              <a:buNone/>
+            </a:pPr>
+            <a:r>
+              <a:rPr>
+                <a:latin typeface="Courier"/>
+              </a:rPr>
+              <a:t>##    Min. 1st Qu.  Median    Mean 3rd Qu.    Max. 
+##    0.00    0.00    1.00   26.78   19.00 5322.00</a:t>
+            </a:r>
+          </a:p>
+          <a:p>
+            <a:pPr lvl="0" indent="0">
+              <a:buNone/>
+            </a:pPr>
+            <a:r>
+              <a:rPr>
+                <a:solidFill>
+                  <a:srgbClr val="06287E"/>
+                </a:solidFill>
+                <a:latin typeface="Courier"/>
+              </a:rPr>
+              <a:t>hist</a:t>
+            </a:r>
+            <a:r>
+              <a:rPr>
+                <a:latin typeface="Courier"/>
+              </a:rPr>
+              <a:t>(pophu_withincounty</a:t>
+            </a:r>
+            <a:r>
+              <a:rPr>
+                <a:solidFill>
+                  <a:srgbClr val="4070A0"/>
+                </a:solidFill>
+                <a:latin typeface="Courier"/>
+              </a:rPr>
+              <a:t>$</a:t>
+            </a:r>
+            <a:r>
+              <a:rPr>
+                <a:latin typeface="Courier"/>
+              </a:rPr>
+              <a:t>POP10,</a:t>
+            </a:r>
+            <a:r>
+              <a:rPr>
+                <a:solidFill>
+                  <a:srgbClr val="7D9029"/>
+                </a:solidFill>
+                <a:latin typeface="Courier"/>
+              </a:rPr>
+              <a:t>breaks=</a:t>
+            </a:r>
+            <a:r>
+              <a:rPr>
+                <a:solidFill>
+                  <a:srgbClr val="40A070"/>
+                </a:solidFill>
+                <a:latin typeface="Courier"/>
+              </a:rPr>
+              <a:t>100</a:t>
+            </a:r>
+            <a:r>
+              <a:rPr>
+                <a:latin typeface="Courier"/>
+              </a:rPr>
+              <a:t>)</a:t>
+            </a:r>
+          </a:p>
+        </p:txBody>
+      </p:sp>
+      <p:pic>
+        <p:nvPicPr>
+          <p:cNvPr descr="week2_files/figure-pptx/unnamed-chunk-12-1.png" id="0" name="Picture 1"/>
+          <p:cNvPicPr>
+            <a:picLocks noGrp="1" noChangeAspect="1"/>
+          </p:cNvPicPr>
+          <p:nvPr/>
+        </p:nvPicPr>
+        <p:blipFill>
+          <a:blip r:embed="rId2"/>
+          <a:stretch>
+            <a:fillRect/>
+          </a:stretch>
+        </p:blipFill>
+        <p:spPr bwMode="auto">
+          <a:xfrm>
+            <a:off x="3568700" y="355600"/>
+            <a:ext cx="5105400" cy="4089400"/>
+          </a:xfrm>
+          <a:prstGeom prst="rect">
+            <a:avLst/>
+          </a:prstGeom>
+          <a:noFill/>
+          <a:ln w="9525">
+            <a:noFill/>
+            <a:headEnd/>
+            <a:tailEnd/>
+          </a:ln>
+        </p:spPr>
+      </p:pic>
     </p:spTree>
   </p:cSld>
 </p:sld>
@@ -5565,9 +5777,71 @@
             </a:pPr>
             <a:r>
               <a:rPr>
-                <a:latin typeface="Courier"/>
-              </a:rPr>
-              <a:t>## terra 1.7.65</a:t>
+                <a:solidFill>
+                  <a:srgbClr val="06287E"/>
+                </a:solidFill>
+                <a:latin typeface="Courier"/>
+              </a:rPr>
+              <a:t>library</a:t>
+            </a:r>
+            <a:r>
+              <a:rPr>
+                <a:latin typeface="Courier"/>
+              </a:rPr>
+              <a:t>(terra)</a:t>
+            </a:r>
+            <a:br/>
+            <a:r>
+              <a:rPr>
+                <a:latin typeface="Courier"/>
+              </a:rPr>
+              <a:t>dem</a:t>
+            </a:r>
+            <a:r>
+              <a:rPr>
+                <a:solidFill>
+                  <a:srgbClr val="007020"/>
+                </a:solidFill>
+                <a:latin typeface="Courier"/>
+              </a:rPr>
+              <a:t>&lt;-</a:t>
+            </a:r>
+            <a:r>
+              <a:rPr>
+                <a:solidFill>
+                  <a:srgbClr val="06287E"/>
+                </a:solidFill>
+                <a:latin typeface="Courier"/>
+              </a:rPr>
+              <a:t>rast</a:t>
+            </a:r>
+            <a:r>
+              <a:rPr>
+                <a:latin typeface="Courier"/>
+              </a:rPr>
+              <a:t>(</a:t>
+            </a:r>
+            <a:r>
+              <a:rPr>
+                <a:solidFill>
+                  <a:srgbClr val="4070A0"/>
+                </a:solidFill>
+                <a:latin typeface="Courier"/>
+              </a:rPr>
+              <a:t>'elev.tif'</a:t>
+            </a:r>
+            <a:r>
+              <a:rPr>
+                <a:latin typeface="Courier"/>
+              </a:rPr>
+              <a:t>)</a:t>
+            </a:r>
+            <a:br/>
+            <a:r>
+              <a:rPr>
+                <a:latin typeface="Courier"/>
+              </a:rPr>
+              <a:t>dem</a:t>
             </a:r>
           </a:p>
           <a:p>
@@ -5585,6 +5859,26 @@
 ## coord. ref. : WGS 84 / UTM zone 12N (EPSG:32612) 
 ## source      : elev.tif 
 ## name        : elev</a:t>
+            </a:r>
+          </a:p>
+          <a:p>
+            <a:pPr lvl="0" indent="0">
+              <a:buNone/>
+            </a:pPr>
+            <a:r>
+              <a:rPr>
+                <a:solidFill>
+                  <a:srgbClr val="06287E"/>
+                </a:solidFill>
+                <a:latin typeface="Courier"/>
+              </a:rPr>
+              <a:t>plot</a:t>
+            </a:r>
+            <a:r>
+              <a:rPr>
+                <a:latin typeface="Courier"/>
+              </a:rPr>
+              <a:t>(dem)</a:t>
             </a:r>
           </a:p>
         </p:txBody>
@@ -5651,7 +5945,12 @@
             <p:ph type="title"/>
           </p:nvPr>
         </p:nvSpPr>
-        <p:spPr/>
+        <p:spPr>
+          <a:xfrm>
+            <a:off x="457201" y="204787"/>
+            <a:ext cx="3008313" cy="871538"/>
+          </a:xfrm>
+        </p:spPr>
         <p:txBody>
           <a:bodyPr/>
           <a:lstStyle/>
@@ -5662,6 +5961,88 @@
             <a:r>
               <a:rPr/>
               <a:t>pcp data</a:t>
+            </a:r>
+          </a:p>
+        </p:txBody>
+      </p:sp>
+      <p:sp>
+        <p:nvSpPr>
+          <p:cNvPr id="4" name="Text Placeholder 3"/>
+          <p:cNvSpPr>
+            <a:spLocks noGrp="1"/>
+          </p:cNvSpPr>
+          <p:nvPr>
+            <p:ph idx="2" sz="half" type="body"/>
+          </p:nvPr>
+        </p:nvSpPr>
+        <p:spPr/>
+        <p:txBody>
+          <a:bodyPr/>
+          <a:lstStyle/>
+          <a:p>
+            <a:pPr lvl="0" indent="0">
+              <a:buNone/>
+            </a:pPr>
+            <a:r>
+              <a:rPr>
+                <a:latin typeface="Courier"/>
+              </a:rPr>
+              <a:t>a</a:t>
+            </a:r>
+            <a:r>
+              <a:rPr>
+                <a:solidFill>
+                  <a:srgbClr val="007020"/>
+                </a:solidFill>
+                <a:latin typeface="Courier"/>
+              </a:rPr>
+              <a:t>&lt;-</a:t>
+            </a:r>
+            <a:r>
+              <a:rPr>
+                <a:solidFill>
+                  <a:srgbClr val="06287E"/>
+                </a:solidFill>
+                <a:latin typeface="Courier"/>
+              </a:rPr>
+              <a:t>rast</a:t>
+            </a:r>
+            <a:r>
+              <a:rPr>
+                <a:latin typeface="Courier"/>
+              </a:rPr>
+              <a:t>(</a:t>
+            </a:r>
+            <a:r>
+              <a:rPr>
+                <a:solidFill>
+                  <a:srgbClr val="4070A0"/>
+                </a:solidFill>
+                <a:latin typeface="Courier"/>
+              </a:rPr>
+              <a:t>'PRISM_ppt_30yr_normal_4kmM2_annual_asc.asc'</a:t>
+            </a:r>
+            <a:r>
+              <a:rPr>
+                <a:latin typeface="Courier"/>
+              </a:rPr>
+              <a:t>)</a:t>
+            </a:r>
+            <a:br/>
+            <a:r>
+              <a:rPr>
+                <a:solidFill>
+                  <a:srgbClr val="06287E"/>
+                </a:solidFill>
+                <a:latin typeface="Courier"/>
+              </a:rPr>
+              <a:t>plot</a:t>
+            </a:r>
+            <a:r>
+              <a:rPr>
+                <a:latin typeface="Courier"/>
+              </a:rPr>
+              <a:t>(a)</a:t>
             </a:r>
           </a:p>
         </p:txBody>
@@ -5682,8 +6063,8 @@
         </p:blipFill>
         <p:spPr bwMode="auto">
           <a:xfrm>
-            <a:off x="2451100" y="1193800"/>
-            <a:ext cx="4241800" cy="3390900"/>
+            <a:off x="3568700" y="355600"/>
+            <a:ext cx="5105400" cy="4089400"/>
           </a:xfrm>
           <a:prstGeom prst="rect">
             <a:avLst/>

--- a/week2/week2.pptx
+++ b/week2/week2.pptx
@@ -1,6 +1,6 @@
 
 <file path=ppt/presentation.xml><?xml version="1.0" encoding="utf-8"?>
-<p:presentation xmlns:a="http://schemas.openxmlformats.org/drawingml/2006/main" xmlns:p="http://schemas.openxmlformats.org/presentationml/2006/main" xmlns:r="http://schemas.openxmlformats.org/officeDocument/2006/relationships" autoCompressPictures="0" saveSubsetFonts="1">
+<p:presentation xmlns:a="http://schemas.openxmlformats.org/drawingml/2006/main" xmlns:r="http://schemas.openxmlformats.org/officeDocument/2006/relationships" xmlns:p="http://schemas.openxmlformats.org/presentationml/2006/main" saveSubsetFonts="1" autoCompressPictures="0">
   <p:sldMasterIdLst>
     <p:sldMasterId id="2147483648" r:id="rId1"/>
   </p:sldMasterIdLst>
@@ -29,7 +29,8 @@
     <p:sldId id="277" r:id="rId23"/>
     <p:sldId id="278" r:id="rId24"/>
     <p:sldId id="279" r:id="rId25"/>
-    <p:sldId id="280" r:id="rId26"/>
+    <p:sldId id="281" r:id="rId26"/>
+    <p:sldId id="280" r:id="rId27"/>
   </p:sldIdLst>
   <p:sldSz cx="9144000" cy="5143500" type="screen16x9"/>
   <p:notesSz cx="6858000" cy="9144000"/>
@@ -37,8 +38,8 @@
     <a:defPPr>
       <a:defRPr lang="en-US"/>
     </a:defPPr>
-    <a:lvl1pPr algn="l" defTabSz="457200" eaLnBrk="1" hangingPunct="1" latinLnBrk="0" marL="0" rtl="0">
-      <a:defRPr kern="1200" sz="1800">
+    <a:lvl1pPr marL="0" algn="l" defTabSz="457200" rtl="0" eaLnBrk="1" latinLnBrk="0" hangingPunct="1">
+      <a:defRPr sz="1800" kern="1200">
         <a:solidFill>
           <a:schemeClr val="tx1"/>
         </a:solidFill>
@@ -47,8 +48,8 @@
         <a:cs typeface="+mn-cs"/>
       </a:defRPr>
     </a:lvl1pPr>
-    <a:lvl2pPr algn="l" defTabSz="457200" eaLnBrk="1" hangingPunct="1" latinLnBrk="0" marL="457200" rtl="0">
-      <a:defRPr kern="1200" sz="1800">
+    <a:lvl2pPr marL="457200" algn="l" defTabSz="457200" rtl="0" eaLnBrk="1" latinLnBrk="0" hangingPunct="1">
+      <a:defRPr sz="1800" kern="1200">
         <a:solidFill>
           <a:schemeClr val="tx1"/>
         </a:solidFill>
@@ -57,8 +58,8 @@
         <a:cs typeface="+mn-cs"/>
       </a:defRPr>
     </a:lvl2pPr>
-    <a:lvl3pPr algn="l" defTabSz="457200" eaLnBrk="1" hangingPunct="1" latinLnBrk="0" marL="914400" rtl="0">
-      <a:defRPr kern="1200" sz="1800">
+    <a:lvl3pPr marL="914400" algn="l" defTabSz="457200" rtl="0" eaLnBrk="1" latinLnBrk="0" hangingPunct="1">
+      <a:defRPr sz="1800" kern="1200">
         <a:solidFill>
           <a:schemeClr val="tx1"/>
         </a:solidFill>
@@ -67,8 +68,8 @@
         <a:cs typeface="+mn-cs"/>
       </a:defRPr>
     </a:lvl3pPr>
-    <a:lvl4pPr algn="l" defTabSz="457200" eaLnBrk="1" hangingPunct="1" latinLnBrk="0" marL="1371600" rtl="0">
-      <a:defRPr kern="1200" sz="1800">
+    <a:lvl4pPr marL="1371600" algn="l" defTabSz="457200" rtl="0" eaLnBrk="1" latinLnBrk="0" hangingPunct="1">
+      <a:defRPr sz="1800" kern="1200">
         <a:solidFill>
           <a:schemeClr val="tx1"/>
         </a:solidFill>
@@ -77,8 +78,8 @@
         <a:cs typeface="+mn-cs"/>
       </a:defRPr>
     </a:lvl4pPr>
-    <a:lvl5pPr algn="l" defTabSz="457200" eaLnBrk="1" hangingPunct="1" latinLnBrk="0" marL="1828800" rtl="0">
-      <a:defRPr kern="1200" sz="1800">
+    <a:lvl5pPr marL="1828800" algn="l" defTabSz="457200" rtl="0" eaLnBrk="1" latinLnBrk="0" hangingPunct="1">
+      <a:defRPr sz="1800" kern="1200">
         <a:solidFill>
           <a:schemeClr val="tx1"/>
         </a:solidFill>
@@ -87,8 +88,8 @@
         <a:cs typeface="+mn-cs"/>
       </a:defRPr>
     </a:lvl5pPr>
-    <a:lvl6pPr algn="l" defTabSz="457200" eaLnBrk="1" hangingPunct="1" latinLnBrk="0" marL="2286000" rtl="0">
-      <a:defRPr kern="1200" sz="1800">
+    <a:lvl6pPr marL="2286000" algn="l" defTabSz="457200" rtl="0" eaLnBrk="1" latinLnBrk="0" hangingPunct="1">
+      <a:defRPr sz="1800" kern="1200">
         <a:solidFill>
           <a:schemeClr val="tx1"/>
         </a:solidFill>
@@ -97,8 +98,8 @@
         <a:cs typeface="+mn-cs"/>
       </a:defRPr>
     </a:lvl6pPr>
-    <a:lvl7pPr algn="l" defTabSz="457200" eaLnBrk="1" hangingPunct="1" latinLnBrk="0" marL="2743200" rtl="0">
-      <a:defRPr kern="1200" sz="1800">
+    <a:lvl7pPr marL="2743200" algn="l" defTabSz="457200" rtl="0" eaLnBrk="1" latinLnBrk="0" hangingPunct="1">
+      <a:defRPr sz="1800" kern="1200">
         <a:solidFill>
           <a:schemeClr val="tx1"/>
         </a:solidFill>
@@ -107,8 +108,8 @@
         <a:cs typeface="+mn-cs"/>
       </a:defRPr>
     </a:lvl7pPr>
-    <a:lvl8pPr algn="l" defTabSz="457200" eaLnBrk="1" hangingPunct="1" latinLnBrk="0" marL="3200400" rtl="0">
-      <a:defRPr kern="1200" sz="1800">
+    <a:lvl8pPr marL="3200400" algn="l" defTabSz="457200" rtl="0" eaLnBrk="1" latinLnBrk="0" hangingPunct="1">
+      <a:defRPr sz="1800" kern="1200">
         <a:solidFill>
           <a:schemeClr val="tx1"/>
         </a:solidFill>
@@ -117,8 +118,8 @@
         <a:cs typeface="+mn-cs"/>
       </a:defRPr>
     </a:lvl8pPr>
-    <a:lvl9pPr algn="l" defTabSz="457200" eaLnBrk="1" hangingPunct="1" latinLnBrk="0" marL="3657600" rtl="0">
-      <a:defRPr kern="1200" sz="1800">
+    <a:lvl9pPr marL="3657600" algn="l" defTabSz="457200" rtl="0" eaLnBrk="1" latinLnBrk="0" hangingPunct="1">
+      <a:defRPr sz="1800" kern="1200">
         <a:solidFill>
           <a:schemeClr val="tx1"/>
         </a:solidFill>
@@ -326,7 +327,7 @@
           <a:p>
             <a:fld id="{241EB5C9-1307-BA42-ABA2-0BC069CD8E7F}" type="datetimeFigureOut">
               <a:rPr lang="en-US" smtClean="0"/>
-              <a:t>1/2/22</a:t>
+              <a:t>7/24/24</a:t>
             </a:fld>
             <a:endParaRPr lang="en-US"/>
           </a:p>
@@ -494,7 +495,7 @@
           <a:p>
             <a:fld id="{241EB5C9-1307-BA42-ABA2-0BC069CD8E7F}" type="datetimeFigureOut">
               <a:rPr lang="en-US" smtClean="0"/>
-              <a:t>1/2/22</a:t>
+              <a:t>7/24/24</a:t>
             </a:fld>
             <a:endParaRPr lang="en-US"/>
           </a:p>
@@ -672,7 +673,7 @@
           <a:p>
             <a:fld id="{241EB5C9-1307-BA42-ABA2-0BC069CD8E7F}" type="datetimeFigureOut">
               <a:rPr lang="en-US" smtClean="0"/>
-              <a:t>1/2/22</a:t>
+              <a:t>7/24/24</a:t>
             </a:fld>
             <a:endParaRPr lang="en-US"/>
           </a:p>
@@ -840,7 +841,7 @@
           <a:p>
             <a:fld id="{241EB5C9-1307-BA42-ABA2-0BC069CD8E7F}" type="datetimeFigureOut">
               <a:rPr lang="en-US" smtClean="0"/>
-              <a:t>1/2/22</a:t>
+              <a:t>7/24/24</a:t>
             </a:fld>
             <a:endParaRPr lang="en-US"/>
           </a:p>
@@ -1085,7 +1086,7 @@
           <a:p>
             <a:fld id="{241EB5C9-1307-BA42-ABA2-0BC069CD8E7F}" type="datetimeFigureOut">
               <a:rPr lang="en-US" smtClean="0"/>
-              <a:t>1/2/22</a:t>
+              <a:t>7/24/24</a:t>
             </a:fld>
             <a:endParaRPr lang="en-US"/>
           </a:p>
@@ -1370,7 +1371,7 @@
           <a:p>
             <a:fld id="{241EB5C9-1307-BA42-ABA2-0BC069CD8E7F}" type="datetimeFigureOut">
               <a:rPr lang="en-US" smtClean="0"/>
-              <a:t>1/2/22</a:t>
+              <a:t>7/24/24</a:t>
             </a:fld>
             <a:endParaRPr lang="en-US"/>
           </a:p>
@@ -1789,7 +1790,7 @@
           <a:p>
             <a:fld id="{241EB5C9-1307-BA42-ABA2-0BC069CD8E7F}" type="datetimeFigureOut">
               <a:rPr lang="en-US" smtClean="0"/>
-              <a:t>1/2/22</a:t>
+              <a:t>7/24/24</a:t>
             </a:fld>
             <a:endParaRPr lang="en-US"/>
           </a:p>
@@ -1906,7 +1907,7 @@
           <a:p>
             <a:fld id="{241EB5C9-1307-BA42-ABA2-0BC069CD8E7F}" type="datetimeFigureOut">
               <a:rPr lang="en-US" smtClean="0"/>
-              <a:t>1/2/22</a:t>
+              <a:t>7/24/24</a:t>
             </a:fld>
             <a:endParaRPr lang="en-US"/>
           </a:p>
@@ -2001,7 +2002,7 @@
           <a:p>
             <a:fld id="{241EB5C9-1307-BA42-ABA2-0BC069CD8E7F}" type="datetimeFigureOut">
               <a:rPr lang="en-US" smtClean="0"/>
-              <a:t>1/2/22</a:t>
+              <a:t>7/24/24</a:t>
             </a:fld>
             <a:endParaRPr lang="en-US"/>
           </a:p>
@@ -2276,7 +2277,7 @@
           <a:p>
             <a:fld id="{241EB5C9-1307-BA42-ABA2-0BC069CD8E7F}" type="datetimeFigureOut">
               <a:rPr lang="en-US" smtClean="0"/>
-              <a:t>1/2/22</a:t>
+              <a:t>7/24/24</a:t>
             </a:fld>
             <a:endParaRPr lang="en-US"/>
           </a:p>
@@ -2528,7 +2529,7 @@
           <a:p>
             <a:fld id="{241EB5C9-1307-BA42-ABA2-0BC069CD8E7F}" type="datetimeFigureOut">
               <a:rPr lang="en-US" smtClean="0"/>
-              <a:t>1/2/22</a:t>
+              <a:t>7/24/24</a:t>
             </a:fld>
             <a:endParaRPr lang="en-US"/>
           </a:p>
@@ -2590,7 +2591,7 @@
 </file>
 
 <file path=ppt/slideMasters/slideMaster1.xml><?xml version="1.0" encoding="utf-8"?>
-<p:sldMaster xmlns:a="http://schemas.openxmlformats.org/drawingml/2006/main" xmlns:p="http://schemas.openxmlformats.org/presentationml/2006/main" xmlns:r="http://schemas.openxmlformats.org/officeDocument/2006/relationships">
+<p:sldMaster xmlns:a="http://schemas.openxmlformats.org/drawingml/2006/main" xmlns:r="http://schemas.openxmlformats.org/officeDocument/2006/relationships" xmlns:p="http://schemas.openxmlformats.org/presentationml/2006/main">
   <p:cSld>
     <p:bg>
       <p:bgRef idx="1001">
@@ -2631,7 +2632,7 @@
           </a:prstGeom>
         </p:spPr>
         <p:txBody>
-          <a:bodyPr anchor="ctr" bIns="45720" lIns="91440" rIns="91440" rtlCol="0" tIns="45720" vert="horz">
+          <a:bodyPr vert="horz" lIns="91440" tIns="45720" rIns="91440" bIns="45720" rtlCol="0" anchor="ctr">
             <a:normAutofit/>
           </a:bodyPr>
           <a:lstStyle/>
@@ -2650,7 +2651,7 @@
             <a:spLocks noGrp="1"/>
           </p:cNvSpPr>
           <p:nvPr>
-            <p:ph idx="1" type="body"/>
+            <p:ph type="body" idx="1"/>
           </p:nvPr>
         </p:nvSpPr>
         <p:spPr>
@@ -2663,7 +2664,7 @@
           </a:prstGeom>
         </p:spPr>
         <p:txBody>
-          <a:bodyPr bIns="45720" lIns="91440" rIns="91440" rtlCol="0" tIns="45720" vert="horz">
+          <a:bodyPr vert="horz" lIns="91440" tIns="45720" rIns="91440" bIns="45720" rtlCol="0">
             <a:normAutofit/>
           </a:bodyPr>
           <a:lstStyle/>
@@ -2711,7 +2712,7 @@
             <a:spLocks noGrp="1"/>
           </p:cNvSpPr>
           <p:nvPr>
-            <p:ph idx="2" sz="half" type="dt"/>
+            <p:ph type="dt" sz="half" idx="2"/>
           </p:nvPr>
         </p:nvSpPr>
         <p:spPr>
@@ -2724,7 +2725,7 @@
           </a:prstGeom>
         </p:spPr>
         <p:txBody>
-          <a:bodyPr anchor="ctr" bIns="45720" lIns="91440" rIns="91440" rtlCol="0" tIns="45720" vert="horz"/>
+          <a:bodyPr vert="horz" lIns="91440" tIns="45720" rIns="91440" bIns="45720" rtlCol="0" anchor="ctr"/>
           <a:lstStyle>
             <a:lvl1pPr algn="l">
               <a:defRPr sz="900">
@@ -2739,7 +2740,7 @@
           <a:p>
             <a:fld id="{241EB5C9-1307-BA42-ABA2-0BC069CD8E7F}" type="datetimeFigureOut">
               <a:rPr lang="en-US" smtClean="0"/>
-              <a:t>1/2/22</a:t>
+              <a:t>7/24/24</a:t>
             </a:fld>
             <a:endParaRPr lang="en-US"/>
           </a:p>
@@ -2752,7 +2753,7 @@
             <a:spLocks noGrp="1"/>
           </p:cNvSpPr>
           <p:nvPr>
-            <p:ph idx="3" sz="quarter" type="ftr"/>
+            <p:ph type="ftr" sz="quarter" idx="3"/>
           </p:nvPr>
         </p:nvSpPr>
         <p:spPr>
@@ -2765,7 +2766,7 @@
           </a:prstGeom>
         </p:spPr>
         <p:txBody>
-          <a:bodyPr anchor="ctr" bIns="45720" lIns="91440" rIns="91440" rtlCol="0" tIns="45720" vert="horz"/>
+          <a:bodyPr vert="horz" lIns="91440" tIns="45720" rIns="91440" bIns="45720" rtlCol="0" anchor="ctr"/>
           <a:lstStyle>
             <a:lvl1pPr algn="ctr">
               <a:defRPr sz="900">
@@ -2789,7 +2790,7 @@
             <a:spLocks noGrp="1"/>
           </p:cNvSpPr>
           <p:nvPr>
-            <p:ph idx="4" sz="quarter" type="sldNum"/>
+            <p:ph type="sldNum" sz="quarter" idx="4"/>
           </p:nvPr>
         </p:nvSpPr>
         <p:spPr>
@@ -2802,7 +2803,7 @@
           </a:prstGeom>
         </p:spPr>
         <p:txBody>
-          <a:bodyPr anchor="ctr" bIns="45720" lIns="91440" rIns="91440" rtlCol="0" tIns="45720" vert="horz"/>
+          <a:bodyPr vert="horz" lIns="91440" tIns="45720" rIns="91440" bIns="45720" rtlCol="0" anchor="ctr"/>
           <a:lstStyle>
             <a:lvl1pPr algn="r">
               <a:defRPr sz="900">
@@ -2830,7 +2831,7 @@
       </p:ext>
     </p:extLst>
   </p:cSld>
-  <p:clrMap accent1="accent1" accent2="accent2" accent3="accent3" accent4="accent4" accent5="accent5" accent6="accent6" bg1="lt1" bg2="lt2" folHlink="folHlink" hlink="hlink" tx1="dk1" tx2="dk2"/>
+  <p:clrMap bg1="lt1" tx1="dk1" bg2="lt2" tx2="dk2" accent1="accent1" accent2="accent2" accent3="accent3" accent4="accent4" accent5="accent5" accent6="accent6" hlink="hlink" folHlink="folHlink"/>
   <p:sldLayoutIdLst>
     <p:sldLayoutId id="2147483649" r:id="rId1"/>
     <p:sldLayoutId id="2147483650" r:id="rId2"/>
@@ -2846,12 +2847,12 @@
   </p:sldLayoutIdLst>
   <p:txStyles>
     <p:titleStyle>
-      <a:lvl1pPr algn="ctr" defTabSz="342900" eaLnBrk="1" hangingPunct="1" latinLnBrk="0" rtl="0">
+      <a:lvl1pPr algn="ctr" defTabSz="342900" rtl="0" eaLnBrk="1" latinLnBrk="0" hangingPunct="1">
         <a:spcBef>
           <a:spcPct val="0"/>
         </a:spcBef>
         <a:buNone/>
-        <a:defRPr kern="1200" sz="3300">
+        <a:defRPr sz="3300" kern="1200">
           <a:solidFill>
             <a:schemeClr val="tx1"/>
           </a:solidFill>
@@ -2862,13 +2863,13 @@
       </a:lvl1pPr>
     </p:titleStyle>
     <p:bodyStyle>
-      <a:lvl1pPr algn="l" defTabSz="342900" eaLnBrk="1" hangingPunct="1" indent="-342900" latinLnBrk="0" marL="342900" rtl="0">
+      <a:lvl1pPr marL="342900" indent="-342900" algn="l" defTabSz="342900" rtl="0" eaLnBrk="1" latinLnBrk="0" hangingPunct="1">
         <a:spcBef>
           <a:spcPct val="20000"/>
         </a:spcBef>
         <a:buFont typeface="Arial"/>
         <a:buChar char="•"/>
-        <a:defRPr kern="1200" sz="2400">
+        <a:defRPr sz="2400" kern="1200">
           <a:solidFill>
             <a:schemeClr val="tx1"/>
           </a:solidFill>
@@ -2877,13 +2878,13 @@
           <a:cs typeface="+mn-cs"/>
         </a:defRPr>
       </a:lvl1pPr>
-      <a:lvl2pPr algn="l" defTabSz="342900" eaLnBrk="1" hangingPunct="1" indent="-342900" latinLnBrk="0" marL="685800" rtl="0">
+      <a:lvl2pPr marL="685800" indent="-342900" algn="l" defTabSz="342900" rtl="0" eaLnBrk="1" latinLnBrk="0" hangingPunct="1">
         <a:spcBef>
           <a:spcPct val="20000"/>
         </a:spcBef>
         <a:buFont typeface="Arial"/>
         <a:buChar char="–"/>
-        <a:defRPr kern="1200" sz="2100">
+        <a:defRPr sz="2100" kern="1200">
           <a:solidFill>
             <a:schemeClr val="tx1"/>
           </a:solidFill>
@@ -2892,13 +2893,13 @@
           <a:cs typeface="+mn-cs"/>
         </a:defRPr>
       </a:lvl2pPr>
-      <a:lvl3pPr algn="l" defTabSz="342900" eaLnBrk="1" hangingPunct="1" indent="-342900" latinLnBrk="0" marL="1028700" rtl="0">
+      <a:lvl3pPr marL="1028700" indent="-342900" algn="l" defTabSz="342900" rtl="0" eaLnBrk="1" latinLnBrk="0" hangingPunct="1">
         <a:spcBef>
           <a:spcPct val="20000"/>
         </a:spcBef>
         <a:buFont typeface="Arial"/>
         <a:buChar char="•"/>
-        <a:defRPr kern="1200" sz="1800">
+        <a:defRPr sz="1800" kern="1200">
           <a:solidFill>
             <a:schemeClr val="tx1"/>
           </a:solidFill>
@@ -2907,13 +2908,13 @@
           <a:cs typeface="+mn-cs"/>
         </a:defRPr>
       </a:lvl3pPr>
-      <a:lvl4pPr algn="l" defTabSz="342900" eaLnBrk="1" hangingPunct="1" indent="-342900" latinLnBrk="0" marL="1371600" rtl="0">
+      <a:lvl4pPr marL="1371600" indent="-342900" algn="l" defTabSz="342900" rtl="0" eaLnBrk="1" latinLnBrk="0" hangingPunct="1">
         <a:spcBef>
           <a:spcPct val="20000"/>
         </a:spcBef>
         <a:buFont typeface="Arial"/>
         <a:buChar char="–"/>
-        <a:defRPr kern="1200" sz="1500">
+        <a:defRPr sz="1500" kern="1200">
           <a:solidFill>
             <a:schemeClr val="tx1"/>
           </a:solidFill>
@@ -2922,13 +2923,13 @@
           <a:cs typeface="+mn-cs"/>
         </a:defRPr>
       </a:lvl4pPr>
-      <a:lvl5pPr algn="l" defTabSz="342900" eaLnBrk="1" hangingPunct="1" indent="-342900" latinLnBrk="0" marL="1714500" rtl="0">
+      <a:lvl5pPr marL="1714500" indent="-342900" algn="l" defTabSz="342900" rtl="0" eaLnBrk="1" latinLnBrk="0" hangingPunct="1">
         <a:spcBef>
           <a:spcPct val="20000"/>
         </a:spcBef>
         <a:buFont typeface="Arial"/>
         <a:buChar char="»"/>
-        <a:defRPr kern="1200" sz="1500">
+        <a:defRPr sz="1500" kern="1200">
           <a:solidFill>
             <a:schemeClr val="tx1"/>
           </a:solidFill>
@@ -2937,13 +2938,13 @@
           <a:cs typeface="+mn-cs"/>
         </a:defRPr>
       </a:lvl5pPr>
-      <a:lvl6pPr algn="l" defTabSz="342900" eaLnBrk="1" hangingPunct="1" indent="-342900" latinLnBrk="0" marL="2057400" rtl="0">
+      <a:lvl6pPr marL="2057400" indent="-342900" algn="l" defTabSz="342900" rtl="0" eaLnBrk="1" latinLnBrk="0" hangingPunct="1">
         <a:spcBef>
           <a:spcPct val="20000"/>
         </a:spcBef>
         <a:buFont typeface="Arial"/>
         <a:buChar char="•"/>
-        <a:defRPr kern="1200" sz="1500">
+        <a:defRPr sz="1500" kern="1200">
           <a:solidFill>
             <a:schemeClr val="tx1"/>
           </a:solidFill>
@@ -2952,13 +2953,13 @@
           <a:cs typeface="+mn-cs"/>
         </a:defRPr>
       </a:lvl6pPr>
-      <a:lvl7pPr algn="l" defTabSz="342900" eaLnBrk="1" hangingPunct="1" indent="-342900" latinLnBrk="0" marL="2400300" rtl="0">
+      <a:lvl7pPr marL="2400300" indent="-342900" algn="l" defTabSz="342900" rtl="0" eaLnBrk="1" latinLnBrk="0" hangingPunct="1">
         <a:spcBef>
           <a:spcPct val="20000"/>
         </a:spcBef>
         <a:buFont typeface="Arial"/>
         <a:buChar char="•"/>
-        <a:defRPr kern="1200" sz="1500">
+        <a:defRPr sz="1500" kern="1200">
           <a:solidFill>
             <a:schemeClr val="tx1"/>
           </a:solidFill>
@@ -2967,13 +2968,13 @@
           <a:cs typeface="+mn-cs"/>
         </a:defRPr>
       </a:lvl7pPr>
-      <a:lvl8pPr algn="l" defTabSz="342900" eaLnBrk="1" hangingPunct="1" indent="-342900" latinLnBrk="0" marL="2743200" rtl="0">
+      <a:lvl8pPr marL="2743200" indent="-342900" algn="l" defTabSz="342900" rtl="0" eaLnBrk="1" latinLnBrk="0" hangingPunct="1">
         <a:spcBef>
           <a:spcPct val="20000"/>
         </a:spcBef>
         <a:buFont typeface="Arial"/>
         <a:buChar char="•"/>
-        <a:defRPr kern="1200" sz="1500">
+        <a:defRPr sz="1500" kern="1200">
           <a:solidFill>
             <a:schemeClr val="tx1"/>
           </a:solidFill>
@@ -2982,13 +2983,13 @@
           <a:cs typeface="+mn-cs"/>
         </a:defRPr>
       </a:lvl8pPr>
-      <a:lvl9pPr algn="l" defTabSz="342900" eaLnBrk="1" hangingPunct="1" indent="-342900" latinLnBrk="0" marL="3086100" rtl="0">
+      <a:lvl9pPr marL="3086100" indent="-342900" algn="l" defTabSz="342900" rtl="0" eaLnBrk="1" latinLnBrk="0" hangingPunct="1">
         <a:spcBef>
           <a:spcPct val="20000"/>
         </a:spcBef>
         <a:buFont typeface="Arial"/>
         <a:buChar char="•"/>
-        <a:defRPr kern="1200" sz="1500">
+        <a:defRPr sz="1500" kern="1200">
           <a:solidFill>
             <a:schemeClr val="tx1"/>
           </a:solidFill>
@@ -3002,8 +3003,8 @@
       <a:defPPr>
         <a:defRPr lang="en-US"/>
       </a:defPPr>
-      <a:lvl1pPr algn="l" defTabSz="342900" eaLnBrk="1" hangingPunct="1" latinLnBrk="0" marL="0" rtl="0">
-        <a:defRPr kern="1200" sz="1350">
+      <a:lvl1pPr marL="0" algn="l" defTabSz="342900" rtl="0" eaLnBrk="1" latinLnBrk="0" hangingPunct="1">
+        <a:defRPr sz="1350" kern="1200">
           <a:solidFill>
             <a:schemeClr val="tx1"/>
           </a:solidFill>
@@ -3012,8 +3013,8 @@
           <a:cs typeface="+mn-cs"/>
         </a:defRPr>
       </a:lvl1pPr>
-      <a:lvl2pPr algn="l" defTabSz="342900" eaLnBrk="1" hangingPunct="1" latinLnBrk="0" marL="342900" rtl="0">
-        <a:defRPr kern="1200" sz="1350">
+      <a:lvl2pPr marL="342900" algn="l" defTabSz="342900" rtl="0" eaLnBrk="1" latinLnBrk="0" hangingPunct="1">
+        <a:defRPr sz="1350" kern="1200">
           <a:solidFill>
             <a:schemeClr val="tx1"/>
           </a:solidFill>
@@ -3022,8 +3023,8 @@
           <a:cs typeface="+mn-cs"/>
         </a:defRPr>
       </a:lvl2pPr>
-      <a:lvl3pPr algn="l" defTabSz="342900" eaLnBrk="1" hangingPunct="1" latinLnBrk="0" marL="685800" rtl="0">
-        <a:defRPr kern="1200" sz="1350">
+      <a:lvl3pPr marL="685800" algn="l" defTabSz="342900" rtl="0" eaLnBrk="1" latinLnBrk="0" hangingPunct="1">
+        <a:defRPr sz="1350" kern="1200">
           <a:solidFill>
             <a:schemeClr val="tx1"/>
           </a:solidFill>
@@ -3032,8 +3033,8 @@
           <a:cs typeface="+mn-cs"/>
         </a:defRPr>
       </a:lvl3pPr>
-      <a:lvl4pPr algn="l" defTabSz="342900" eaLnBrk="1" hangingPunct="1" latinLnBrk="0" marL="1028700" rtl="0">
-        <a:defRPr kern="1200" sz="1350">
+      <a:lvl4pPr marL="1028700" algn="l" defTabSz="342900" rtl="0" eaLnBrk="1" latinLnBrk="0" hangingPunct="1">
+        <a:defRPr sz="1350" kern="1200">
           <a:solidFill>
             <a:schemeClr val="tx1"/>
           </a:solidFill>
@@ -3042,8 +3043,8 @@
           <a:cs typeface="+mn-cs"/>
         </a:defRPr>
       </a:lvl4pPr>
-      <a:lvl5pPr algn="l" defTabSz="342900" eaLnBrk="1" hangingPunct="1" latinLnBrk="0" marL="1371600" rtl="0">
-        <a:defRPr kern="1200" sz="1350">
+      <a:lvl5pPr marL="1371600" algn="l" defTabSz="342900" rtl="0" eaLnBrk="1" latinLnBrk="0" hangingPunct="1">
+        <a:defRPr sz="1350" kern="1200">
           <a:solidFill>
             <a:schemeClr val="tx1"/>
           </a:solidFill>
@@ -3052,8 +3053,8 @@
           <a:cs typeface="+mn-cs"/>
         </a:defRPr>
       </a:lvl5pPr>
-      <a:lvl6pPr algn="l" defTabSz="342900" eaLnBrk="1" hangingPunct="1" latinLnBrk="0" marL="1714500" rtl="0">
-        <a:defRPr kern="1200" sz="1350">
+      <a:lvl6pPr marL="1714500" algn="l" defTabSz="342900" rtl="0" eaLnBrk="1" latinLnBrk="0" hangingPunct="1">
+        <a:defRPr sz="1350" kern="1200">
           <a:solidFill>
             <a:schemeClr val="tx1"/>
           </a:solidFill>
@@ -3062,8 +3063,8 @@
           <a:cs typeface="+mn-cs"/>
         </a:defRPr>
       </a:lvl6pPr>
-      <a:lvl7pPr algn="l" defTabSz="342900" eaLnBrk="1" hangingPunct="1" latinLnBrk="0" marL="2057400" rtl="0">
-        <a:defRPr kern="1200" sz="1350">
+      <a:lvl7pPr marL="2057400" algn="l" defTabSz="342900" rtl="0" eaLnBrk="1" latinLnBrk="0" hangingPunct="1">
+        <a:defRPr sz="1350" kern="1200">
           <a:solidFill>
             <a:schemeClr val="tx1"/>
           </a:solidFill>
@@ -3072,8 +3073,8 @@
           <a:cs typeface="+mn-cs"/>
         </a:defRPr>
       </a:lvl7pPr>
-      <a:lvl8pPr algn="l" defTabSz="342900" eaLnBrk="1" hangingPunct="1" latinLnBrk="0" marL="2400300" rtl="0">
-        <a:defRPr kern="1200" sz="1350">
+      <a:lvl8pPr marL="2400300" algn="l" defTabSz="342900" rtl="0" eaLnBrk="1" latinLnBrk="0" hangingPunct="1">
+        <a:defRPr sz="1350" kern="1200">
           <a:solidFill>
             <a:schemeClr val="tx1"/>
           </a:solidFill>
@@ -3082,8 +3083,8 @@
           <a:cs typeface="+mn-cs"/>
         </a:defRPr>
       </a:lvl8pPr>
-      <a:lvl9pPr algn="l" defTabSz="342900" eaLnBrk="1" hangingPunct="1" latinLnBrk="0" marL="2743200" rtl="0">
-        <a:defRPr kern="1200" sz="1350">
+      <a:lvl9pPr marL="2743200" algn="l" defTabSz="342900" rtl="0" eaLnBrk="1" latinLnBrk="0" hangingPunct="1">
+        <a:defRPr sz="1350" kern="1200">
           <a:solidFill>
             <a:schemeClr val="tx1"/>
           </a:solidFill>
@@ -3134,11 +3135,10 @@
           <a:bodyPr/>
           <a:lstStyle/>
           <a:p>
-            <a:pPr lvl="0" indent="0" marL="0">
+            <a:pPr marL="0" lvl="0" indent="0">
               <a:buNone/>
             </a:pPr>
             <a:r>
-              <a:rPr/>
               <a:t>R Programming for Geospatial Applications</a:t>
             </a:r>
           </a:p>
@@ -3151,7 +3151,7 @@
             <a:spLocks noGrp="1"/>
           </p:cNvSpPr>
           <p:nvPr>
-            <p:ph idx="1" type="subTitle"/>
+            <p:ph type="subTitle" idx="1"/>
           </p:nvPr>
         </p:nvSpPr>
         <p:spPr>
@@ -3164,11 +3164,12 @@
           <a:bodyPr/>
           <a:lstStyle/>
           <a:p>
-            <a:pPr lvl="0" indent="0" marL="0">
+            <a:pPr marL="0" lvl="0" indent="0">
               <a:buNone/>
             </a:pPr>
             <a:br/>
             <a:br/>
+            <a:endParaRPr/>
           </a:p>
         </p:txBody>
       </p:sp>
@@ -3179,7 +3180,7 @@
             <a:spLocks noGrp="1"/>
           </p:cNvSpPr>
           <p:nvPr>
-            <p:ph idx="10" sz="half" type="dt"/>
+            <p:ph type="dt" sz="half" idx="10"/>
           </p:nvPr>
         </p:nvSpPr>
         <p:spPr/>
@@ -3187,11 +3188,10 @@
           <a:bodyPr/>
           <a:lstStyle/>
           <a:p>
-            <a:pPr lvl="0" indent="0" marL="0">
+            <a:pPr marL="0" lvl="0" indent="0">
               <a:buNone/>
             </a:pPr>
             <a:r>
-              <a:rPr/>
               <a:t>2024-07-13</a:t>
             </a:r>
           </a:p>
@@ -3199,6 +3199,9 @@
       </p:sp>
     </p:spTree>
   </p:cSld>
+  <p:clrMapOvr>
+    <a:masterClrMapping/>
+  </p:clrMapOvr>
 </p:sld>
 </file>
 
@@ -3221,182 +3224,157 @@
       </p:grpSpPr>
       <p:sp>
         <p:nvSpPr>
-          <p:cNvPr id="2" name="Title 1"/>
-          <p:cNvSpPr>
-            <a:spLocks noGrp="1"/>
-          </p:cNvSpPr>
-          <p:nvPr>
-            <p:ph type="title"/>
+          <p:cNvPr id="4" name="Text Placeholder 3"/>
+          <p:cNvSpPr>
+            <a:spLocks noGrp="1"/>
+          </p:cNvSpPr>
+          <p:nvPr>
+            <p:ph type="body" sz="half" idx="2"/>
           </p:nvPr>
         </p:nvSpPr>
         <p:spPr>
           <a:xfrm>
-            <a:off x="457201" y="204787"/>
-            <a:ext cx="3008313" cy="871538"/>
+            <a:off x="399066" y="434229"/>
+            <a:ext cx="7729635" cy="3645887"/>
           </a:xfrm>
         </p:spPr>
         <p:txBody>
-          <a:bodyPr/>
-          <a:lstStyle/>
-          <a:p>
-            <a:pPr lvl="0" indent="0" marL="0">
-              <a:buNone/>
-            </a:pPr>
-            <a:r>
-              <a:rPr/>
-              <a:t>R sf library (Simple Features for R)</a:t>
-            </a:r>
-          </a:p>
-        </p:txBody>
-      </p:sp>
-      <p:sp>
-        <p:nvSpPr>
-          <p:cNvPr id="4" name="Text Placeholder 3"/>
-          <p:cNvSpPr>
-            <a:spLocks noGrp="1"/>
-          </p:cNvSpPr>
-          <p:nvPr>
-            <p:ph idx="2" sz="half" type="body"/>
-          </p:nvPr>
-        </p:nvSpPr>
-        <p:spPr/>
-        <p:txBody>
-          <a:bodyPr/>
-          <a:lstStyle/>
-          <a:p>
-            <a:pPr lvl="0" indent="0" marL="0">
+          <a:bodyPr>
+            <a:noAutofit/>
+          </a:bodyPr>
+          <a:lstStyle/>
+          <a:p>
+            <a:pPr marL="0" lvl="0" indent="0" algn="ctr">
               <a:spcBef>
                 <a:spcPts val="3000"/>
               </a:spcBef>
               <a:buNone/>
             </a:pPr>
             <a:r>
-              <a:rPr b="1"/>
-              <a:t>R sf library (simple feature)</a:t>
-            </a:r>
-          </a:p>
-          <a:p>
-            <a:pPr lvl="0" indent="0" marL="0">
+              <a:rPr sz="1800" b="1" dirty="0"/>
+              <a:t>sf library (simple feature)</a:t>
+            </a:r>
+            <a:endParaRPr lang="en-US" sz="1800" b="1" dirty="0"/>
+          </a:p>
+          <a:p>
+            <a:pPr marL="285750" lvl="0" indent="-285750">
               <a:spcBef>
                 <a:spcPts val="3000"/>
               </a:spcBef>
-              <a:buNone/>
+              <a:buFont typeface="Arial" panose="020B0604020202020204" pitchFamily="34" charset="0"/>
+              <a:buChar char="•"/>
             </a:pPr>
             <a:r>
-              <a:rPr b="1"/>
-              <a:t>Represents simple features as records in a data.frame or tibble with a geometry list-column</a:t>
-            </a:r>
-          </a:p>
-          <a:p>
-            <a:pPr lvl="0" indent="0" marL="0">
+              <a:rPr sz="1400" b="1" dirty="0"/>
+              <a:t>Represents simple features as records in a </a:t>
+            </a:r>
+            <a:r>
+              <a:rPr sz="1400" b="1" dirty="0" err="1"/>
+              <a:t>data.frame</a:t>
+            </a:r>
+            <a:r>
+              <a:rPr sz="1400" b="1" dirty="0"/>
+              <a:t> or </a:t>
+            </a:r>
+            <a:r>
+              <a:rPr sz="1400" b="1" dirty="0" err="1"/>
+              <a:t>tibble</a:t>
+            </a:r>
+            <a:r>
+              <a:rPr sz="1400" b="1" dirty="0"/>
+              <a:t> with a geometry list-column</a:t>
+            </a:r>
+          </a:p>
+          <a:p>
+            <a:pPr marL="285750" lvl="0" indent="-285750">
               <a:spcBef>
                 <a:spcPts val="3000"/>
               </a:spcBef>
-              <a:buNone/>
+              <a:buFont typeface="Arial" panose="020B0604020202020204" pitchFamily="34" charset="0"/>
+              <a:buChar char="•"/>
             </a:pPr>
             <a:r>
-              <a:rPr b="1"/>
-              <a:t>Represents natively in R all 17 simple feature types for all dimensions (XY, XYZ, XYM, XYZM)</a:t>
-            </a:r>
-          </a:p>
-          <a:p>
-            <a:pPr lvl="0" indent="0" marL="0">
+              <a:rPr sz="1400" b="1" dirty="0"/>
+              <a:t>Interfaces to GDAL, supporting all driver options, Date and </a:t>
+            </a:r>
+            <a:r>
+              <a:rPr sz="1400" b="1" dirty="0" err="1"/>
+              <a:t>POSIXct</a:t>
+            </a:r>
+            <a:r>
+              <a:rPr sz="1400" b="1" dirty="0"/>
+              <a:t> and list-columns</a:t>
+            </a:r>
+            <a:endParaRPr lang="en-US" sz="1400" b="1" dirty="0"/>
+          </a:p>
+          <a:p>
+            <a:pPr marL="285750" indent="-285750">
               <a:spcBef>
                 <a:spcPts val="3000"/>
               </a:spcBef>
-              <a:buNone/>
+              <a:buFont typeface="Arial" panose="020B0604020202020204" pitchFamily="34" charset="0"/>
+              <a:buChar char="•"/>
             </a:pPr>
             <a:r>
-              <a:rPr b="1"/>
+              <a:rPr lang="en-US" sz="1400" b="1" dirty="0"/>
               <a:t>Interfaces to GEOS for geometrical operations on projected coordinates, and (through R package s2) to s2geometry for geometrical operations on ellipsoidal coordinates</a:t>
             </a:r>
-          </a:p>
-          <a:p>
-            <a:pPr lvl="0" indent="0" marL="0">
+            <a:endParaRPr sz="1400" b="1" dirty="0"/>
+          </a:p>
+          <a:p>
+            <a:pPr marL="285750" lvl="0" indent="-285750">
               <a:spcBef>
                 <a:spcPts val="3000"/>
               </a:spcBef>
-              <a:buNone/>
+              <a:buFont typeface="Arial" panose="020B0604020202020204" pitchFamily="34" charset="0"/>
+              <a:buChar char="•"/>
             </a:pPr>
             <a:r>
-              <a:rPr b="1"/>
-              <a:t>Interfaces to GDAL, supporting all driver options, Date and POSIXct and list-columns</a:t>
-            </a:r>
-          </a:p>
-          <a:p>
-            <a:pPr lvl="0" indent="0" marL="0">
+              <a:rPr sz="1400" b="1" dirty="0"/>
+              <a:t>Interfaces to PROJ for coordinate reference system conversion and transformation</a:t>
+            </a:r>
+          </a:p>
+          <a:p>
+            <a:pPr marL="285750" lvl="0" indent="-285750">
               <a:spcBef>
                 <a:spcPts val="3000"/>
               </a:spcBef>
-              <a:buNone/>
+              <a:buFont typeface="Arial" panose="020B0604020202020204" pitchFamily="34" charset="0"/>
+              <a:buChar char="•"/>
             </a:pPr>
             <a:r>
-              <a:rPr b="1"/>
-              <a:t>Interfaces to PROJ for coordinate reference system conversion and transformation</a:t>
-            </a:r>
-          </a:p>
-          <a:p>
-            <a:pPr lvl="0" indent="0" marL="0">
-              <a:spcBef>
-                <a:spcPts val="3000"/>
-              </a:spcBef>
-              <a:buNone/>
-            </a:pPr>
-            <a:r>
-              <a:rPr b="1"/>
-              <a:t>Uses well-known-binary serialisations written in C++/Rcpp for fast I/O with GDAL and GEOS</a:t>
-            </a:r>
-          </a:p>
-          <a:p>
-            <a:pPr lvl="0" indent="0" marL="0">
-              <a:spcBef>
-                <a:spcPts val="3000"/>
-              </a:spcBef>
-              <a:buNone/>
-            </a:pPr>
-            <a:r>
-              <a:rPr b="1"/>
-              <a:t>Reads from and writes to spatial databases such as PostGIS using DBI</a:t>
-            </a:r>
-          </a:p>
-          <a:p>
-            <a:pPr lvl="0" indent="0" marL="0">
-              <a:spcBef>
-                <a:spcPts val="3000"/>
-              </a:spcBef>
-              <a:buNone/>
-            </a:pPr>
-            <a:r>
-              <a:rPr b="1"/>
-              <a:t>Source: </a:t>
-            </a:r>
-            <a:r>
-              <a:rPr b="1">
-                <a:hlinkClick r:id="rId2"/>
-              </a:rPr>
-              <a:t>https://r-spatial.github.io/sf/</a:t>
+              <a:rPr sz="1400" b="1" dirty="0"/>
+              <a:t>Reads from and writes to spatial databases such as </a:t>
+            </a:r>
+            <a:r>
+              <a:rPr sz="1400" b="1" dirty="0" err="1"/>
+              <a:t>PostGIS</a:t>
+            </a:r>
+            <a:r>
+              <a:rPr sz="1400" b="1" dirty="0"/>
+              <a:t> using DBI</a:t>
             </a:r>
           </a:p>
         </p:txBody>
       </p:sp>
       <p:pic>
         <p:nvPicPr>
-          <p:cNvPr descr="sf.gif" id="0" name="Picture 1"/>
+          <p:cNvPr id="3" name="Picture 1" descr="sf.gif"/>
           <p:cNvPicPr>
             <a:picLocks noGrp="1" noChangeAspect="1"/>
           </p:cNvPicPr>
           <p:nvPr/>
         </p:nvPicPr>
         <p:blipFill>
-          <a:blip r:embed="rId3"/>
+          <a:blip r:embed="rId2"/>
           <a:stretch>
             <a:fillRect/>
           </a:stretch>
         </p:blipFill>
         <p:spPr bwMode="auto">
           <a:xfrm>
-            <a:off x="3937000" y="203200"/>
-            <a:ext cx="4381500" cy="4381500"/>
+            <a:off x="5672214" y="290085"/>
+            <a:ext cx="867323" cy="867323"/>
           </a:xfrm>
           <a:prstGeom prst="rect">
             <a:avLst/>
@@ -3411,6 +3389,9 @@
       </p:pic>
     </p:spTree>
   </p:cSld>
+  <p:clrMapOvr>
+    <a:masterClrMapping/>
+  </p:clrMapOvr>
 </p:sld>
 </file>
 
@@ -3446,11 +3427,10 @@
           <a:bodyPr/>
           <a:lstStyle/>
           <a:p>
-            <a:pPr lvl="0" indent="0" marL="0">
+            <a:pPr marL="0" lvl="0" indent="0">
               <a:buNone/>
             </a:pPr>
             <a:r>
-              <a:rPr/>
               <a:t>Read a shapefile (y2010.shp)</a:t>
             </a:r>
           </a:p>
@@ -3468,14 +3448,16 @@
         </p:nvSpPr>
         <p:spPr/>
         <p:txBody>
-          <a:bodyPr/>
+          <a:bodyPr>
+            <a:normAutofit fontScale="77500" lnSpcReduction="20000"/>
+          </a:bodyPr>
           <a:lstStyle/>
           <a:p>
             <a:pPr lvl="0" indent="0">
               <a:buNone/>
             </a:pPr>
             <a:r>
-              <a:rPr>
+              <a:rPr dirty="0">
                 <a:solidFill>
                   <a:srgbClr val="06287E"/>
                 </a:solidFill>
@@ -3484,20 +3466,28 @@
               <a:t>library</a:t>
             </a:r>
             <a:r>
-              <a:rPr>
+              <a:rPr dirty="0">
                 <a:latin typeface="Courier"/>
               </a:rPr>
               <a:t>(sf)</a:t>
             </a:r>
-            <a:br/>
-            <a:r>
-              <a:rPr>
-                <a:latin typeface="Courier"/>
-              </a:rPr>
-              <a:t>pophu </a:t>
-            </a:r>
-            <a:r>
-              <a:rPr>
+            <a:br>
+              <a:rPr dirty="0"/>
+            </a:br>
+            <a:r>
+              <a:rPr dirty="0" err="1">
+                <a:latin typeface="Courier"/>
+              </a:rPr>
+              <a:t>pophu</a:t>
+            </a:r>
+            <a:r>
+              <a:rPr dirty="0">
+                <a:latin typeface="Courier"/>
+              </a:rPr>
+              <a:t> </a:t>
+            </a:r>
+            <a:r>
+              <a:rPr dirty="0">
                 <a:solidFill>
                   <a:srgbClr val="007020"/>
                 </a:solidFill>
@@ -3506,13 +3496,13 @@
               <a:t>&lt;-</a:t>
             </a:r>
             <a:r>
-              <a:rPr>
+              <a:rPr dirty="0">
                 <a:latin typeface="Courier"/>
               </a:rPr>
               <a:t> </a:t>
             </a:r>
             <a:r>
-              <a:rPr>
+              <a:rPr dirty="0" err="1">
                 <a:solidFill>
                   <a:srgbClr val="06287E"/>
                 </a:solidFill>
@@ -3521,13 +3511,13 @@
               <a:t>st_read</a:t>
             </a:r>
             <a:r>
-              <a:rPr>
+              <a:rPr dirty="0">
                 <a:latin typeface="Courier"/>
               </a:rPr>
               <a:t>(</a:t>
             </a:r>
             <a:r>
-              <a:rPr>
+              <a:rPr dirty="0">
                 <a:solidFill>
                   <a:srgbClr val="4070A0"/>
                 </a:solidFill>
@@ -3536,7 +3526,7 @@
               <a:t>'y2010.shp'</a:t>
             </a:r>
             <a:r>
-              <a:rPr>
+              <a:rPr dirty="0">
                 <a:latin typeface="Courier"/>
               </a:rPr>
               <a:t>)</a:t>
@@ -3547,15 +3537,75 @@
               <a:buNone/>
             </a:pPr>
             <a:r>
-              <a:rPr>
+              <a:rPr dirty="0">
                 <a:latin typeface="Courier"/>
               </a:rPr>
               <a:t>## Reading layer `y2010' from data source 
-##   `/Users/yshao/work/Geog4254-5254G/week2/y2010.shp' using driver `ESRI Shapefile'
+##   `/Users/</a:t>
+            </a:r>
+            <a:r>
+              <a:rPr dirty="0" err="1">
+                <a:latin typeface="Courier"/>
+              </a:rPr>
+              <a:t>yshao</a:t>
+            </a:r>
+            <a:r>
+              <a:rPr dirty="0">
+                <a:latin typeface="Courier"/>
+              </a:rPr>
+              <a:t>/work/Geog4254-5254G/week2/y2010.shp' using driver `ESRI Shapefile'
 ## Simple feature collection with 16565 features and 9 fields
 ## Geometry type: MULTIPOLYGON
 ## Dimension:     XY
-## Bounding box:  xmin: -81.01449 ymin: 36.879 xmax: -79.83963 ymax: 37.66029
+## Bounding box:  </a:t>
+            </a:r>
+            <a:r>
+              <a:rPr dirty="0" err="1">
+                <a:latin typeface="Courier"/>
+              </a:rPr>
+              <a:t>xmin</a:t>
+            </a:r>
+            <a:r>
+              <a:rPr dirty="0">
+                <a:latin typeface="Courier"/>
+              </a:rPr>
+              <a:t>: -81.01449 </a:t>
+            </a:r>
+            <a:r>
+              <a:rPr dirty="0" err="1">
+                <a:latin typeface="Courier"/>
+              </a:rPr>
+              <a:t>ymin</a:t>
+            </a:r>
+            <a:r>
+              <a:rPr dirty="0">
+                <a:latin typeface="Courier"/>
+              </a:rPr>
+              <a:t>: 36.879 </a:t>
+            </a:r>
+            <a:r>
+              <a:rPr dirty="0" err="1">
+                <a:latin typeface="Courier"/>
+              </a:rPr>
+              <a:t>xmax</a:t>
+            </a:r>
+            <a:r>
+              <a:rPr dirty="0">
+                <a:latin typeface="Courier"/>
+              </a:rPr>
+              <a:t>: -79.83963 </a:t>
+            </a:r>
+            <a:r>
+              <a:rPr dirty="0" err="1">
+                <a:latin typeface="Courier"/>
+              </a:rPr>
+              <a:t>ymax</a:t>
+            </a:r>
+            <a:r>
+              <a:rPr dirty="0">
+                <a:latin typeface="Courier"/>
+              </a:rPr>
+              <a:t>: 37.66029
 ## Geodetic CRS:  NAD83</a:t>
             </a:r>
           </a:p>
@@ -3563,6 +3613,9 @@
       </p:sp>
     </p:spTree>
   </p:cSld>
+  <p:clrMapOvr>
+    <a:masterClrMapping/>
+  </p:clrMapOvr>
 </p:sld>
 </file>
 
@@ -3598,11 +3651,10 @@
           <a:bodyPr/>
           <a:lstStyle/>
           <a:p>
-            <a:pPr lvl="0" indent="0" marL="0">
+            <a:pPr marL="0" lvl="0" indent="0">
               <a:buNone/>
             </a:pPr>
             <a:r>
-              <a:rPr/>
               <a:t>data frame (attribute table)</a:t>
             </a:r>
           </a:p>
@@ -3620,7 +3672,9 @@
         </p:nvSpPr>
         <p:spPr/>
         <p:txBody>
-          <a:bodyPr/>
+          <a:bodyPr>
+            <a:normAutofit fontScale="40000" lnSpcReduction="20000"/>
+          </a:bodyPr>
           <a:lstStyle/>
           <a:p>
             <a:pPr lvl="0" indent="0">
@@ -3675,6 +3729,9 @@
       </p:sp>
     </p:spTree>
   </p:cSld>
+  <p:clrMapOvr>
+    <a:masterClrMapping/>
+  </p:clrMapOvr>
 </p:sld>
 </file>
 
@@ -3715,11 +3772,10 @@
           <a:bodyPr/>
           <a:lstStyle/>
           <a:p>
-            <a:pPr lvl="0" indent="0" marL="0">
+            <a:pPr marL="0" lvl="0" indent="0">
               <a:buNone/>
             </a:pPr>
             <a:r>
-              <a:rPr/>
               <a:t>plot the sf data frame</a:t>
             </a:r>
           </a:p>
@@ -3732,7 +3788,7 @@
             <a:spLocks noGrp="1"/>
           </p:cNvSpPr>
           <p:nvPr>
-            <p:ph idx="2" sz="half" type="body"/>
+            <p:ph type="body" sz="half" idx="2"/>
           </p:nvPr>
         </p:nvSpPr>
         <p:spPr/>
@@ -3778,7 +3834,7 @@
       </p:sp>
       <p:pic>
         <p:nvPicPr>
-          <p:cNvPr descr="week2_files/figure-pptx/unnamed-chunk-5-1.png" id="0" name="Picture 1"/>
+          <p:cNvPr id="3" name="Picture 1" descr="week2_files/figure-pptx/unnamed-chunk-5-1.png"/>
           <p:cNvPicPr>
             <a:picLocks noGrp="1" noChangeAspect="1"/>
           </p:cNvPicPr>
@@ -3808,6 +3864,9 @@
       </p:pic>
     </p:spTree>
   </p:cSld>
+  <p:clrMapOvr>
+    <a:masterClrMapping/>
+  </p:clrMapOvr>
 </p:sld>
 </file>
 
@@ -3843,11 +3902,10 @@
           <a:bodyPr/>
           <a:lstStyle/>
           <a:p>
-            <a:pPr lvl="0" indent="0" marL="0">
+            <a:pPr marL="0" lvl="0" indent="0">
               <a:buNone/>
             </a:pPr>
             <a:r>
-              <a:rPr/>
               <a:t>Mapview</a:t>
             </a:r>
           </a:p>
@@ -3855,7 +3913,7 @@
       </p:sp>
       <p:pic>
         <p:nvPicPr>
-          <p:cNvPr descr="mapview.png" id="0" name="Picture 1"/>
+          <p:cNvPr id="3" name="Picture 1" descr="mapview.png"/>
           <p:cNvPicPr>
             <a:picLocks noGrp="1" noChangeAspect="1"/>
           </p:cNvPicPr>
@@ -3885,6 +3943,9 @@
       </p:pic>
     </p:spTree>
   </p:cSld>
+  <p:clrMapOvr>
+    <a:masterClrMapping/>
+  </p:clrMapOvr>
 </p:sld>
 </file>
 
@@ -3920,11 +3981,10 @@
           <a:bodyPr/>
           <a:lstStyle/>
           <a:p>
-            <a:pPr lvl="0" indent="0" marL="0">
+            <a:pPr marL="0" lvl="0" indent="0">
               <a:buNone/>
             </a:pPr>
             <a:r>
-              <a:rPr/>
               <a:t>A quick demo on mapview usage</a:t>
             </a:r>
           </a:p>
@@ -3932,6 +3992,9 @@
       </p:sp>
     </p:spTree>
   </p:cSld>
+  <p:clrMapOvr>
+    <a:masterClrMapping/>
+  </p:clrMapOvr>
 </p:sld>
 </file>
 
@@ -3967,11 +4030,10 @@
           <a:bodyPr/>
           <a:lstStyle/>
           <a:p>
-            <a:pPr lvl="0" indent="0" marL="0">
+            <a:pPr marL="0" lvl="0" indent="0">
               <a:buNone/>
             </a:pPr>
             <a:r>
-              <a:rPr/>
               <a:t>Outline</a:t>
             </a:r>
           </a:p>
@@ -3994,14 +4056,26 @@
           <a:p>
             <a:pPr lvl="0"/>
             <a:r>
-              <a:rPr/>
-              <a:t>raster, terra,and mapview libraries (read raster and shapefile)  </a:t>
+              <a:rPr lang="en-US" dirty="0"/>
+              <a:t>terra, sf </a:t>
+            </a:r>
+            <a:r>
+              <a:rPr dirty="0"/>
+              <a:t>and </a:t>
+            </a:r>
+            <a:r>
+              <a:rPr dirty="0" err="1"/>
+              <a:t>mapview</a:t>
+            </a:r>
+            <a:r>
+              <a:rPr dirty="0"/>
+              <a:t> libraries (read raster and shapefile)  </a:t>
             </a:r>
           </a:p>
           <a:p>
             <a:pPr lvl="0"/>
             <a:r>
-              <a:rPr b="1"/>
+              <a:rPr b="1" dirty="0"/>
               <a:t>Handling spatial data in R (attributes, field calculator, select by attributes, select by location, summary statistics)</a:t>
             </a:r>
           </a:p>
@@ -4009,6 +4083,9 @@
       </p:sp>
     </p:spTree>
   </p:cSld>
+  <p:clrMapOvr>
+    <a:masterClrMapping/>
+  </p:clrMapOvr>
 </p:sld>
 </file>
 
@@ -4044,11 +4121,10 @@
           <a:bodyPr/>
           <a:lstStyle/>
           <a:p>
-            <a:pPr lvl="0" indent="0" marL="0">
+            <a:pPr marL="0" lvl="0" indent="0">
               <a:buNone/>
             </a:pPr>
             <a:r>
-              <a:rPr/>
               <a:t>Arcmap: add a field, field calculator</a:t>
             </a:r>
           </a:p>
@@ -4056,7 +4132,7 @@
       </p:sp>
       <p:pic>
         <p:nvPicPr>
-          <p:cNvPr descr="att.png" id="0" name="Picture 1"/>
+          <p:cNvPr id="3" name="Picture 1" descr="att.png"/>
           <p:cNvPicPr>
             <a:picLocks noGrp="1" noChangeAspect="1"/>
           </p:cNvPicPr>
@@ -4086,6 +4162,9 @@
       </p:pic>
     </p:spTree>
   </p:cSld>
+  <p:clrMapOvr>
+    <a:masterClrMapping/>
+  </p:clrMapOvr>
 </p:sld>
 </file>
 
@@ -4116,16 +4195,23 @@
             <p:ph idx="1"/>
           </p:nvPr>
         </p:nvSpPr>
-        <p:spPr/>
-        <p:txBody>
-          <a:bodyPr/>
-          <a:lstStyle/>
-          <a:p>
-            <a:pPr lvl="0" indent="0" marL="0">
+        <p:spPr>
+          <a:xfrm>
+            <a:off x="457200" y="317556"/>
+            <a:ext cx="8229600" cy="3394472"/>
+          </a:xfrm>
+        </p:spPr>
+        <p:txBody>
+          <a:bodyPr>
+            <a:normAutofit fontScale="40000" lnSpcReduction="20000"/>
+          </a:bodyPr>
+          <a:lstStyle/>
+          <a:p>
+            <a:pPr marL="0" lvl="0" indent="0">
               <a:buNone/>
             </a:pPr>
             <a:r>
-              <a:rPr/>
+              <a:rPr dirty="0"/>
               <a:t>#sf data frame - Just like the attribute table</a:t>
             </a:r>
           </a:p>
@@ -4134,7 +4220,7 @@
               <a:buNone/>
             </a:pPr>
             <a:r>
-              <a:rPr>
+              <a:rPr dirty="0">
                 <a:solidFill>
                   <a:srgbClr val="06287E"/>
                 </a:solidFill>
@@ -4143,10 +4229,22 @@
               <a:t>head</a:t>
             </a:r>
             <a:r>
-              <a:rPr>
-                <a:latin typeface="Courier"/>
-              </a:rPr>
-              <a:t>(pophu)</a:t>
+              <a:rPr dirty="0">
+                <a:latin typeface="Courier"/>
+              </a:rPr>
+              <a:t>(</a:t>
+            </a:r>
+            <a:r>
+              <a:rPr dirty="0" err="1">
+                <a:latin typeface="Courier"/>
+              </a:rPr>
+              <a:t>pophu</a:t>
+            </a:r>
+            <a:r>
+              <a:rPr dirty="0">
+                <a:latin typeface="Courier"/>
+              </a:rPr>
+              <a:t>)</a:t>
             </a:r>
           </a:p>
           <a:p>
@@ -4154,13 +4252,61 @@
               <a:buNone/>
             </a:pPr>
             <a:r>
-              <a:rPr>
+              <a:rPr dirty="0">
                 <a:latin typeface="Courier"/>
               </a:rPr>
               <a:t>## Simple feature collection with 6 features and 9 fields
 ## Geometry type: MULTIPOLYGON
 ## Dimension:     XY
-## Bounding box:  xmin: -80.32668 ymin: 37.22773 xmax: -79.84163 ymax: 37.49369
+## Bounding box:  </a:t>
+            </a:r>
+            <a:r>
+              <a:rPr dirty="0" err="1">
+                <a:latin typeface="Courier"/>
+              </a:rPr>
+              <a:t>xmin</a:t>
+            </a:r>
+            <a:r>
+              <a:rPr dirty="0">
+                <a:latin typeface="Courier"/>
+              </a:rPr>
+              <a:t>: -80.32668 </a:t>
+            </a:r>
+            <a:r>
+              <a:rPr dirty="0" err="1">
+                <a:latin typeface="Courier"/>
+              </a:rPr>
+              <a:t>ymin</a:t>
+            </a:r>
+            <a:r>
+              <a:rPr dirty="0">
+                <a:latin typeface="Courier"/>
+              </a:rPr>
+              <a:t>: 37.22773 </a:t>
+            </a:r>
+            <a:r>
+              <a:rPr dirty="0" err="1">
+                <a:latin typeface="Courier"/>
+              </a:rPr>
+              <a:t>xmax</a:t>
+            </a:r>
+            <a:r>
+              <a:rPr dirty="0">
+                <a:latin typeface="Courier"/>
+              </a:rPr>
+              <a:t>: -79.84163 </a:t>
+            </a:r>
+            <a:r>
+              <a:rPr dirty="0" err="1">
+                <a:latin typeface="Courier"/>
+              </a:rPr>
+              <a:t>ymax</a:t>
+            </a:r>
+            <a:r>
+              <a:rPr dirty="0">
+                <a:latin typeface="Courier"/>
+              </a:rPr>
+              <a:t>: 37.49369
 ## Geodetic CRS:  NAD83
 ##   STATEFP10 COUNTYFP10 TRACTCE10 BLOCKCE       BLOCKID10 PARTFLG HOUSING10
 ## 1        51        019    030602    2047 510190306022047       N         0
@@ -4182,6 +4328,9 @@
       </p:sp>
     </p:spTree>
   </p:cSld>
+  <p:clrMapOvr>
+    <a:masterClrMapping/>
+  </p:clrMapOvr>
 </p:sld>
 </file>
 
@@ -4217,11 +4366,10 @@
           <a:bodyPr/>
           <a:lstStyle/>
           <a:p>
-            <a:pPr lvl="0" indent="0" marL="0">
+            <a:pPr marL="0" lvl="0" indent="0">
               <a:buNone/>
             </a:pPr>
             <a:r>
-              <a:rPr/>
               <a:t>Use st_area() function for area calculation</a:t>
             </a:r>
           </a:p>
@@ -4237,16 +4385,23 @@
             <p:ph idx="1"/>
           </p:nvPr>
         </p:nvSpPr>
-        <p:spPr/>
-        <p:txBody>
-          <a:bodyPr/>
-          <a:lstStyle/>
-          <a:p>
-            <a:pPr lvl="0" indent="0" marL="0">
+        <p:spPr>
+          <a:xfrm>
+            <a:off x="457200" y="1198401"/>
+            <a:ext cx="8229600" cy="3394472"/>
+          </a:xfrm>
+        </p:spPr>
+        <p:txBody>
+          <a:bodyPr>
+            <a:normAutofit fontScale="40000" lnSpcReduction="20000"/>
+          </a:bodyPr>
+          <a:lstStyle/>
+          <a:p>
+            <a:pPr marL="0" lvl="0" indent="0">
               <a:buNone/>
             </a:pPr>
             <a:r>
-              <a:rPr/>
+              <a:rPr dirty="0"/>
               <a:t>add the results as a new column (new field named as area) in the attribute table</a:t>
             </a:r>
           </a:p>
@@ -4255,13 +4410,13 @@
               <a:buNone/>
             </a:pPr>
             <a:r>
-              <a:rPr>
+              <a:rPr dirty="0" err="1">
                 <a:latin typeface="Courier"/>
               </a:rPr>
               <a:t>pophu</a:t>
             </a:r>
             <a:r>
-              <a:rPr>
+              <a:rPr dirty="0" err="1">
                 <a:solidFill>
                   <a:srgbClr val="4070A0"/>
                 </a:solidFill>
@@ -4270,13 +4425,19 @@
               <a:t>$</a:t>
             </a:r>
             <a:r>
-              <a:rPr>
-                <a:latin typeface="Courier"/>
-              </a:rPr>
-              <a:t>area </a:t>
-            </a:r>
-            <a:r>
-              <a:rPr>
+              <a:rPr dirty="0" err="1">
+                <a:latin typeface="Courier"/>
+              </a:rPr>
+              <a:t>area</a:t>
+            </a:r>
+            <a:r>
+              <a:rPr dirty="0">
+                <a:latin typeface="Courier"/>
+              </a:rPr>
+              <a:t> </a:t>
+            </a:r>
+            <a:r>
+              <a:rPr dirty="0">
                 <a:solidFill>
                   <a:srgbClr val="007020"/>
                 </a:solidFill>
@@ -4285,13 +4446,13 @@
               <a:t>&lt;-</a:t>
             </a:r>
             <a:r>
-              <a:rPr>
+              <a:rPr dirty="0">
                 <a:latin typeface="Courier"/>
               </a:rPr>
               <a:t> </a:t>
             </a:r>
             <a:r>
-              <a:rPr>
+              <a:rPr dirty="0" err="1">
                 <a:solidFill>
                   <a:srgbClr val="06287E"/>
                 </a:solidFill>
@@ -4300,13 +4461,13 @@
               <a:t>as.numeric</a:t>
             </a:r>
             <a:r>
-              <a:rPr>
+              <a:rPr dirty="0">
                 <a:latin typeface="Courier"/>
               </a:rPr>
               <a:t>(</a:t>
             </a:r>
             <a:r>
-              <a:rPr>
+              <a:rPr dirty="0" err="1">
                 <a:solidFill>
                   <a:srgbClr val="06287E"/>
                 </a:solidFill>
@@ -4315,14 +4476,28 @@
               <a:t>st_area</a:t>
             </a:r>
             <a:r>
-              <a:rPr>
-                <a:latin typeface="Courier"/>
-              </a:rPr>
-              <a:t>(pophu))</a:t>
-            </a:r>
-            <a:br/>
-            <a:r>
-              <a:rPr>
+              <a:rPr dirty="0">
+                <a:latin typeface="Courier"/>
+              </a:rPr>
+              <a:t>(</a:t>
+            </a:r>
+            <a:r>
+              <a:rPr dirty="0" err="1">
+                <a:latin typeface="Courier"/>
+              </a:rPr>
+              <a:t>pophu</a:t>
+            </a:r>
+            <a:r>
+              <a:rPr dirty="0">
+                <a:latin typeface="Courier"/>
+              </a:rPr>
+              <a:t>))</a:t>
+            </a:r>
+            <a:br>
+              <a:rPr dirty="0"/>
+            </a:br>
+            <a:r>
+              <a:rPr dirty="0">
                 <a:solidFill>
                   <a:srgbClr val="06287E"/>
                 </a:solidFill>
@@ -4331,10 +4506,22 @@
               <a:t>head</a:t>
             </a:r>
             <a:r>
-              <a:rPr>
-                <a:latin typeface="Courier"/>
-              </a:rPr>
-              <a:t>(pophu)</a:t>
+              <a:rPr dirty="0">
+                <a:latin typeface="Courier"/>
+              </a:rPr>
+              <a:t>(</a:t>
+            </a:r>
+            <a:r>
+              <a:rPr dirty="0" err="1">
+                <a:latin typeface="Courier"/>
+              </a:rPr>
+              <a:t>pophu</a:t>
+            </a:r>
+            <a:r>
+              <a:rPr dirty="0">
+                <a:latin typeface="Courier"/>
+              </a:rPr>
+              <a:t>)</a:t>
             </a:r>
           </a:p>
           <a:p>
@@ -4342,13 +4529,61 @@
               <a:buNone/>
             </a:pPr>
             <a:r>
-              <a:rPr>
+              <a:rPr dirty="0">
                 <a:latin typeface="Courier"/>
               </a:rPr>
               <a:t>## Simple feature collection with 6 features and 10 fields
 ## Geometry type: MULTIPOLYGON
 ## Dimension:     XY
-## Bounding box:  xmin: -80.32668 ymin: 37.22773 xmax: -79.84163 ymax: 37.49369
+## Bounding box:  </a:t>
+            </a:r>
+            <a:r>
+              <a:rPr dirty="0" err="1">
+                <a:latin typeface="Courier"/>
+              </a:rPr>
+              <a:t>xmin</a:t>
+            </a:r>
+            <a:r>
+              <a:rPr dirty="0">
+                <a:latin typeface="Courier"/>
+              </a:rPr>
+              <a:t>: -80.32668 </a:t>
+            </a:r>
+            <a:r>
+              <a:rPr dirty="0" err="1">
+                <a:latin typeface="Courier"/>
+              </a:rPr>
+              <a:t>ymin</a:t>
+            </a:r>
+            <a:r>
+              <a:rPr dirty="0">
+                <a:latin typeface="Courier"/>
+              </a:rPr>
+              <a:t>: 37.22773 </a:t>
+            </a:r>
+            <a:r>
+              <a:rPr dirty="0" err="1">
+                <a:latin typeface="Courier"/>
+              </a:rPr>
+              <a:t>xmax</a:t>
+            </a:r>
+            <a:r>
+              <a:rPr dirty="0">
+                <a:latin typeface="Courier"/>
+              </a:rPr>
+              <a:t>: -79.84163 </a:t>
+            </a:r>
+            <a:r>
+              <a:rPr dirty="0" err="1">
+                <a:latin typeface="Courier"/>
+              </a:rPr>
+              <a:t>ymax</a:t>
+            </a:r>
+            <a:r>
+              <a:rPr dirty="0">
+                <a:latin typeface="Courier"/>
+              </a:rPr>
+              <a:t>: 37.49369
 ## Geodetic CRS:  NAD83
 ##   STATEFP10 COUNTYFP10 TRACTCE10 BLOCKCE       BLOCKID10 PARTFLG HOUSING10
 ## 1        51        019    030602    2047 510190306022047       N         0
@@ -4370,6 +4605,9 @@
       </p:sp>
     </p:spTree>
   </p:cSld>
+  <p:clrMapOvr>
+    <a:masterClrMapping/>
+  </p:clrMapOvr>
 </p:sld>
 </file>
 
@@ -4405,11 +4643,10 @@
           <a:bodyPr/>
           <a:lstStyle/>
           <a:p>
-            <a:pPr lvl="0" indent="0" marL="0">
+            <a:pPr marL="0" lvl="0" indent="0">
               <a:buNone/>
             </a:pPr>
             <a:r>
-              <a:rPr/>
               <a:t>Outline</a:t>
             </a:r>
           </a:p>
@@ -4432,14 +4669,34 @@
           <a:p>
             <a:pPr lvl="0"/>
             <a:r>
-              <a:rPr/>
-              <a:t>raster, terra,and mapview libraries (read raster and shapefile)</a:t>
+              <a:rPr dirty="0" err="1"/>
+              <a:t>terra,</a:t>
+            </a:r>
+            <a:r>
+              <a:rPr lang="en-US" dirty="0" err="1"/>
+              <a:t>sf</a:t>
+            </a:r>
+            <a:r>
+              <a:rPr lang="en-US" dirty="0"/>
+              <a:t>, </a:t>
+            </a:r>
+            <a:r>
+              <a:rPr dirty="0"/>
+              <a:t>and </a:t>
+            </a:r>
+            <a:r>
+              <a:rPr dirty="0" err="1"/>
+              <a:t>mapview</a:t>
+            </a:r>
+            <a:r>
+              <a:rPr dirty="0"/>
+              <a:t> libraries (read raster and shapefile)</a:t>
             </a:r>
           </a:p>
           <a:p>
             <a:pPr lvl="0"/>
             <a:r>
-              <a:rPr/>
+              <a:rPr dirty="0"/>
               <a:t>Handling spatial data in R (attributes, field calculator, select by attributes, select by location, summary statistics)</a:t>
             </a:r>
           </a:p>
@@ -4447,6 +4704,9 @@
       </p:sp>
     </p:spTree>
   </p:cSld>
+  <p:clrMapOvr>
+    <a:masterClrMapping/>
+  </p:clrMapOvr>
 </p:sld>
 </file>
 
@@ -4487,11 +4747,10 @@
           <a:bodyPr/>
           <a:lstStyle/>
           <a:p>
-            <a:pPr lvl="0" indent="0" marL="0">
+            <a:pPr marL="0" lvl="0" indent="0">
               <a:buNone/>
             </a:pPr>
             <a:r>
-              <a:rPr/>
               <a:t>Plot</a:t>
             </a:r>
           </a:p>
@@ -4504,7 +4763,7 @@
             <a:spLocks noGrp="1"/>
           </p:cNvSpPr>
           <p:nvPr>
-            <p:ph idx="2" sz="half" type="body"/>
+            <p:ph type="body" sz="half" idx="2"/>
           </p:nvPr>
         </p:nvSpPr>
         <p:spPr/>
@@ -4550,7 +4809,7 @@
       </p:sp>
       <p:pic>
         <p:nvPicPr>
-          <p:cNvPr descr="week2_files/figure-pptx/unnamed-chunk-8-1.png" id="0" name="Picture 1"/>
+          <p:cNvPr id="3" name="Picture 1" descr="week2_files/figure-pptx/unnamed-chunk-8-1.png"/>
           <p:cNvPicPr>
             <a:picLocks noGrp="1" noChangeAspect="1"/>
           </p:cNvPicPr>
@@ -4580,6 +4839,9 @@
       </p:pic>
     </p:spTree>
   </p:cSld>
+  <p:clrMapOvr>
+    <a:masterClrMapping/>
+  </p:clrMapOvr>
 </p:sld>
 </file>
 
@@ -4615,11 +4877,10 @@
           <a:bodyPr/>
           <a:lstStyle/>
           <a:p>
-            <a:pPr lvl="0" indent="0" marL="0">
+            <a:pPr marL="0" lvl="0" indent="0">
               <a:buNone/>
             </a:pPr>
             <a:r>
-              <a:rPr/>
               <a:t>Export data as ESRI shapefile</a:t>
             </a:r>
           </a:p>
@@ -4635,16 +4896,23 @@
             <p:ph idx="1"/>
           </p:nvPr>
         </p:nvSpPr>
-        <p:spPr/>
-        <p:txBody>
-          <a:bodyPr/>
-          <a:lstStyle/>
-          <a:p>
-            <a:pPr lvl="0" indent="0" marL="0">
+        <p:spPr>
+          <a:xfrm>
+            <a:off x="457200" y="1001735"/>
+            <a:ext cx="8229600" cy="3394472"/>
+          </a:xfrm>
+        </p:spPr>
+        <p:txBody>
+          <a:bodyPr>
+            <a:normAutofit lnSpcReduction="10000"/>
+          </a:bodyPr>
+          <a:lstStyle/>
+          <a:p>
+            <a:pPr marL="0" lvl="0" indent="0">
               <a:buNone/>
             </a:pPr>
             <a:r>
-              <a:rPr/>
+              <a:rPr dirty="0"/>
               <a:t>You can add the resultant test1.shp to ArcGIS</a:t>
             </a:r>
           </a:p>
@@ -4653,7 +4921,7 @@
               <a:buNone/>
             </a:pPr>
             <a:r>
-              <a:rPr>
+              <a:rPr dirty="0" err="1">
                 <a:solidFill>
                   <a:srgbClr val="06287E"/>
                 </a:solidFill>
@@ -4662,13 +4930,13 @@
               <a:t>st_write</a:t>
             </a:r>
             <a:r>
-              <a:rPr>
+              <a:rPr dirty="0">
                 <a:latin typeface="Courier"/>
               </a:rPr>
               <a:t>(pophu,</a:t>
             </a:r>
             <a:r>
-              <a:rPr>
+              <a:rPr dirty="0">
                 <a:solidFill>
                   <a:srgbClr val="4070A0"/>
                 </a:solidFill>
@@ -4677,13 +4945,13 @@
               <a:t>'test1.shp'</a:t>
             </a:r>
             <a:r>
-              <a:rPr>
+              <a:rPr dirty="0">
                 <a:latin typeface="Courier"/>
               </a:rPr>
               <a:t>,</a:t>
             </a:r>
             <a:r>
-              <a:rPr>
+              <a:rPr dirty="0">
                 <a:solidFill>
                   <a:srgbClr val="7D9029"/>
                 </a:solidFill>
@@ -4692,13 +4960,13 @@
               <a:t>delete_dsn =</a:t>
             </a:r>
             <a:r>
-              <a:rPr>
+              <a:rPr dirty="0">
                 <a:latin typeface="Courier"/>
               </a:rPr>
               <a:t> </a:t>
             </a:r>
             <a:r>
-              <a:rPr>
+              <a:rPr dirty="0">
                 <a:solidFill>
                   <a:srgbClr val="880000"/>
                 </a:solidFill>
@@ -4707,7 +4975,7 @@
               <a:t>TRUE</a:t>
             </a:r>
             <a:r>
-              <a:rPr>
+              <a:rPr dirty="0">
                 <a:latin typeface="Courier"/>
               </a:rPr>
               <a:t>)</a:t>
@@ -4718,7 +4986,7 @@
               <a:buNone/>
             </a:pPr>
             <a:r>
-              <a:rPr>
+              <a:rPr dirty="0">
                 <a:latin typeface="Courier"/>
               </a:rPr>
               <a:t>## Deleting source `test1.shp' using driver `ESRI Shapefile'
@@ -4730,6 +4998,9 @@
       </p:sp>
     </p:spTree>
   </p:cSld>
+  <p:clrMapOvr>
+    <a:masterClrMapping/>
+  </p:clrMapOvr>
 </p:sld>
 </file>
 
@@ -4765,11 +5036,10 @@
           <a:bodyPr/>
           <a:lstStyle/>
           <a:p>
-            <a:pPr lvl="0" indent="0" marL="0">
+            <a:pPr marL="0" lvl="0" indent="0">
               <a:buNone/>
             </a:pPr>
             <a:r>
-              <a:rPr/>
               <a:t>Housing density?</a:t>
             </a:r>
           </a:p>
@@ -4777,7 +5047,7 @@
       </p:sp>
       <p:pic>
         <p:nvPicPr>
-          <p:cNvPr descr="hd.png" id="0" name="Picture 1"/>
+          <p:cNvPr id="3" name="Picture 1" descr="hd.png"/>
           <p:cNvPicPr>
             <a:picLocks noGrp="1" noChangeAspect="1"/>
           </p:cNvPicPr>
@@ -4807,6 +5077,9 @@
       </p:pic>
     </p:spTree>
   </p:cSld>
+  <p:clrMapOvr>
+    <a:masterClrMapping/>
+  </p:clrMapOvr>
 </p:sld>
 </file>
 
@@ -4847,11 +5120,10 @@
           <a:bodyPr/>
           <a:lstStyle/>
           <a:p>
-            <a:pPr lvl="0" indent="0" marL="0">
+            <a:pPr marL="0" lvl="0" indent="0">
               <a:buNone/>
             </a:pPr>
             <a:r>
-              <a:rPr/>
               <a:t>Handling spatial data in R ( select by attributes, select by location, summary statistics)</a:t>
             </a:r>
           </a:p>
@@ -4864,7 +5136,7 @@
             <a:spLocks noGrp="1"/>
           </p:cNvSpPr>
           <p:nvPr>
-            <p:ph idx="2" sz="half" type="body"/>
+            <p:ph type="body" sz="half" idx="2"/>
           </p:nvPr>
         </p:nvSpPr>
         <p:spPr/>
@@ -4876,13 +5148,13 @@
               <a:buNone/>
             </a:pPr>
             <a:r>
-              <a:rPr>
+              <a:rPr dirty="0">
                 <a:latin typeface="Courier"/>
               </a:rPr>
               <a:t>a</a:t>
             </a:r>
             <a:r>
-              <a:rPr>
+              <a:rPr dirty="0">
                 <a:solidFill>
                   <a:srgbClr val="007020"/>
                 </a:solidFill>
@@ -4891,13 +5163,19 @@
               <a:t>&lt;-</a:t>
             </a:r>
             <a:r>
-              <a:rPr>
-                <a:latin typeface="Courier"/>
-              </a:rPr>
-              <a:t>pophu[pophu</a:t>
-            </a:r>
-            <a:r>
-              <a:rPr>
+              <a:rPr dirty="0" err="1">
+                <a:latin typeface="Courier"/>
+              </a:rPr>
+              <a:t>pophu</a:t>
+            </a:r>
+            <a:r>
+              <a:rPr dirty="0">
+                <a:latin typeface="Courier"/>
+              </a:rPr>
+              <a:t>[pophu</a:t>
+            </a:r>
+            <a:r>
+              <a:rPr dirty="0">
                 <a:solidFill>
                   <a:srgbClr val="4070A0"/>
                 </a:solidFill>
@@ -4906,13 +5184,13 @@
               <a:t>$</a:t>
             </a:r>
             <a:r>
-              <a:rPr>
+              <a:rPr dirty="0">
                 <a:latin typeface="Courier"/>
               </a:rPr>
               <a:t>POP10</a:t>
             </a:r>
             <a:r>
-              <a:rPr>
+              <a:rPr dirty="0">
                 <a:solidFill>
                   <a:srgbClr val="4070A0"/>
                 </a:solidFill>
@@ -4921,7 +5199,7 @@
               <a:t>&gt;</a:t>
             </a:r>
             <a:r>
-              <a:rPr>
+              <a:rPr dirty="0">
                 <a:solidFill>
                   <a:srgbClr val="40A070"/>
                 </a:solidFill>
@@ -4930,14 +5208,16 @@
               <a:t>1000</a:t>
             </a:r>
             <a:r>
-              <a:rPr>
+              <a:rPr dirty="0">
                 <a:latin typeface="Courier"/>
               </a:rPr>
               <a:t>,]</a:t>
             </a:r>
-            <a:br/>
-            <a:r>
-              <a:rPr>
+            <a:br>
+              <a:rPr dirty="0"/>
+            </a:br>
+            <a:r>
+              <a:rPr dirty="0">
                 <a:solidFill>
                   <a:srgbClr val="06287E"/>
                 </a:solidFill>
@@ -4946,13 +5226,13 @@
               <a:t>plot</a:t>
             </a:r>
             <a:r>
-              <a:rPr>
+              <a:rPr dirty="0">
                 <a:latin typeface="Courier"/>
               </a:rPr>
               <a:t>(a[</a:t>
             </a:r>
             <a:r>
-              <a:rPr>
+              <a:rPr dirty="0">
                 <a:solidFill>
                   <a:srgbClr val="4070A0"/>
                 </a:solidFill>
@@ -4961,7 +5241,7 @@
               <a:t>"POP10"</a:t>
             </a:r>
             <a:r>
-              <a:rPr>
+              <a:rPr dirty="0">
                 <a:latin typeface="Courier"/>
               </a:rPr>
               <a:t>])</a:t>
@@ -4971,7 +5251,7 @@
       </p:sp>
       <p:pic>
         <p:nvPicPr>
-          <p:cNvPr descr="week2_files/figure-pptx/unnamed-chunk-10-1.png" id="0" name="Picture 1"/>
+          <p:cNvPr id="3" name="Picture 1" descr="week2_files/figure-pptx/unnamed-chunk-10-1.png"/>
           <p:cNvPicPr>
             <a:picLocks noGrp="1" noChangeAspect="1"/>
           </p:cNvPicPr>
@@ -5001,6 +5281,9 @@
       </p:pic>
     </p:spTree>
   </p:cSld>
+  <p:clrMapOvr>
+    <a:masterClrMapping/>
+  </p:clrMapOvr>
 </p:sld>
 </file>
 
@@ -5028,34 +5311,48 @@
             <a:spLocks noGrp="1"/>
           </p:cNvSpPr>
           <p:nvPr>
-            <p:ph idx="2" sz="half" type="body"/>
-          </p:nvPr>
-        </p:nvSpPr>
-        <p:spPr/>
-        <p:txBody>
-          <a:bodyPr/>
-          <a:lstStyle/>
-          <a:p>
-            <a:pPr lvl="0" indent="0" marL="0">
+            <p:ph type="body" sz="half" idx="2"/>
+          </p:nvPr>
+        </p:nvSpPr>
+        <p:spPr>
+          <a:xfrm>
+            <a:off x="431359" y="692662"/>
+            <a:ext cx="8281282" cy="3518297"/>
+          </a:xfrm>
+        </p:spPr>
+        <p:txBody>
+          <a:bodyPr>
+            <a:normAutofit fontScale="85000" lnSpcReduction="20000"/>
+          </a:bodyPr>
+          <a:lstStyle/>
+          <a:p>
+            <a:pPr marL="0" lvl="0" indent="0">
               <a:buNone/>
             </a:pPr>
             <a:r>
-              <a:rPr/>
+              <a:rPr dirty="0"/>
               <a:t> ## Select by location</a:t>
             </a:r>
+            <a:endParaRPr lang="en-US" dirty="0"/>
+          </a:p>
+          <a:p>
+            <a:pPr marL="0" lvl="0" indent="0">
+              <a:buNone/>
+            </a:pPr>
+            <a:endParaRPr dirty="0"/>
           </a:p>
           <a:p>
             <a:pPr lvl="0" indent="0">
               <a:buNone/>
             </a:pPr>
             <a:r>
-              <a:rPr>
+              <a:rPr sz="2400" dirty="0">
                 <a:latin typeface="Courier"/>
               </a:rPr>
               <a:t>county</a:t>
             </a:r>
             <a:r>
-              <a:rPr>
+              <a:rPr sz="2400" dirty="0">
                 <a:solidFill>
                   <a:srgbClr val="007020"/>
                 </a:solidFill>
@@ -5064,7 +5361,7 @@
               <a:t>&lt;-</a:t>
             </a:r>
             <a:r>
-              <a:rPr>
+              <a:rPr sz="2400" dirty="0" err="1">
                 <a:solidFill>
                   <a:srgbClr val="06287E"/>
                 </a:solidFill>
@@ -5073,22 +5370,40 @@
               <a:t>st_read</a:t>
             </a:r>
             <a:r>
-              <a:rPr>
+              <a:rPr sz="2400" dirty="0">
                 <a:latin typeface="Courier"/>
               </a:rPr>
               <a:t>(</a:t>
             </a:r>
             <a:r>
-              <a:rPr>
+              <a:rPr sz="2400" dirty="0">
                 <a:solidFill>
                   <a:srgbClr val="4070A0"/>
                 </a:solidFill>
                 <a:latin typeface="Courier"/>
               </a:rPr>
-              <a:t>'mycounty.shp'</a:t>
-            </a:r>
-            <a:r>
-              <a:rPr>
+              <a:t>'</a:t>
+            </a:r>
+            <a:r>
+              <a:rPr sz="2400" dirty="0" err="1">
+                <a:solidFill>
+                  <a:srgbClr val="4070A0"/>
+                </a:solidFill>
+                <a:latin typeface="Courier"/>
+              </a:rPr>
+              <a:t>mycounty.shp</a:t>
+            </a:r>
+            <a:r>
+              <a:rPr sz="2400" dirty="0">
+                <a:solidFill>
+                  <a:srgbClr val="4070A0"/>
+                </a:solidFill>
+                <a:latin typeface="Courier"/>
+              </a:rPr>
+              <a:t>'</a:t>
+            </a:r>
+            <a:r>
+              <a:rPr sz="2400" dirty="0">
                 <a:latin typeface="Courier"/>
               </a:rPr>
               <a:t>)</a:t>
@@ -5099,30 +5414,125 @@
               <a:buNone/>
             </a:pPr>
             <a:r>
-              <a:rPr>
-                <a:latin typeface="Courier"/>
-              </a:rPr>
-              <a:t>## Reading layer `mycounty' from data source 
-##   `/Users/yshao/work/Geog4254-5254G/week2/mycounty.shp' using driver `ESRI Shapefile'
+              <a:rPr dirty="0">
+                <a:latin typeface="Courier"/>
+              </a:rPr>
+              <a:t>## Reading layer `</a:t>
+            </a:r>
+            <a:r>
+              <a:rPr dirty="0" err="1">
+                <a:latin typeface="Courier"/>
+              </a:rPr>
+              <a:t>mycounty</a:t>
+            </a:r>
+            <a:r>
+              <a:rPr dirty="0">
+                <a:latin typeface="Courier"/>
+              </a:rPr>
+              <a:t>' from data source 
+##   `/Users/</a:t>
+            </a:r>
+            <a:r>
+              <a:rPr dirty="0" err="1">
+                <a:latin typeface="Courier"/>
+              </a:rPr>
+              <a:t>yshao</a:t>
+            </a:r>
+            <a:r>
+              <a:rPr dirty="0">
+                <a:latin typeface="Courier"/>
+              </a:rPr>
+              <a:t>/work/Geog4254-5254G/week2/</a:t>
+            </a:r>
+            <a:r>
+              <a:rPr dirty="0" err="1">
+                <a:latin typeface="Courier"/>
+              </a:rPr>
+              <a:t>mycounty.shp</a:t>
+            </a:r>
+            <a:r>
+              <a:rPr dirty="0">
+                <a:latin typeface="Courier"/>
+              </a:rPr>
+              <a:t>' using driver `ESRI Shapefile'
 ## Simple feature collection with 1 feature and 51 fields
 ## Geometry type: MULTIPOLYGON
 ## Dimension:     XY
-## Bounding box:  xmin: 534153.2 ymin: 4092959 xmax: 573154.1 ymax: 4135775
+## Bounding box:  </a:t>
+            </a:r>
+            <a:r>
+              <a:rPr dirty="0" err="1">
+                <a:latin typeface="Courier"/>
+              </a:rPr>
+              <a:t>xmin</a:t>
+            </a:r>
+            <a:r>
+              <a:rPr dirty="0">
+                <a:latin typeface="Courier"/>
+              </a:rPr>
+              <a:t>: 534153.2 </a:t>
+            </a:r>
+            <a:r>
+              <a:rPr dirty="0" err="1">
+                <a:latin typeface="Courier"/>
+              </a:rPr>
+              <a:t>ymin</a:t>
+            </a:r>
+            <a:r>
+              <a:rPr dirty="0">
+                <a:latin typeface="Courier"/>
+              </a:rPr>
+              <a:t>: 4092959 </a:t>
+            </a:r>
+            <a:r>
+              <a:rPr dirty="0" err="1">
+                <a:latin typeface="Courier"/>
+              </a:rPr>
+              <a:t>xmax</a:t>
+            </a:r>
+            <a:r>
+              <a:rPr dirty="0">
+                <a:latin typeface="Courier"/>
+              </a:rPr>
+              <a:t>: 573154.1 </a:t>
+            </a:r>
+            <a:r>
+              <a:rPr dirty="0" err="1">
+                <a:latin typeface="Courier"/>
+              </a:rPr>
+              <a:t>ymax</a:t>
+            </a:r>
+            <a:r>
+              <a:rPr dirty="0">
+                <a:latin typeface="Courier"/>
+              </a:rPr>
+              <a:t>: 4135775
 ## Projected CRS: NAD83 / UTM zone 17N</a:t>
             </a:r>
+            <a:endParaRPr lang="en-US" dirty="0">
+              <a:latin typeface="Courier"/>
+            </a:endParaRPr>
           </a:p>
           <a:p>
             <a:pPr lvl="0" indent="0">
               <a:buNone/>
             </a:pPr>
-            <a:r>
-              <a:rPr>
+            <a:endParaRPr dirty="0">
+              <a:latin typeface="Courier"/>
+            </a:endParaRPr>
+          </a:p>
+          <a:p>
+            <a:pPr lvl="0" indent="0">
+              <a:buNone/>
+            </a:pPr>
+            <a:r>
+              <a:rPr sz="2400" dirty="0" err="1">
                 <a:latin typeface="Courier"/>
               </a:rPr>
               <a:t>county_proj</a:t>
             </a:r>
             <a:r>
-              <a:rPr>
+              <a:rPr sz="2400" dirty="0">
                 <a:solidFill>
                   <a:srgbClr val="007020"/>
                 </a:solidFill>
@@ -5131,7 +5541,7 @@
               <a:t>&lt;-</a:t>
             </a:r>
             <a:r>
-              <a:rPr>
+              <a:rPr sz="2400" dirty="0" err="1">
                 <a:solidFill>
                   <a:srgbClr val="06287E"/>
                 </a:solidFill>
@@ -5140,13 +5550,19 @@
               <a:t>st_transform</a:t>
             </a:r>
             <a:r>
-              <a:rPr>
-                <a:latin typeface="Courier"/>
-              </a:rPr>
-              <a:t>(county,</a:t>
-            </a:r>
-            <a:r>
-              <a:rPr>
+              <a:rPr sz="2400" dirty="0">
+                <a:latin typeface="Courier"/>
+              </a:rPr>
+              <a:t>(</a:t>
+            </a:r>
+            <a:r>
+              <a:rPr sz="2400" dirty="0" err="1">
+                <a:latin typeface="Courier"/>
+              </a:rPr>
+              <a:t>county,</a:t>
+            </a:r>
+            <a:r>
+              <a:rPr sz="2400" dirty="0" err="1">
                 <a:solidFill>
                   <a:srgbClr val="06287E"/>
                 </a:solidFill>
@@ -5155,20 +5571,42 @@
               <a:t>crs</a:t>
             </a:r>
             <a:r>
-              <a:rPr>
-                <a:latin typeface="Courier"/>
-              </a:rPr>
-              <a:t>(pophu))</a:t>
-            </a:r>
-            <a:br/>
-            <a:r>
-              <a:rPr>
+              <a:rPr sz="2400" dirty="0">
+                <a:latin typeface="Courier"/>
+              </a:rPr>
+              <a:t>(</a:t>
+            </a:r>
+            <a:r>
+              <a:rPr sz="2400" dirty="0" err="1">
+                <a:latin typeface="Courier"/>
+              </a:rPr>
+              <a:t>pophu</a:t>
+            </a:r>
+            <a:r>
+              <a:rPr sz="2400" dirty="0">
+                <a:latin typeface="Courier"/>
+              </a:rPr>
+              <a:t>))</a:t>
+            </a:r>
+            <a:endParaRPr lang="en-US" sz="2400" dirty="0">
+              <a:latin typeface="Courier"/>
+            </a:endParaRPr>
+          </a:p>
+          <a:p>
+            <a:pPr lvl="0" indent="0">
+              <a:buNone/>
+            </a:pPr>
+            <a:br>
+              <a:rPr sz="2400" dirty="0"/>
+            </a:br>
+            <a:r>
+              <a:rPr sz="2400" dirty="0" err="1">
                 <a:latin typeface="Courier"/>
               </a:rPr>
               <a:t>pophu_withincounty</a:t>
             </a:r>
             <a:r>
-              <a:rPr>
+              <a:rPr sz="2400" dirty="0">
                 <a:solidFill>
                   <a:srgbClr val="007020"/>
                 </a:solidFill>
@@ -5177,7 +5615,7 @@
               <a:t>&lt;-</a:t>
             </a:r>
             <a:r>
-              <a:rPr>
+              <a:rPr sz="2400" dirty="0" err="1">
                 <a:solidFill>
                   <a:srgbClr val="06287E"/>
                 </a:solidFill>
@@ -5186,14 +5624,36 @@
               <a:t>st_intersection</a:t>
             </a:r>
             <a:r>
-              <a:rPr>
-                <a:latin typeface="Courier"/>
-              </a:rPr>
-              <a:t>(pophu,county_proj)</a:t>
-            </a:r>
-            <a:br/>
-            <a:r>
-              <a:rPr>
+              <a:rPr sz="2400" dirty="0">
+                <a:latin typeface="Courier"/>
+              </a:rPr>
+              <a:t>(</a:t>
+            </a:r>
+            <a:r>
+              <a:rPr sz="2400" dirty="0" err="1">
+                <a:latin typeface="Courier"/>
+              </a:rPr>
+              <a:t>pophu,county_proj</a:t>
+            </a:r>
+            <a:r>
+              <a:rPr sz="2400" dirty="0">
+                <a:latin typeface="Courier"/>
+              </a:rPr>
+              <a:t>)</a:t>
+            </a:r>
+            <a:endParaRPr lang="en-US" sz="2400" dirty="0">
+              <a:latin typeface="Courier"/>
+            </a:endParaRPr>
+          </a:p>
+          <a:p>
+            <a:pPr lvl="0" indent="0">
+              <a:buNone/>
+            </a:pPr>
+            <a:br>
+              <a:rPr sz="2400" dirty="0"/>
+            </a:br>
+            <a:r>
+              <a:rPr sz="2400" dirty="0">
                 <a:solidFill>
                   <a:srgbClr val="06287E"/>
                 </a:solidFill>
@@ -5202,13 +5662,25 @@
               <a:t>plot</a:t>
             </a:r>
             <a:r>
-              <a:rPr>
-                <a:latin typeface="Courier"/>
-              </a:rPr>
-              <a:t>(pophu_withincounty[</a:t>
-            </a:r>
-            <a:r>
-              <a:rPr>
+              <a:rPr sz="2400" dirty="0">
+                <a:latin typeface="Courier"/>
+              </a:rPr>
+              <a:t>(</a:t>
+            </a:r>
+            <a:r>
+              <a:rPr sz="2400" dirty="0" err="1">
+                <a:latin typeface="Courier"/>
+              </a:rPr>
+              <a:t>pophu_withincounty</a:t>
+            </a:r>
+            <a:r>
+              <a:rPr sz="2400" dirty="0">
+                <a:latin typeface="Courier"/>
+              </a:rPr>
+              <a:t>[</a:t>
+            </a:r>
+            <a:r>
+              <a:rPr sz="2400" dirty="0">
                 <a:solidFill>
                   <a:srgbClr val="4070A0"/>
                 </a:solidFill>
@@ -5217,7 +5689,7 @@
               <a:t>"POP10"</a:t>
             </a:r>
             <a:r>
-              <a:rPr>
+              <a:rPr sz="2400" dirty="0">
                 <a:latin typeface="Courier"/>
               </a:rPr>
               <a:t>])</a:t>
@@ -5225,9 +5697,261 @@
           </a:p>
         </p:txBody>
       </p:sp>
+    </p:spTree>
+  </p:cSld>
+  <p:clrMapOvr>
+    <a:masterClrMapping/>
+  </p:clrMapOvr>
+</p:sld>
+</file>
+
+<file path=ppt/slides/slide25.xml><?xml version="1.0" encoding="utf-8"?>
+<p:sld xmlns:a="http://schemas.openxmlformats.org/drawingml/2006/main" xmlns:r="http://schemas.openxmlformats.org/officeDocument/2006/relationships" xmlns:p="http://schemas.openxmlformats.org/presentationml/2006/main">
+  <p:cSld>
+    <p:spTree>
+      <p:nvGrpSpPr>
+        <p:cNvPr id="1" name=""/>
+        <p:cNvGrpSpPr/>
+        <p:nvPr/>
+      </p:nvGrpSpPr>
+      <p:grpSpPr>
+        <a:xfrm>
+          <a:off x="0" y="0"/>
+          <a:ext cx="0" cy="0"/>
+          <a:chOff x="0" y="0"/>
+          <a:chExt cx="0" cy="0"/>
+        </a:xfrm>
+      </p:grpSpPr>
       <p:pic>
         <p:nvPicPr>
-          <p:cNvPr descr="week2_files/figure-pptx/unnamed-chunk-11-1.png" id="0" name="Picture 1"/>
+          <p:cNvPr id="5" name="Picture 4" descr="week2_files/figure-pptx/unnamed-chunk-11-1.png">
+            <a:extLst>
+              <a:ext uri="{FF2B5EF4-FFF2-40B4-BE49-F238E27FC236}">
+                <a16:creationId xmlns:a16="http://schemas.microsoft.com/office/drawing/2014/main" id="{9B7CC539-D104-AAA8-F53C-0A4F536F8695}"/>
+              </a:ext>
+            </a:extLst>
+          </p:cNvPr>
+          <p:cNvPicPr>
+            <a:picLocks noGrp="1" noChangeAspect="1"/>
+          </p:cNvPicPr>
+          <p:nvPr/>
+        </p:nvPicPr>
+        <p:blipFill>
+          <a:blip r:embed="rId2"/>
+          <a:stretch>
+            <a:fillRect/>
+          </a:stretch>
+        </p:blipFill>
+        <p:spPr bwMode="auto">
+          <a:xfrm>
+            <a:off x="1580872" y="503196"/>
+            <a:ext cx="5440129" cy="4357516"/>
+          </a:xfrm>
+          <a:prstGeom prst="rect">
+            <a:avLst/>
+          </a:prstGeom>
+          <a:noFill/>
+          <a:ln w="9525">
+            <a:noFill/>
+            <a:headEnd/>
+            <a:tailEnd/>
+          </a:ln>
+        </p:spPr>
+      </p:pic>
+    </p:spTree>
+    <p:extLst>
+      <p:ext uri="{BB962C8B-B14F-4D97-AF65-F5344CB8AC3E}">
+        <p14:creationId xmlns:p14="http://schemas.microsoft.com/office/powerpoint/2010/main" val="3999303714"/>
+      </p:ext>
+    </p:extLst>
+  </p:cSld>
+  <p:clrMapOvr>
+    <a:masterClrMapping/>
+  </p:clrMapOvr>
+</p:sld>
+</file>
+
+<file path=ppt/slides/slide26.xml><?xml version="1.0" encoding="utf-8"?>
+<p:sld xmlns:a="http://schemas.openxmlformats.org/drawingml/2006/main" xmlns:r="http://schemas.openxmlformats.org/officeDocument/2006/relationships" xmlns:p="http://schemas.openxmlformats.org/presentationml/2006/main">
+  <p:cSld>
+    <p:spTree>
+      <p:nvGrpSpPr>
+        <p:cNvPr id="1" name=""/>
+        <p:cNvGrpSpPr/>
+        <p:nvPr/>
+      </p:nvGrpSpPr>
+      <p:grpSpPr>
+        <a:xfrm>
+          <a:off x="0" y="0"/>
+          <a:ext cx="0" cy="0"/>
+          <a:chOff x="0" y="0"/>
+          <a:chExt cx="0" cy="0"/>
+        </a:xfrm>
+      </p:grpSpPr>
+      <p:sp>
+        <p:nvSpPr>
+          <p:cNvPr id="2" name="Title 1"/>
+          <p:cNvSpPr>
+            <a:spLocks noGrp="1"/>
+          </p:cNvSpPr>
+          <p:nvPr>
+            <p:ph type="title"/>
+          </p:nvPr>
+        </p:nvSpPr>
+        <p:spPr>
+          <a:xfrm>
+            <a:off x="457201" y="204787"/>
+            <a:ext cx="3008313" cy="871538"/>
+          </a:xfrm>
+        </p:spPr>
+        <p:txBody>
+          <a:bodyPr/>
+          <a:lstStyle/>
+          <a:p>
+            <a:pPr marL="0" lvl="0" indent="0">
+              <a:buNone/>
+            </a:pPr>
+            <a:r>
+              <a:t>summary statistics</a:t>
+            </a:r>
+          </a:p>
+        </p:txBody>
+      </p:sp>
+      <p:sp>
+        <p:nvSpPr>
+          <p:cNvPr id="4" name="Text Placeholder 3"/>
+          <p:cNvSpPr>
+            <a:spLocks noGrp="1"/>
+          </p:cNvSpPr>
+          <p:nvPr>
+            <p:ph type="body" sz="half" idx="2"/>
+          </p:nvPr>
+        </p:nvSpPr>
+        <p:spPr/>
+        <p:txBody>
+          <a:bodyPr/>
+          <a:lstStyle/>
+          <a:p>
+            <a:pPr lvl="0" indent="0">
+              <a:buNone/>
+            </a:pPr>
+            <a:r>
+              <a:rPr i="1">
+                <a:solidFill>
+                  <a:srgbClr val="60A0B0"/>
+                </a:solidFill>
+                <a:latin typeface="Courier"/>
+              </a:rPr>
+              <a:t># Summary of a specific attribute column</a:t>
+            </a:r>
+            <a:br/>
+            <a:r>
+              <a:rPr>
+                <a:solidFill>
+                  <a:srgbClr val="06287E"/>
+                </a:solidFill>
+                <a:latin typeface="Courier"/>
+              </a:rPr>
+              <a:t>summary</a:t>
+            </a:r>
+            <a:r>
+              <a:rPr>
+                <a:latin typeface="Courier"/>
+              </a:rPr>
+              <a:t>(pophu_withincounty</a:t>
+            </a:r>
+            <a:r>
+              <a:rPr>
+                <a:solidFill>
+                  <a:srgbClr val="4070A0"/>
+                </a:solidFill>
+                <a:latin typeface="Courier"/>
+              </a:rPr>
+              <a:t>$</a:t>
+            </a:r>
+            <a:r>
+              <a:rPr>
+                <a:latin typeface="Courier"/>
+              </a:rPr>
+              <a:t>POP10)</a:t>
+            </a:r>
+          </a:p>
+          <a:p>
+            <a:pPr lvl="0" indent="0">
+              <a:buNone/>
+            </a:pPr>
+            <a:r>
+              <a:rPr>
+                <a:latin typeface="Courier"/>
+              </a:rPr>
+              <a:t>##    Min. 1st Qu.  Median    Mean 3rd Qu.    Max. 
+##    0.00    0.00    1.00   26.78   19.00 5322.00</a:t>
+            </a:r>
+          </a:p>
+          <a:p>
+            <a:pPr lvl="0" indent="0">
+              <a:buNone/>
+            </a:pPr>
+            <a:r>
+              <a:rPr>
+                <a:solidFill>
+                  <a:srgbClr val="06287E"/>
+                </a:solidFill>
+                <a:latin typeface="Courier"/>
+              </a:rPr>
+              <a:t>hist</a:t>
+            </a:r>
+            <a:r>
+              <a:rPr>
+                <a:latin typeface="Courier"/>
+              </a:rPr>
+              <a:t>(pophu_withincounty</a:t>
+            </a:r>
+            <a:r>
+              <a:rPr>
+                <a:solidFill>
+                  <a:srgbClr val="4070A0"/>
+                </a:solidFill>
+                <a:latin typeface="Courier"/>
+              </a:rPr>
+              <a:t>$</a:t>
+            </a:r>
+            <a:r>
+              <a:rPr>
+                <a:latin typeface="Courier"/>
+              </a:rPr>
+              <a:t>POP10,</a:t>
+            </a:r>
+            <a:r>
+              <a:rPr>
+                <a:solidFill>
+                  <a:srgbClr val="7D9029"/>
+                </a:solidFill>
+                <a:latin typeface="Courier"/>
+              </a:rPr>
+              <a:t>breaks=</a:t>
+            </a:r>
+            <a:r>
+              <a:rPr>
+                <a:solidFill>
+                  <a:srgbClr val="40A070"/>
+                </a:solidFill>
+                <a:latin typeface="Courier"/>
+              </a:rPr>
+              <a:t>100</a:t>
+            </a:r>
+            <a:r>
+              <a:rPr>
+                <a:latin typeface="Courier"/>
+              </a:rPr>
+              <a:t>)</a:t>
+            </a:r>
+          </a:p>
+        </p:txBody>
+      </p:sp>
+      <p:pic>
+        <p:nvPicPr>
+          <p:cNvPr id="3" name="Picture 1" descr="week2_files/figure-pptx/unnamed-chunk-12-1.png"/>
           <p:cNvPicPr>
             <a:picLocks noGrp="1" noChangeAspect="1"/>
           </p:cNvPicPr>
@@ -5257,10 +5981,13 @@
       </p:pic>
     </p:spTree>
   </p:cSld>
+  <p:clrMapOvr>
+    <a:masterClrMapping/>
+  </p:clrMapOvr>
 </p:sld>
 </file>
 
-<file path=ppt/slides/slide25.xml><?xml version="1.0" encoding="utf-8"?>
+<file path=ppt/slides/slide3.xml><?xml version="1.0" encoding="utf-8"?>
 <p:sld xmlns:a="http://schemas.openxmlformats.org/drawingml/2006/main" xmlns:r="http://schemas.openxmlformats.org/officeDocument/2006/relationships" xmlns:p="http://schemas.openxmlformats.org/presentationml/2006/main">
   <p:cSld>
     <p:spTree>
@@ -5287,6 +6014,248 @@
             <p:ph type="title"/>
           </p:nvPr>
         </p:nvSpPr>
+        <p:spPr/>
+        <p:txBody>
+          <a:bodyPr/>
+          <a:lstStyle/>
+          <a:p>
+            <a:pPr marL="0" lvl="0" indent="0">
+              <a:buNone/>
+            </a:pPr>
+            <a:r>
+              <a:t>R terra package</a:t>
+            </a:r>
+          </a:p>
+        </p:txBody>
+      </p:sp>
+      <p:sp>
+        <p:nvSpPr>
+          <p:cNvPr id="3" name="Content Placeholder 2"/>
+          <p:cNvSpPr>
+            <a:spLocks noGrp="1"/>
+          </p:cNvSpPr>
+          <p:nvPr>
+            <p:ph idx="1"/>
+          </p:nvPr>
+        </p:nvSpPr>
+        <p:spPr/>
+        <p:txBody>
+          <a:bodyPr>
+            <a:normAutofit fontScale="92500" lnSpcReduction="10000"/>
+          </a:bodyPr>
+          <a:lstStyle/>
+          <a:p>
+            <a:pPr marL="0" lvl="0" indent="0">
+              <a:buNone/>
+            </a:pPr>
+            <a:r>
+              <a:t>“Methods for spatial data analysis with vector (points, lines, polygons) and raster (grid) data. Methods for vector data include geometric operations such as intersect and buffer. Raster methods include local, focal, global, zonal and geometric operations. The predict and interpolate methods facilitate the use of regression type (interpolation, machine learning) models for spatial prediction, including with satellite remote sensing data. Processing of very large files is supported. See the manual and tutorials on </a:t>
+            </a:r>
+            <a:r>
+              <a:rPr>
+                <a:hlinkClick r:id="rId2"/>
+              </a:rPr>
+              <a:t>https://rspatial.org/</a:t>
+            </a:r>
+            <a:r>
+              <a:t> to get started. ‘terra’ replaces the ‘raster’ package (‘terra’ can do more, and it is faster and easier to use).”</a:t>
+            </a:r>
+          </a:p>
+        </p:txBody>
+      </p:sp>
+    </p:spTree>
+  </p:cSld>
+  <p:clrMapOvr>
+    <a:masterClrMapping/>
+  </p:clrMapOvr>
+</p:sld>
+</file>
+
+<file path=ppt/slides/slide4.xml><?xml version="1.0" encoding="utf-8"?>
+<p:sld xmlns:a="http://schemas.openxmlformats.org/drawingml/2006/main" xmlns:r="http://schemas.openxmlformats.org/officeDocument/2006/relationships" xmlns:p="http://schemas.openxmlformats.org/presentationml/2006/main">
+  <p:cSld>
+    <p:spTree>
+      <p:nvGrpSpPr>
+        <p:cNvPr id="1" name=""/>
+        <p:cNvGrpSpPr/>
+        <p:nvPr/>
+      </p:nvGrpSpPr>
+      <p:grpSpPr>
+        <a:xfrm>
+          <a:off x="0" y="0"/>
+          <a:ext cx="0" cy="0"/>
+          <a:chOff x="0" y="0"/>
+          <a:chExt cx="0" cy="0"/>
+        </a:xfrm>
+      </p:grpSpPr>
+      <p:sp>
+        <p:nvSpPr>
+          <p:cNvPr id="2" name="Title 1"/>
+          <p:cNvSpPr>
+            <a:spLocks noGrp="1"/>
+          </p:cNvSpPr>
+          <p:nvPr>
+            <p:ph type="title"/>
+          </p:nvPr>
+        </p:nvSpPr>
+        <p:spPr/>
+        <p:txBody>
+          <a:bodyPr/>
+          <a:lstStyle/>
+          <a:p>
+            <a:pPr marL="0" lvl="0" indent="0">
+              <a:buNone/>
+            </a:pPr>
+            <a:r>
+              <a:t>R terra package</a:t>
+            </a:r>
+          </a:p>
+        </p:txBody>
+      </p:sp>
+      <p:pic>
+        <p:nvPicPr>
+          <p:cNvPr id="3" name="Picture 1" descr="terra.png"/>
+          <p:cNvPicPr>
+            <a:picLocks noGrp="1" noChangeAspect="1"/>
+          </p:cNvPicPr>
+          <p:nvPr/>
+        </p:nvPicPr>
+        <p:blipFill>
+          <a:blip r:embed="rId2"/>
+          <a:stretch>
+            <a:fillRect/>
+          </a:stretch>
+        </p:blipFill>
+        <p:spPr bwMode="auto">
+          <a:xfrm>
+            <a:off x="1943100" y="1193800"/>
+            <a:ext cx="5245100" cy="3390900"/>
+          </a:xfrm>
+          <a:prstGeom prst="rect">
+            <a:avLst/>
+          </a:prstGeom>
+          <a:noFill/>
+          <a:ln w="9525">
+            <a:noFill/>
+            <a:headEnd/>
+            <a:tailEnd/>
+          </a:ln>
+        </p:spPr>
+      </p:pic>
+    </p:spTree>
+  </p:cSld>
+  <p:clrMapOvr>
+    <a:masterClrMapping/>
+  </p:clrMapOvr>
+</p:sld>
+</file>
+
+<file path=ppt/slides/slide5.xml><?xml version="1.0" encoding="utf-8"?>
+<p:sld xmlns:a="http://schemas.openxmlformats.org/drawingml/2006/main" xmlns:r="http://schemas.openxmlformats.org/officeDocument/2006/relationships" xmlns:p="http://schemas.openxmlformats.org/presentationml/2006/main">
+  <p:cSld>
+    <p:spTree>
+      <p:nvGrpSpPr>
+        <p:cNvPr id="1" name=""/>
+        <p:cNvGrpSpPr/>
+        <p:nvPr/>
+      </p:nvGrpSpPr>
+      <p:grpSpPr>
+        <a:xfrm>
+          <a:off x="0" y="0"/>
+          <a:ext cx="0" cy="0"/>
+          <a:chOff x="0" y="0"/>
+          <a:chExt cx="0" cy="0"/>
+        </a:xfrm>
+      </p:grpSpPr>
+      <p:sp>
+        <p:nvSpPr>
+          <p:cNvPr id="2" name="Title 1"/>
+          <p:cNvSpPr>
+            <a:spLocks noGrp="1"/>
+          </p:cNvSpPr>
+          <p:nvPr>
+            <p:ph type="title"/>
+          </p:nvPr>
+        </p:nvSpPr>
+        <p:spPr/>
+        <p:txBody>
+          <a:bodyPr/>
+          <a:lstStyle/>
+          <a:p>
+            <a:pPr marL="0" lvl="0" indent="0">
+              <a:buNone/>
+            </a:pPr>
+            <a:r>
+              <a:t>Examples of raster data</a:t>
+            </a:r>
+          </a:p>
+        </p:txBody>
+      </p:sp>
+      <p:pic>
+        <p:nvPicPr>
+          <p:cNvPr id="3" name="Picture 1" descr="landcover.png"/>
+          <p:cNvPicPr>
+            <a:picLocks noGrp="1" noChangeAspect="1"/>
+          </p:cNvPicPr>
+          <p:nvPr/>
+        </p:nvPicPr>
+        <p:blipFill>
+          <a:blip r:embed="rId2"/>
+          <a:stretch>
+            <a:fillRect/>
+          </a:stretch>
+        </p:blipFill>
+        <p:spPr bwMode="auto">
+          <a:xfrm>
+            <a:off x="2806700" y="1193800"/>
+            <a:ext cx="3530600" cy="3390900"/>
+          </a:xfrm>
+          <a:prstGeom prst="rect">
+            <a:avLst/>
+          </a:prstGeom>
+          <a:noFill/>
+          <a:ln w="9525">
+            <a:noFill/>
+            <a:headEnd/>
+            <a:tailEnd/>
+          </a:ln>
+        </p:spPr>
+      </p:pic>
+    </p:spTree>
+  </p:cSld>
+  <p:clrMapOvr>
+    <a:masterClrMapping/>
+  </p:clrMapOvr>
+</p:sld>
+</file>
+
+<file path=ppt/slides/slide6.xml><?xml version="1.0" encoding="utf-8"?>
+<p:sld xmlns:a="http://schemas.openxmlformats.org/drawingml/2006/main" xmlns:r="http://schemas.openxmlformats.org/officeDocument/2006/relationships" xmlns:p="http://schemas.openxmlformats.org/presentationml/2006/main">
+  <p:cSld>
+    <p:spTree>
+      <p:nvGrpSpPr>
+        <p:cNvPr id="1" name=""/>
+        <p:cNvGrpSpPr/>
+        <p:nvPr/>
+      </p:nvGrpSpPr>
+      <p:grpSpPr>
+        <a:xfrm>
+          <a:off x="0" y="0"/>
+          <a:ext cx="0" cy="0"/>
+          <a:chOff x="0" y="0"/>
+          <a:chExt cx="0" cy="0"/>
+        </a:xfrm>
+      </p:grpSpPr>
+      <p:sp>
+        <p:nvSpPr>
+          <p:cNvPr id="2" name="Title 1"/>
+          <p:cNvSpPr>
+            <a:spLocks noGrp="1"/>
+          </p:cNvSpPr>
+          <p:nvPr>
+            <p:ph type="title"/>
+          </p:nvPr>
+        </p:nvSpPr>
         <p:spPr>
           <a:xfrm>
             <a:off x="457201" y="204787"/>
@@ -5297,12 +6266,11 @@
           <a:bodyPr/>
           <a:lstStyle/>
           <a:p>
-            <a:pPr lvl="0" indent="0" marL="0">
+            <a:pPr marL="0" lvl="0" indent="0">
               <a:buNone/>
             </a:pPr>
             <a:r>
-              <a:rPr/>
-              <a:t>summary statistics</a:t>
+              <a:t>Example of raster data (DEM)</a:t>
             </a:r>
           </a:p>
         </p:txBody>
@@ -5314,7 +6282,7 @@
             <a:spLocks noGrp="1"/>
           </p:cNvSpPr>
           <p:nvPr>
-            <p:ph idx="2" sz="half" type="body"/>
+            <p:ph type="body" sz="half" idx="2"/>
           </p:nvPr>
         </p:nvSpPr>
         <p:spPr/>
@@ -5326,29 +6294,50 @@
               <a:buNone/>
             </a:pPr>
             <a:r>
-              <a:rPr i="1">
-                <a:solidFill>
-                  <a:srgbClr val="60A0B0"/>
-                </a:solidFill>
-                <a:latin typeface="Courier"/>
-              </a:rPr>
-              <a:t># Summary of a specific attribute column</a:t>
+              <a:rPr>
+                <a:solidFill>
+                  <a:srgbClr val="06287E"/>
+                </a:solidFill>
+                <a:latin typeface="Courier"/>
+              </a:rPr>
+              <a:t>library</a:t>
+            </a:r>
+            <a:r>
+              <a:rPr>
+                <a:latin typeface="Courier"/>
+              </a:rPr>
+              <a:t>(terra)</a:t>
             </a:r>
             <a:br/>
             <a:r>
               <a:rPr>
+                <a:latin typeface="Courier"/>
+              </a:rPr>
+              <a:t>dem</a:t>
+            </a:r>
+            <a:r>
+              <a:rPr>
+                <a:solidFill>
+                  <a:srgbClr val="007020"/>
+                </a:solidFill>
+                <a:latin typeface="Courier"/>
+              </a:rPr>
+              <a:t>&lt;-</a:t>
+            </a:r>
+            <a:r>
+              <a:rPr>
                 <a:solidFill>
                   <a:srgbClr val="06287E"/>
                 </a:solidFill>
                 <a:latin typeface="Courier"/>
               </a:rPr>
-              <a:t>summary</a:t>
+              <a:t>rast</a:t>
             </a:r>
             <a:r>
               <a:rPr>
                 <a:latin typeface="Courier"/>
               </a:rPr>
-              <a:t>(pophu_withincounty</a:t>
+              <a:t>(</a:t>
             </a:r>
             <a:r>
               <a:rPr>
@@ -5357,13 +6346,20 @@
                 </a:solidFill>
                 <a:latin typeface="Courier"/>
               </a:rPr>
-              <a:t>$</a:t>
+              <a:t>'elev.tif'</a:t>
             </a:r>
             <a:r>
               <a:rPr>
                 <a:latin typeface="Courier"/>
               </a:rPr>
-              <a:t>POP10)</a:t>
+              <a:t>)</a:t>
+            </a:r>
+            <a:br/>
+            <a:r>
+              <a:rPr>
+                <a:latin typeface="Courier"/>
+              </a:rPr>
+              <a:t>dem</a:t>
             </a:r>
           </a:p>
           <a:p>
@@ -5374,8 +6370,13 @@
               <a:rPr>
                 <a:latin typeface="Courier"/>
               </a:rPr>
-              <a:t>##    Min. 1st Qu.  Median    Mean 3rd Qu.    Max. 
-##    0.00    0.00    1.00   26.78   19.00 5322.00</a:t>
+              <a:t>## class       : SpatRaster 
+## dimensions  : 485, 630, 1  (nrow, ncol, nlyr)
+## resolution  : 30, 30  (x, y)
+## extent      : 297362.1, 316262.1, 5388787, 5403337  (xmin, xmax, ymin, ymax)
+## coord. ref. : WGS 84 / UTM zone 12N (EPSG:32612) 
+## source      : elev.tif 
+## name        : elev</a:t>
             </a:r>
           </a:p>
           <a:p>
@@ -5389,59 +6390,20 @@
                 </a:solidFill>
                 <a:latin typeface="Courier"/>
               </a:rPr>
-              <a:t>hist</a:t>
+              <a:t>plot</a:t>
             </a:r>
             <a:r>
               <a:rPr>
                 <a:latin typeface="Courier"/>
               </a:rPr>
-              <a:t>(pophu_withincounty</a:t>
-            </a:r>
-            <a:r>
-              <a:rPr>
-                <a:solidFill>
-                  <a:srgbClr val="4070A0"/>
-                </a:solidFill>
-                <a:latin typeface="Courier"/>
-              </a:rPr>
-              <a:t>$</a:t>
-            </a:r>
-            <a:r>
-              <a:rPr>
-                <a:latin typeface="Courier"/>
-              </a:rPr>
-              <a:t>POP10,</a:t>
-            </a:r>
-            <a:r>
-              <a:rPr>
-                <a:solidFill>
-                  <a:srgbClr val="7D9029"/>
-                </a:solidFill>
-                <a:latin typeface="Courier"/>
-              </a:rPr>
-              <a:t>breaks=</a:t>
-            </a:r>
-            <a:r>
-              <a:rPr>
-                <a:solidFill>
-                  <a:srgbClr val="40A070"/>
-                </a:solidFill>
-                <a:latin typeface="Courier"/>
-              </a:rPr>
-              <a:t>100</a:t>
-            </a:r>
-            <a:r>
-              <a:rPr>
-                <a:latin typeface="Courier"/>
-              </a:rPr>
-              <a:t>)</a:t>
+              <a:t>(dem)</a:t>
             </a:r>
           </a:p>
         </p:txBody>
       </p:sp>
       <p:pic>
         <p:nvPicPr>
-          <p:cNvPr descr="week2_files/figure-pptx/unnamed-chunk-12-1.png" id="0" name="Picture 1"/>
+          <p:cNvPr id="3" name="Picture 1" descr="week2_files/figure-pptx/unnamed-chunk-1-1.png"/>
           <p:cNvPicPr>
             <a:picLocks noGrp="1" noChangeAspect="1"/>
           </p:cNvPicPr>
@@ -5471,10 +6433,13 @@
       </p:pic>
     </p:spTree>
   </p:cSld>
+  <p:clrMapOvr>
+    <a:masterClrMapping/>
+  </p:clrMapOvr>
 </p:sld>
 </file>
 
-<file path=ppt/slides/slide3.xml><?xml version="1.0" encoding="utf-8"?>
+<file path=ppt/slides/slide7.xml><?xml version="1.0" encoding="utf-8"?>
 <p:sld xmlns:a="http://schemas.openxmlformats.org/drawingml/2006/main" xmlns:r="http://schemas.openxmlformats.org/officeDocument/2006/relationships" xmlns:p="http://schemas.openxmlformats.org/presentationml/2006/main">
   <p:cSld>
     <p:spTree>
@@ -5501,242 +6466,6 @@
             <p:ph type="title"/>
           </p:nvPr>
         </p:nvSpPr>
-        <p:spPr/>
-        <p:txBody>
-          <a:bodyPr/>
-          <a:lstStyle/>
-          <a:p>
-            <a:pPr lvl="0" indent="0" marL="0">
-              <a:buNone/>
-            </a:pPr>
-            <a:r>
-              <a:rPr/>
-              <a:t>R terra package</a:t>
-            </a:r>
-          </a:p>
-        </p:txBody>
-      </p:sp>
-      <p:sp>
-        <p:nvSpPr>
-          <p:cNvPr id="3" name="Content Placeholder 2"/>
-          <p:cNvSpPr>
-            <a:spLocks noGrp="1"/>
-          </p:cNvSpPr>
-          <p:nvPr>
-            <p:ph idx="1"/>
-          </p:nvPr>
-        </p:nvSpPr>
-        <p:spPr/>
-        <p:txBody>
-          <a:bodyPr/>
-          <a:lstStyle/>
-          <a:p>
-            <a:pPr lvl="0" indent="0" marL="0">
-              <a:buNone/>
-            </a:pPr>
-            <a:r>
-              <a:rPr/>
-              <a:t>“Methods for spatial data analysis with vector (points, lines, polygons) and raster (grid) data. Methods for vector data include geometric operations such as intersect and buffer. Raster methods include local, focal, global, zonal and geometric operations. The predict and interpolate methods facilitate the use of regression type (interpolation, machine learning) models for spatial prediction, including with satellite remote sensing data. Processing of very large files is supported. See the manual and tutorials on </a:t>
-            </a:r>
-            <a:r>
-              <a:rPr>
-                <a:hlinkClick r:id="rId2"/>
-              </a:rPr>
-              <a:t>https://rspatial.org/</a:t>
-            </a:r>
-            <a:r>
-              <a:rPr/>
-              <a:t> to get started. ‘terra’ replaces the ‘raster’ package (‘terra’ can do more, and it is faster and easier to use).”</a:t>
-            </a:r>
-          </a:p>
-        </p:txBody>
-      </p:sp>
-    </p:spTree>
-  </p:cSld>
-</p:sld>
-</file>
-
-<file path=ppt/slides/slide4.xml><?xml version="1.0" encoding="utf-8"?>
-<p:sld xmlns:a="http://schemas.openxmlformats.org/drawingml/2006/main" xmlns:r="http://schemas.openxmlformats.org/officeDocument/2006/relationships" xmlns:p="http://schemas.openxmlformats.org/presentationml/2006/main">
-  <p:cSld>
-    <p:spTree>
-      <p:nvGrpSpPr>
-        <p:cNvPr id="1" name=""/>
-        <p:cNvGrpSpPr/>
-        <p:nvPr/>
-      </p:nvGrpSpPr>
-      <p:grpSpPr>
-        <a:xfrm>
-          <a:off x="0" y="0"/>
-          <a:ext cx="0" cy="0"/>
-          <a:chOff x="0" y="0"/>
-          <a:chExt cx="0" cy="0"/>
-        </a:xfrm>
-      </p:grpSpPr>
-      <p:sp>
-        <p:nvSpPr>
-          <p:cNvPr id="2" name="Title 1"/>
-          <p:cNvSpPr>
-            <a:spLocks noGrp="1"/>
-          </p:cNvSpPr>
-          <p:nvPr>
-            <p:ph type="title"/>
-          </p:nvPr>
-        </p:nvSpPr>
-        <p:spPr/>
-        <p:txBody>
-          <a:bodyPr/>
-          <a:lstStyle/>
-          <a:p>
-            <a:pPr lvl="0" indent="0" marL="0">
-              <a:buNone/>
-            </a:pPr>
-            <a:r>
-              <a:rPr/>
-              <a:t>R terra package</a:t>
-            </a:r>
-          </a:p>
-        </p:txBody>
-      </p:sp>
-      <p:pic>
-        <p:nvPicPr>
-          <p:cNvPr descr="terra.png" id="0" name="Picture 1"/>
-          <p:cNvPicPr>
-            <a:picLocks noGrp="1" noChangeAspect="1"/>
-          </p:cNvPicPr>
-          <p:nvPr/>
-        </p:nvPicPr>
-        <p:blipFill>
-          <a:blip r:embed="rId2"/>
-          <a:stretch>
-            <a:fillRect/>
-          </a:stretch>
-        </p:blipFill>
-        <p:spPr bwMode="auto">
-          <a:xfrm>
-            <a:off x="1943100" y="1193800"/>
-            <a:ext cx="5245100" cy="3390900"/>
-          </a:xfrm>
-          <a:prstGeom prst="rect">
-            <a:avLst/>
-          </a:prstGeom>
-          <a:noFill/>
-          <a:ln w="9525">
-            <a:noFill/>
-            <a:headEnd/>
-            <a:tailEnd/>
-          </a:ln>
-        </p:spPr>
-      </p:pic>
-    </p:spTree>
-  </p:cSld>
-</p:sld>
-</file>
-
-<file path=ppt/slides/slide5.xml><?xml version="1.0" encoding="utf-8"?>
-<p:sld xmlns:a="http://schemas.openxmlformats.org/drawingml/2006/main" xmlns:r="http://schemas.openxmlformats.org/officeDocument/2006/relationships" xmlns:p="http://schemas.openxmlformats.org/presentationml/2006/main">
-  <p:cSld>
-    <p:spTree>
-      <p:nvGrpSpPr>
-        <p:cNvPr id="1" name=""/>
-        <p:cNvGrpSpPr/>
-        <p:nvPr/>
-      </p:nvGrpSpPr>
-      <p:grpSpPr>
-        <a:xfrm>
-          <a:off x="0" y="0"/>
-          <a:ext cx="0" cy="0"/>
-          <a:chOff x="0" y="0"/>
-          <a:chExt cx="0" cy="0"/>
-        </a:xfrm>
-      </p:grpSpPr>
-      <p:sp>
-        <p:nvSpPr>
-          <p:cNvPr id="2" name="Title 1"/>
-          <p:cNvSpPr>
-            <a:spLocks noGrp="1"/>
-          </p:cNvSpPr>
-          <p:nvPr>
-            <p:ph type="title"/>
-          </p:nvPr>
-        </p:nvSpPr>
-        <p:spPr/>
-        <p:txBody>
-          <a:bodyPr/>
-          <a:lstStyle/>
-          <a:p>
-            <a:pPr lvl="0" indent="0" marL="0">
-              <a:buNone/>
-            </a:pPr>
-            <a:r>
-              <a:rPr/>
-              <a:t>Examples of raster data</a:t>
-            </a:r>
-          </a:p>
-        </p:txBody>
-      </p:sp>
-      <p:pic>
-        <p:nvPicPr>
-          <p:cNvPr descr="landcover.png" id="0" name="Picture 1"/>
-          <p:cNvPicPr>
-            <a:picLocks noGrp="1" noChangeAspect="1"/>
-          </p:cNvPicPr>
-          <p:nvPr/>
-        </p:nvPicPr>
-        <p:blipFill>
-          <a:blip r:embed="rId2"/>
-          <a:stretch>
-            <a:fillRect/>
-          </a:stretch>
-        </p:blipFill>
-        <p:spPr bwMode="auto">
-          <a:xfrm>
-            <a:off x="2806700" y="1193800"/>
-            <a:ext cx="3530600" cy="3390900"/>
-          </a:xfrm>
-          <a:prstGeom prst="rect">
-            <a:avLst/>
-          </a:prstGeom>
-          <a:noFill/>
-          <a:ln w="9525">
-            <a:noFill/>
-            <a:headEnd/>
-            <a:tailEnd/>
-          </a:ln>
-        </p:spPr>
-      </p:pic>
-    </p:spTree>
-  </p:cSld>
-</p:sld>
-</file>
-
-<file path=ppt/slides/slide6.xml><?xml version="1.0" encoding="utf-8"?>
-<p:sld xmlns:a="http://schemas.openxmlformats.org/drawingml/2006/main" xmlns:r="http://schemas.openxmlformats.org/officeDocument/2006/relationships" xmlns:p="http://schemas.openxmlformats.org/presentationml/2006/main">
-  <p:cSld>
-    <p:spTree>
-      <p:nvGrpSpPr>
-        <p:cNvPr id="1" name=""/>
-        <p:cNvGrpSpPr/>
-        <p:nvPr/>
-      </p:nvGrpSpPr>
-      <p:grpSpPr>
-        <a:xfrm>
-          <a:off x="0" y="0"/>
-          <a:ext cx="0" cy="0"/>
-          <a:chOff x="0" y="0"/>
-          <a:chExt cx="0" cy="0"/>
-        </a:xfrm>
-      </p:grpSpPr>
-      <p:sp>
-        <p:nvSpPr>
-          <p:cNvPr id="2" name="Title 1"/>
-          <p:cNvSpPr>
-            <a:spLocks noGrp="1"/>
-          </p:cNvSpPr>
-          <p:nvPr>
-            <p:ph type="title"/>
-          </p:nvPr>
-        </p:nvSpPr>
         <p:spPr>
           <a:xfrm>
             <a:off x="457201" y="204787"/>
@@ -5747,12 +6476,11 @@
           <a:bodyPr/>
           <a:lstStyle/>
           <a:p>
-            <a:pPr lvl="0" indent="0" marL="0">
+            <a:pPr marL="0" lvl="0" indent="0">
               <a:buNone/>
             </a:pPr>
             <a:r>
-              <a:rPr/>
-              <a:t>Example of raster data (DEM)</a:t>
+              <a:t>pcp data</a:t>
             </a:r>
           </a:p>
         </p:txBody>
@@ -5764,7 +6492,7 @@
             <a:spLocks noGrp="1"/>
           </p:cNvSpPr>
           <p:nvPr>
-            <p:ph idx="2" sz="half" type="body"/>
+            <p:ph type="body" sz="half" idx="2"/>
           </p:nvPr>
         </p:nvSpPr>
         <p:spPr/>
@@ -5777,115 +6505,71 @@
             </a:pPr>
             <a:r>
               <a:rPr>
+                <a:latin typeface="Courier"/>
+              </a:rPr>
+              <a:t>a</a:t>
+            </a:r>
+            <a:r>
+              <a:rPr>
+                <a:solidFill>
+                  <a:srgbClr val="007020"/>
+                </a:solidFill>
+                <a:latin typeface="Courier"/>
+              </a:rPr>
+              <a:t>&lt;-</a:t>
+            </a:r>
+            <a:r>
+              <a:rPr>
                 <a:solidFill>
                   <a:srgbClr val="06287E"/>
                 </a:solidFill>
                 <a:latin typeface="Courier"/>
               </a:rPr>
-              <a:t>library</a:t>
+              <a:t>rast</a:t>
             </a:r>
             <a:r>
               <a:rPr>
                 <a:latin typeface="Courier"/>
               </a:rPr>
-              <a:t>(terra)</a:t>
+              <a:t>(</a:t>
+            </a:r>
+            <a:r>
+              <a:rPr>
+                <a:solidFill>
+                  <a:srgbClr val="4070A0"/>
+                </a:solidFill>
+                <a:latin typeface="Courier"/>
+              </a:rPr>
+              <a:t>'PRISM_ppt_30yr_normal_4kmM2_annual_asc.asc'</a:t>
+            </a:r>
+            <a:r>
+              <a:rPr>
+                <a:latin typeface="Courier"/>
+              </a:rPr>
+              <a:t>)</a:t>
             </a:r>
             <a:br/>
             <a:r>
               <a:rPr>
-                <a:latin typeface="Courier"/>
-              </a:rPr>
-              <a:t>dem</a:t>
+                <a:solidFill>
+                  <a:srgbClr val="06287E"/>
+                </a:solidFill>
+                <a:latin typeface="Courier"/>
+              </a:rPr>
+              <a:t>plot</a:t>
             </a:r>
             <a:r>
               <a:rPr>
-                <a:solidFill>
-                  <a:srgbClr val="007020"/>
-                </a:solidFill>
-                <a:latin typeface="Courier"/>
-              </a:rPr>
-              <a:t>&lt;-</a:t>
-            </a:r>
-            <a:r>
-              <a:rPr>
-                <a:solidFill>
-                  <a:srgbClr val="06287E"/>
-                </a:solidFill>
-                <a:latin typeface="Courier"/>
-              </a:rPr>
-              <a:t>rast</a:t>
-            </a:r>
-            <a:r>
-              <a:rPr>
-                <a:latin typeface="Courier"/>
-              </a:rPr>
-              <a:t>(</a:t>
-            </a:r>
-            <a:r>
-              <a:rPr>
-                <a:solidFill>
-                  <a:srgbClr val="4070A0"/>
-                </a:solidFill>
-                <a:latin typeface="Courier"/>
-              </a:rPr>
-              <a:t>'elev.tif'</a:t>
-            </a:r>
-            <a:r>
-              <a:rPr>
-                <a:latin typeface="Courier"/>
-              </a:rPr>
-              <a:t>)</a:t>
-            </a:r>
-            <a:br/>
-            <a:r>
-              <a:rPr>
-                <a:latin typeface="Courier"/>
-              </a:rPr>
-              <a:t>dem</a:t>
-            </a:r>
-          </a:p>
-          <a:p>
-            <a:pPr lvl="0" indent="0">
-              <a:buNone/>
-            </a:pPr>
-            <a:r>
-              <a:rPr>
-                <a:latin typeface="Courier"/>
-              </a:rPr>
-              <a:t>## class       : SpatRaster 
-## dimensions  : 485, 630, 1  (nrow, ncol, nlyr)
-## resolution  : 30, 30  (x, y)
-## extent      : 297362.1, 316262.1, 5388787, 5403337  (xmin, xmax, ymin, ymax)
-## coord. ref. : WGS 84 / UTM zone 12N (EPSG:32612) 
-## source      : elev.tif 
-## name        : elev</a:t>
-            </a:r>
-          </a:p>
-          <a:p>
-            <a:pPr lvl="0" indent="0">
-              <a:buNone/>
-            </a:pPr>
-            <a:r>
-              <a:rPr>
-                <a:solidFill>
-                  <a:srgbClr val="06287E"/>
-                </a:solidFill>
-                <a:latin typeface="Courier"/>
-              </a:rPr>
-              <a:t>plot</a:t>
-            </a:r>
-            <a:r>
-              <a:rPr>
-                <a:latin typeface="Courier"/>
-              </a:rPr>
-              <a:t>(dem)</a:t>
+                <a:latin typeface="Courier"/>
+              </a:rPr>
+              <a:t>(a)</a:t>
             </a:r>
           </a:p>
         </p:txBody>
       </p:sp>
       <p:pic>
         <p:nvPicPr>
-          <p:cNvPr descr="week2_files/figure-pptx/unnamed-chunk-1-1.png" id="0" name="Picture 1"/>
+          <p:cNvPr id="3" name="Picture 1" descr="week2_files/figure-pptx/unnamed-chunk-2-1.png"/>
           <p:cNvPicPr>
             <a:picLocks noGrp="1" noChangeAspect="1"/>
           </p:cNvPicPr>
@@ -5915,170 +6599,9 @@
       </p:pic>
     </p:spTree>
   </p:cSld>
-</p:sld>
-</file>
-
-<file path=ppt/slides/slide7.xml><?xml version="1.0" encoding="utf-8"?>
-<p:sld xmlns:a="http://schemas.openxmlformats.org/drawingml/2006/main" xmlns:r="http://schemas.openxmlformats.org/officeDocument/2006/relationships" xmlns:p="http://schemas.openxmlformats.org/presentationml/2006/main">
-  <p:cSld>
-    <p:spTree>
-      <p:nvGrpSpPr>
-        <p:cNvPr id="1" name=""/>
-        <p:cNvGrpSpPr/>
-        <p:nvPr/>
-      </p:nvGrpSpPr>
-      <p:grpSpPr>
-        <a:xfrm>
-          <a:off x="0" y="0"/>
-          <a:ext cx="0" cy="0"/>
-          <a:chOff x="0" y="0"/>
-          <a:chExt cx="0" cy="0"/>
-        </a:xfrm>
-      </p:grpSpPr>
-      <p:sp>
-        <p:nvSpPr>
-          <p:cNvPr id="2" name="Title 1"/>
-          <p:cNvSpPr>
-            <a:spLocks noGrp="1"/>
-          </p:cNvSpPr>
-          <p:nvPr>
-            <p:ph type="title"/>
-          </p:nvPr>
-        </p:nvSpPr>
-        <p:spPr>
-          <a:xfrm>
-            <a:off x="457201" y="204787"/>
-            <a:ext cx="3008313" cy="871538"/>
-          </a:xfrm>
-        </p:spPr>
-        <p:txBody>
-          <a:bodyPr/>
-          <a:lstStyle/>
-          <a:p>
-            <a:pPr lvl="0" indent="0" marL="0">
-              <a:buNone/>
-            </a:pPr>
-            <a:r>
-              <a:rPr/>
-              <a:t>pcp data</a:t>
-            </a:r>
-          </a:p>
-        </p:txBody>
-      </p:sp>
-      <p:sp>
-        <p:nvSpPr>
-          <p:cNvPr id="4" name="Text Placeholder 3"/>
-          <p:cNvSpPr>
-            <a:spLocks noGrp="1"/>
-          </p:cNvSpPr>
-          <p:nvPr>
-            <p:ph idx="2" sz="half" type="body"/>
-          </p:nvPr>
-        </p:nvSpPr>
-        <p:spPr/>
-        <p:txBody>
-          <a:bodyPr/>
-          <a:lstStyle/>
-          <a:p>
-            <a:pPr lvl="0" indent="0">
-              <a:buNone/>
-            </a:pPr>
-            <a:r>
-              <a:rPr>
-                <a:latin typeface="Courier"/>
-              </a:rPr>
-              <a:t>a</a:t>
-            </a:r>
-            <a:r>
-              <a:rPr>
-                <a:solidFill>
-                  <a:srgbClr val="007020"/>
-                </a:solidFill>
-                <a:latin typeface="Courier"/>
-              </a:rPr>
-              <a:t>&lt;-</a:t>
-            </a:r>
-            <a:r>
-              <a:rPr>
-                <a:solidFill>
-                  <a:srgbClr val="06287E"/>
-                </a:solidFill>
-                <a:latin typeface="Courier"/>
-              </a:rPr>
-              <a:t>rast</a:t>
-            </a:r>
-            <a:r>
-              <a:rPr>
-                <a:latin typeface="Courier"/>
-              </a:rPr>
-              <a:t>(</a:t>
-            </a:r>
-            <a:r>
-              <a:rPr>
-                <a:solidFill>
-                  <a:srgbClr val="4070A0"/>
-                </a:solidFill>
-                <a:latin typeface="Courier"/>
-              </a:rPr>
-              <a:t>'PRISM_ppt_30yr_normal_4kmM2_annual_asc.asc'</a:t>
-            </a:r>
-            <a:r>
-              <a:rPr>
-                <a:latin typeface="Courier"/>
-              </a:rPr>
-              <a:t>)</a:t>
-            </a:r>
-            <a:br/>
-            <a:r>
-              <a:rPr>
-                <a:solidFill>
-                  <a:srgbClr val="06287E"/>
-                </a:solidFill>
-                <a:latin typeface="Courier"/>
-              </a:rPr>
-              <a:t>plot</a:t>
-            </a:r>
-            <a:r>
-              <a:rPr>
-                <a:latin typeface="Courier"/>
-              </a:rPr>
-              <a:t>(a)</a:t>
-            </a:r>
-          </a:p>
-        </p:txBody>
-      </p:sp>
-      <p:pic>
-        <p:nvPicPr>
-          <p:cNvPr descr="week2_files/figure-pptx/unnamed-chunk-2-1.png" id="0" name="Picture 1"/>
-          <p:cNvPicPr>
-            <a:picLocks noGrp="1" noChangeAspect="1"/>
-          </p:cNvPicPr>
-          <p:nvPr/>
-        </p:nvPicPr>
-        <p:blipFill>
-          <a:blip r:embed="rId2"/>
-          <a:stretch>
-            <a:fillRect/>
-          </a:stretch>
-        </p:blipFill>
-        <p:spPr bwMode="auto">
-          <a:xfrm>
-            <a:off x="3568700" y="355600"/>
-            <a:ext cx="5105400" cy="4089400"/>
-          </a:xfrm>
-          <a:prstGeom prst="rect">
-            <a:avLst/>
-          </a:prstGeom>
-          <a:noFill/>
-          <a:ln w="9525">
-            <a:noFill/>
-            <a:headEnd/>
-            <a:tailEnd/>
-          </a:ln>
-        </p:spPr>
-      </p:pic>
-    </p:spTree>
-  </p:cSld>
+  <p:clrMapOvr>
+    <a:masterClrMapping/>
+  </p:clrMapOvr>
 </p:sld>
 </file>
 
@@ -6114,11 +6637,10 @@
           <a:bodyPr/>
           <a:lstStyle/>
           <a:p>
-            <a:pPr lvl="0" indent="0" marL="0">
+            <a:pPr marL="0" lvl="0" indent="0">
               <a:buNone/>
             </a:pPr>
             <a:r>
-              <a:rPr/>
               <a:t>Example of vector data</a:t>
             </a:r>
           </a:p>
@@ -6126,7 +6648,7 @@
       </p:sp>
       <p:pic>
         <p:nvPicPr>
-          <p:cNvPr descr="point.png" id="0" name="Picture 1"/>
+          <p:cNvPr id="3" name="Picture 1" descr="point.png"/>
           <p:cNvPicPr>
             <a:picLocks noGrp="1" noChangeAspect="1"/>
           </p:cNvPicPr>
@@ -6156,6 +6678,9 @@
       </p:pic>
     </p:spTree>
   </p:cSld>
+  <p:clrMapOvr>
+    <a:masterClrMapping/>
+  </p:clrMapOvr>
 </p:sld>
 </file>
 
@@ -6191,11 +6716,10 @@
           <a:bodyPr/>
           <a:lstStyle/>
           <a:p>
-            <a:pPr lvl="0" indent="0" marL="0">
+            <a:pPr marL="0" lvl="0" indent="0">
               <a:buNone/>
             </a:pPr>
             <a:r>
-              <a:rPr/>
               <a:t>Example of vector data</a:t>
             </a:r>
           </a:p>
@@ -6203,7 +6727,7 @@
       </p:sp>
       <p:pic>
         <p:nvPicPr>
-          <p:cNvPr descr="poly.png" id="0" name="Picture 1"/>
+          <p:cNvPr id="3" name="Picture 1" descr="poly.png"/>
           <p:cNvPicPr>
             <a:picLocks noGrp="1" noChangeAspect="1"/>
           </p:cNvPicPr>
@@ -6233,6 +6757,9 @@
       </p:pic>
     </p:spTree>
   </p:cSld>
+  <p:clrMapOvr>
+    <a:masterClrMapping/>
+  </p:clrMapOvr>
 </p:sld>
 </file>
 
@@ -6554,265 +7081,4 @@
   </a:objectDefaults>
   <a:extraClrSchemeLst/>
 </a:theme>
-</file>
-
-<file path=ppt/theme/theme2.xml><?xml version="1.0" encoding="utf-8"?>
-<a:theme xmlns:a="http://schemas.openxmlformats.org/drawingml/2006/main" name="Office Theme">
-  <a:themeElements>
-    <a:clrScheme name="Office">
-      <a:dk1>
-        <a:sysClr val="windowText" lastClr="000000"/>
-      </a:dk1>
-      <a:lt1>
-        <a:sysClr val="window" lastClr="FFFFFF"/>
-      </a:lt1>
-      <a:dk2>
-        <a:srgbClr val="44546A"/>
-      </a:dk2>
-      <a:lt2>
-        <a:srgbClr val="E7E6E6"/>
-      </a:lt2>
-      <a:accent1>
-        <a:srgbClr val="5B9BD5"/>
-      </a:accent1>
-      <a:accent2>
-        <a:srgbClr val="ED7D31"/>
-      </a:accent2>
-      <a:accent3>
-        <a:srgbClr val="A5A5A5"/>
-      </a:accent3>
-      <a:accent4>
-        <a:srgbClr val="FFC000"/>
-      </a:accent4>
-      <a:accent5>
-        <a:srgbClr val="4472C4"/>
-      </a:accent5>
-      <a:accent6>
-        <a:srgbClr val="70AD47"/>
-      </a:accent6>
-      <a:hlink>
-        <a:srgbClr val="0563C1"/>
-      </a:hlink>
-      <a:folHlink>
-        <a:srgbClr val="954F72"/>
-      </a:folHlink>
-    </a:clrScheme>
-    <a:fontScheme name="Office">
-      <a:majorFont>
-        <a:latin typeface="Calibri Light" panose="020F0302020204030204"/>
-        <a:ea typeface=""/>
-        <a:cs typeface=""/>
-        <a:font script="Jpan" typeface="ＭＳ Ｐゴシック"/>
-        <a:font script="Hang" typeface="맑은 고딕"/>
-        <a:font script="Hans" typeface="宋体"/>
-        <a:font script="Hant" typeface="新細明體"/>
-        <a:font script="Arab" typeface="Times New Roman"/>
-        <a:font script="Hebr" typeface="Times New Roman"/>
-        <a:font script="Thai" typeface="Angsana New"/>
-        <a:font script="Ethi" typeface="Nyala"/>
-        <a:font script="Beng" typeface="Vrinda"/>
-        <a:font script="Gujr" typeface="Shruti"/>
-        <a:font script="Khmr" typeface="MoolBoran"/>
-        <a:font script="Knda" typeface="Tunga"/>
-        <a:font script="Guru" typeface="Raavi"/>
-        <a:font script="Cans" typeface="Euphemia"/>
-        <a:font script="Cher" typeface="Plantagenet Cherokee"/>
-        <a:font script="Yiii" typeface="Microsoft Yi Baiti"/>
-        <a:font script="Tibt" typeface="Microsoft Himalaya"/>
-        <a:font script="Thaa" typeface="MV Boli"/>
-        <a:font script="Deva" typeface="Mangal"/>
-        <a:font script="Telu" typeface="Gautami"/>
-        <a:font script="Taml" typeface="Latha"/>
-        <a:font script="Syrc" typeface="Estrangelo Edessa"/>
-        <a:font script="Orya" typeface="Kalinga"/>
-        <a:font script="Mlym" typeface="Kartika"/>
-        <a:font script="Laoo" typeface="DokChampa"/>
-        <a:font script="Sinh" typeface="Iskoola Pota"/>
-        <a:font script="Mong" typeface="Mongolian Baiti"/>
-        <a:font script="Viet" typeface="Times New Roman"/>
-        <a:font script="Uigh" typeface="Microsoft Uighur"/>
-        <a:font script="Geor" typeface="Sylfaen"/>
-      </a:majorFont>
-      <a:minorFont>
-        <a:latin typeface="Calibri" panose="020F0502020204030204"/>
-        <a:ea typeface=""/>
-        <a:cs typeface=""/>
-        <a:font script="Jpan" typeface="ＭＳ Ｐゴシック"/>
-        <a:font script="Hang" typeface="맑은 고딕"/>
-        <a:font script="Hans" typeface="宋体"/>
-        <a:font script="Hant" typeface="新細明體"/>
-        <a:font script="Arab" typeface="Arial"/>
-        <a:font script="Hebr" typeface="Arial"/>
-        <a:font script="Thai" typeface="Cordia New"/>
-        <a:font script="Ethi" typeface="Nyala"/>
-        <a:font script="Beng" typeface="Vrinda"/>
-        <a:font script="Gujr" typeface="Shruti"/>
-        <a:font script="Khmr" typeface="DaunPenh"/>
-        <a:font script="Knda" typeface="Tunga"/>
-        <a:font script="Guru" typeface="Raavi"/>
-        <a:font script="Cans" typeface="Euphemia"/>
-        <a:font script="Cher" typeface="Plantagenet Cherokee"/>
-        <a:font script="Yiii" typeface="Microsoft Yi Baiti"/>
-        <a:font script="Tibt" typeface="Microsoft Himalaya"/>
-        <a:font script="Thaa" typeface="MV Boli"/>
-        <a:font script="Deva" typeface="Mangal"/>
-        <a:font script="Telu" typeface="Gautami"/>
-        <a:font script="Taml" typeface="Latha"/>
-        <a:font script="Syrc" typeface="Estrangelo Edessa"/>
-        <a:font script="Orya" typeface="Kalinga"/>
-        <a:font script="Mlym" typeface="Kartika"/>
-        <a:font script="Laoo" typeface="DokChampa"/>
-        <a:font script="Sinh" typeface="Iskoola Pota"/>
-        <a:font script="Mong" typeface="Mongolian Baiti"/>
-        <a:font script="Viet" typeface="Arial"/>
-        <a:font script="Uigh" typeface="Microsoft Uighur"/>
-        <a:font script="Geor" typeface="Sylfaen"/>
-      </a:minorFont>
-    </a:fontScheme>
-    <a:fmtScheme name="Office">
-      <a:fillStyleLst>
-        <a:solidFill>
-          <a:schemeClr val="phClr"/>
-        </a:solidFill>
-        <a:gradFill rotWithShape="1">
-          <a:gsLst>
-            <a:gs pos="0">
-              <a:schemeClr val="phClr">
-                <a:lumMod val="110000"/>
-                <a:satMod val="105000"/>
-                <a:tint val="67000"/>
-              </a:schemeClr>
-            </a:gs>
-            <a:gs pos="50000">
-              <a:schemeClr val="phClr">
-                <a:lumMod val="105000"/>
-                <a:satMod val="103000"/>
-                <a:tint val="73000"/>
-              </a:schemeClr>
-            </a:gs>
-            <a:gs pos="100000">
-              <a:schemeClr val="phClr">
-                <a:lumMod val="105000"/>
-                <a:satMod val="109000"/>
-                <a:tint val="81000"/>
-              </a:schemeClr>
-            </a:gs>
-          </a:gsLst>
-          <a:lin ang="5400000" scaled="0"/>
-        </a:gradFill>
-        <a:gradFill rotWithShape="1">
-          <a:gsLst>
-            <a:gs pos="0">
-              <a:schemeClr val="phClr">
-                <a:satMod val="103000"/>
-                <a:lumMod val="102000"/>
-                <a:tint val="94000"/>
-              </a:schemeClr>
-            </a:gs>
-            <a:gs pos="50000">
-              <a:schemeClr val="phClr">
-                <a:satMod val="110000"/>
-                <a:lumMod val="100000"/>
-                <a:shade val="100000"/>
-              </a:schemeClr>
-            </a:gs>
-            <a:gs pos="100000">
-              <a:schemeClr val="phClr">
-                <a:lumMod val="99000"/>
-                <a:satMod val="120000"/>
-                <a:shade val="78000"/>
-              </a:schemeClr>
-            </a:gs>
-          </a:gsLst>
-          <a:lin ang="5400000" scaled="0"/>
-        </a:gradFill>
-      </a:fillStyleLst>
-      <a:lnStyleLst>
-        <a:ln w="6350" cap="flat" cmpd="sng" algn="ctr">
-          <a:solidFill>
-            <a:schemeClr val="phClr"/>
-          </a:solidFill>
-          <a:prstDash val="solid"/>
-          <a:miter lim="800000"/>
-        </a:ln>
-        <a:ln w="12700" cap="flat" cmpd="sng" algn="ctr">
-          <a:solidFill>
-            <a:schemeClr val="phClr"/>
-          </a:solidFill>
-          <a:prstDash val="solid"/>
-          <a:miter lim="800000"/>
-        </a:ln>
-        <a:ln w="19050" cap="flat" cmpd="sng" algn="ctr">
-          <a:solidFill>
-            <a:schemeClr val="phClr"/>
-          </a:solidFill>
-          <a:prstDash val="solid"/>
-          <a:miter lim="800000"/>
-        </a:ln>
-      </a:lnStyleLst>
-      <a:effectStyleLst>
-        <a:effectStyle>
-          <a:effectLst/>
-        </a:effectStyle>
-        <a:effectStyle>
-          <a:effectLst/>
-        </a:effectStyle>
-        <a:effectStyle>
-          <a:effectLst>
-            <a:outerShdw blurRad="57150" dist="19050" dir="5400000" algn="ctr" rotWithShape="0">
-              <a:srgbClr val="000000">
-                <a:alpha val="63000"/>
-              </a:srgbClr>
-            </a:outerShdw>
-          </a:effectLst>
-        </a:effectStyle>
-      </a:effectStyleLst>
-      <a:bgFillStyleLst>
-        <a:solidFill>
-          <a:schemeClr val="phClr"/>
-        </a:solidFill>
-        <a:solidFill>
-          <a:schemeClr val="phClr">
-            <a:tint val="95000"/>
-            <a:satMod val="170000"/>
-          </a:schemeClr>
-        </a:solidFill>
-        <a:gradFill rotWithShape="1">
-          <a:gsLst>
-            <a:gs pos="0">
-              <a:schemeClr val="phClr">
-                <a:tint val="93000"/>
-                <a:satMod val="150000"/>
-                <a:shade val="98000"/>
-                <a:lumMod val="102000"/>
-              </a:schemeClr>
-            </a:gs>
-            <a:gs pos="50000">
-              <a:schemeClr val="phClr">
-                <a:tint val="98000"/>
-                <a:satMod val="130000"/>
-                <a:shade val="90000"/>
-                <a:lumMod val="103000"/>
-              </a:schemeClr>
-            </a:gs>
-            <a:gs pos="100000">
-              <a:schemeClr val="phClr">
-                <a:shade val="63000"/>
-                <a:satMod val="120000"/>
-              </a:schemeClr>
-            </a:gs>
-          </a:gsLst>
-          <a:lin ang="5400000" scaled="0"/>
-        </a:gradFill>
-      </a:bgFillStyleLst>
-    </a:fmtScheme>
-  </a:themeElements>
-  <a:objectDefaults/>
-  <a:extraClrSchemeLst/>
-  <a:extLst>
-    <a:ext uri="{05A4C25C-085E-4340-85A3-A5531E510DB2}">
-      <thm15:themeFamily xmlns:thm15="http://schemas.microsoft.com/office/thememl/2012/main" name="Office Theme" id="{62F939B6-93AF-4DB8-9C6B-D6C7DFDC589F}" vid="{4A3C46E8-61CC-4603-A589-7422A47A8E4A}"/>
-    </a:ext>
-  </a:extLst>
-</a:theme>
 </file>